--- a/화면설계서/프리모아 기획서양식_200123.pptx
+++ b/화면설계서/프리모아 기획서양식_200123.pptx
@@ -1,23 +1,23 @@
 
 <file path=ppt/presentation.xml><?xml version="1.0" encoding="utf-8"?>
-<p:presentation xmlns:a="http://schemas.openxmlformats.org/drawingml/2006/main" xmlns:r="http://schemas.openxmlformats.org/officeDocument/2006/relationships" xmlns:p="http://schemas.openxmlformats.org/presentationml/2006/main" showSpecialPlsOnTitleSld="0" saveSubsetFonts="1">
+<p:presentation xmlns:r="http://schemas.openxmlformats.org/officeDocument/2006/relationships" xmlns:c="http://schemas.openxmlformats.org/drawingml/2006/chart" xmlns:a="http://schemas.openxmlformats.org/drawingml/2006/main" xmlns:dgm="http://schemas.openxmlformats.org/drawingml/2006/diagram" xmlns:dsp="http://schemas.microsoft.com/office/drawing/2008/diagram" xmlns:p="http://schemas.openxmlformats.org/presentationml/2006/main" showSpecialPlsOnTitleSld="0">
   <p:sldMasterIdLst>
     <p:sldMasterId id="2147483648" r:id="rId1"/>
     <p:sldMasterId id="2147483673" r:id="rId2"/>
   </p:sldMasterIdLst>
   <p:notesMasterIdLst>
-    <p:notesMasterId r:id="rId9"/>
+    <p:notesMasterId r:id="rId3"/>
   </p:notesMasterIdLst>
   <p:handoutMasterIdLst>
-    <p:handoutMasterId r:id="rId10"/>
+    <p:handoutMasterId r:id="rId4"/>
   </p:handoutMasterIdLst>
   <p:sldIdLst>
-    <p:sldId id="398" r:id="rId3"/>
-    <p:sldId id="409" r:id="rId4"/>
-    <p:sldId id="403" r:id="rId5"/>
-    <p:sldId id="404" r:id="rId6"/>
-    <p:sldId id="412" r:id="rId7"/>
-    <p:sldId id="406" r:id="rId8"/>
+    <p:sldId id="398" r:id="rId5"/>
+    <p:sldId id="409" r:id="rId6"/>
+    <p:sldId id="403" r:id="rId7"/>
+    <p:sldId id="404" r:id="rId8"/>
+    <p:sldId id="412" r:id="rId9"/>
+    <p:sldId id="406" r:id="rId10"/>
   </p:sldIdLst>
   <p:sldSz cx="9144000" cy="5715000" type="screen16x10"/>
   <p:notesSz cx="6735763" cy="9866313"/>
@@ -116,47 +116,17 @@
       </a:defRPr>
     </a:lvl9pPr>
   </p:defaultTextStyle>
-  <p:extLst>
-    <p:ext uri="{EFAFB233-063F-42B5-8137-9DF3F51BA10A}">
-      <p15:sldGuideLst xmlns:p15="http://schemas.microsoft.com/office/powerpoint/2012/main">
-        <p15:guide id="1" orient="horz" pos="1800">
-          <p15:clr>
-            <a:srgbClr val="A4A3A4"/>
-          </p15:clr>
-        </p15:guide>
-        <p15:guide id="2" pos="2880">
-          <p15:clr>
-            <a:srgbClr val="A4A3A4"/>
-          </p15:clr>
-        </p15:guide>
-      </p15:sldGuideLst>
-    </p:ext>
-    <p:ext uri="{2D200454-40CA-4A62-9FC3-DE9A4176ACB9}">
-      <p15:notesGuideLst xmlns:p15="http://schemas.microsoft.com/office/powerpoint/2012/main">
-        <p15:guide id="1" orient="horz" pos="3107">
-          <p15:clr>
-            <a:srgbClr val="A4A3A4"/>
-          </p15:clr>
-        </p15:guide>
-        <p15:guide id="2" pos="2121">
-          <p15:clr>
-            <a:srgbClr val="A4A3A4"/>
-          </p15:clr>
-        </p15:guide>
-      </p15:notesGuideLst>
-    </p:ext>
-  </p:extLst>
 </p:presentation>
 </file>
 
 <file path=ppt/commentAuthors.xml><?xml version="1.0" encoding="utf-8"?>
-<p:cmAuthorLst xmlns:a="http://schemas.openxmlformats.org/drawingml/2006/main" xmlns:r="http://schemas.openxmlformats.org/officeDocument/2006/relationships" xmlns:p="http://schemas.openxmlformats.org/presentationml/2006/main">
+<p:cmAuthorLst xmlns:r="http://schemas.openxmlformats.org/officeDocument/2006/relationships" xmlns:c="http://schemas.openxmlformats.org/drawingml/2006/chart" xmlns:a="http://schemas.openxmlformats.org/drawingml/2006/main" xmlns:dgm="http://schemas.openxmlformats.org/drawingml/2006/diagram" xmlns:dsp="http://schemas.microsoft.com/office/drawing/2008/diagram" xmlns:p="http://schemas.openxmlformats.org/presentationml/2006/main">
   <p:cmAuthor id="1" name="user" initials="u" lastIdx="4" clrIdx="0"/>
 </p:cmAuthorLst>
 </file>
 
 <file path=ppt/handoutMasters/handoutMaster1.xml><?xml version="1.0" encoding="utf-8"?>
-<p:handoutMaster xmlns:a="http://schemas.openxmlformats.org/drawingml/2006/main" xmlns:r="http://schemas.openxmlformats.org/officeDocument/2006/relationships" xmlns:p="http://schemas.openxmlformats.org/presentationml/2006/main">
+<p:handoutMaster xmlns:r="http://schemas.openxmlformats.org/officeDocument/2006/relationships" xmlns:c="http://schemas.openxmlformats.org/drawingml/2006/chart" xmlns:a="http://schemas.openxmlformats.org/drawingml/2006/main" xmlns:dgm="http://schemas.openxmlformats.org/drawingml/2006/diagram" xmlns:dsp="http://schemas.microsoft.com/office/drawing/2008/diagram" xmlns:p="http://schemas.openxmlformats.org/presentationml/2006/main">
   <p:cSld>
     <p:bg>
       <p:bgRef idx="1001">
@@ -184,7 +154,7 @@
             <a:spLocks noGrp="1"/>
           </p:cNvSpPr>
           <p:nvPr>
-            <p:ph type="hdr" sz="quarter"/>
+            <p:ph type="hdr" sz="quarter" idx="0"/>
           </p:nvPr>
         </p:nvSpPr>
         <p:spPr>
@@ -204,6 +174,7 @@
             </a:lvl1pPr>
           </a:lstStyle>
           <a:p>
+            <a:pPr lvl="0"/>
             <a:endParaRPr lang="ko-KR" altLang="en-US"/>
           </a:p>
         </p:txBody>
@@ -235,7 +206,8 @@
             </a:lvl1pPr>
           </a:lstStyle>
           <a:p>
-            <a:fld id="{999972AA-FE3A-41E8-94D7-0A348C1614D1}" type="datetimeFigureOut">
+            <a:pPr lvl="0"/>
+            <a:fld id="{999972AA-FE3A-41E8-94D7-0A348C1614D1}" type="datetime1">
               <a:rPr lang="ko-KR" altLang="en-US" smtClean="0"/>
               <a:t>2020-01-27</a:t>
             </a:fld>
@@ -270,6 +242,7 @@
             </a:lvl1pPr>
           </a:lstStyle>
           <a:p>
+            <a:pPr lvl="0"/>
             <a:endParaRPr lang="ko-KR" altLang="en-US"/>
           </a:p>
         </p:txBody>
@@ -301,6 +274,7 @@
             </a:lvl1pPr>
           </a:lstStyle>
           <a:p>
+            <a:pPr lvl="0"/>
             <a:fld id="{E3B63632-7804-4AD9-A8DE-B9F04656911F}" type="slidenum">
               <a:rPr lang="ko-KR" altLang="en-US" smtClean="0"/>
               <a:t>‹#›</a:t>
@@ -321,7 +295,7 @@
 </file>
 
 <file path=ppt/notesMasters/notesMaster1.xml><?xml version="1.0" encoding="utf-8"?>
-<p:notesMaster xmlns:a="http://schemas.openxmlformats.org/drawingml/2006/main" xmlns:r="http://schemas.openxmlformats.org/officeDocument/2006/relationships" xmlns:p="http://schemas.openxmlformats.org/presentationml/2006/main">
+<p:notesMaster xmlns:r="http://schemas.openxmlformats.org/officeDocument/2006/relationships" xmlns:c="http://schemas.openxmlformats.org/drawingml/2006/chart" xmlns:a="http://schemas.openxmlformats.org/drawingml/2006/main" xmlns:dgm="http://schemas.openxmlformats.org/drawingml/2006/diagram" xmlns:dsp="http://schemas.microsoft.com/office/drawing/2008/diagram" xmlns:p="http://schemas.openxmlformats.org/presentationml/2006/main">
   <p:cSld>
     <p:bg>
       <p:bgRef idx="1001">
@@ -349,7 +323,7 @@
             <a:spLocks noGrp="1"/>
           </p:cNvSpPr>
           <p:nvPr>
-            <p:ph type="hdr" sz="quarter"/>
+            <p:ph type="hdr" sz="quarter" idx="0"/>
           </p:nvPr>
         </p:nvSpPr>
         <p:spPr>
@@ -369,6 +343,7 @@
             </a:lvl1pPr>
           </a:lstStyle>
           <a:p>
+            <a:pPr lvl="0"/>
             <a:endParaRPr lang="ko-KR" altLang="en-US"/>
           </a:p>
         </p:txBody>
@@ -400,7 +375,8 @@
             </a:lvl1pPr>
           </a:lstStyle>
           <a:p>
-            <a:fld id="{CB25E66B-2806-4CC0-B543-C1F698B8CB0C}" type="datetimeFigureOut">
+            <a:pPr lvl="0"/>
+            <a:fld id="{CB25E66B-2806-4CC0-B543-C1F698B8CB0C}" type="datetime1">
               <a:rPr lang="ko-KR" altLang="en-US" smtClean="0"/>
               <a:t>2020-01-27</a:t>
             </a:fld>
@@ -412,7 +388,7 @@
         <p:nvSpPr>
           <p:cNvPr id="4" name="슬라이드 이미지 개체 틀 3"/>
           <p:cNvSpPr>
-            <a:spLocks noGrp="1" noRot="1" noChangeAspect="1"/>
+            <a:spLocks noGrp="1" noRot="1" noChangeAspect="1" noTextEdit="1"/>
           </p:cNvSpPr>
           <p:nvPr>
             <p:ph type="sldImg" idx="2"/>
@@ -437,6 +413,7 @@
           <a:bodyPr vert="horz" lIns="91440" tIns="45720" rIns="91440" bIns="45720" rtlCol="0" anchor="ctr"/>
           <a:lstStyle/>
           <a:p>
+            <a:pPr lvl="0"/>
             <a:endParaRPr lang="ko-KR" altLang="en-US"/>
           </a:p>
         </p:txBody>
@@ -461,42 +438,57 @@
           </a:prstGeom>
         </p:spPr>
         <p:txBody>
-          <a:bodyPr vert="horz" lIns="91440" tIns="45720" rIns="91440" bIns="45720" rtlCol="0"/>
+          <a:bodyPr vert="horz" lIns="91440" tIns="45720" rIns="91440" bIns="45720"/>
           <a:lstStyle/>
           <a:p>
-            <a:pPr lvl="0"/>
+            <a:pPr lvl="0">
+              <a:defRPr/>
+            </a:pPr>
             <a:r>
               <a:rPr lang="ko-KR" altLang="en-US"/>
               <a:t>마스터 텍스트 스타일을 편집합니다</a:t>
             </a:r>
+            <a:endParaRPr lang="ko-KR" altLang="en-US"/>
           </a:p>
           <a:p>
-            <a:pPr lvl="1"/>
+            <a:pPr lvl="1">
+              <a:defRPr/>
+            </a:pPr>
             <a:r>
               <a:rPr lang="ko-KR" altLang="en-US"/>
               <a:t>둘째 수준</a:t>
             </a:r>
+            <a:endParaRPr lang="ko-KR" altLang="en-US"/>
           </a:p>
           <a:p>
-            <a:pPr lvl="2"/>
+            <a:pPr lvl="2">
+              <a:defRPr/>
+            </a:pPr>
             <a:r>
               <a:rPr lang="ko-KR" altLang="en-US"/>
               <a:t>셋째 수준</a:t>
             </a:r>
+            <a:endParaRPr lang="ko-KR" altLang="en-US"/>
           </a:p>
           <a:p>
-            <a:pPr lvl="3"/>
+            <a:pPr lvl="3">
+              <a:defRPr/>
+            </a:pPr>
             <a:r>
               <a:rPr lang="ko-KR" altLang="en-US"/>
               <a:t>넷째 수준</a:t>
             </a:r>
+            <a:endParaRPr lang="ko-KR" altLang="en-US"/>
           </a:p>
           <a:p>
-            <a:pPr lvl="4"/>
+            <a:pPr lvl="4">
+              <a:defRPr/>
+            </a:pPr>
             <a:r>
               <a:rPr lang="ko-KR" altLang="en-US"/>
               <a:t>다섯째 수준</a:t>
             </a:r>
+            <a:endParaRPr lang="ko-KR" altLang="en-US"/>
           </a:p>
         </p:txBody>
       </p:sp>
@@ -527,6 +519,7 @@
             </a:lvl1pPr>
           </a:lstStyle>
           <a:p>
+            <a:pPr lvl="0"/>
             <a:endParaRPr lang="ko-KR" altLang="en-US"/>
           </a:p>
         </p:txBody>
@@ -558,6 +551,7 @@
             </a:lvl1pPr>
           </a:lstStyle>
           <a:p>
+            <a:pPr lvl="0"/>
             <a:fld id="{AC76DB6A-589F-43F9-84B6-ACD2F062FABB}" type="slidenum">
               <a:rPr lang="ko-KR" altLang="en-US" smtClean="0"/>
               <a:t>‹#›</a:t>
@@ -574,6 +568,7 @@
     </p:extLst>
   </p:cSld>
   <p:clrMap bg1="lt1" tx1="dk1" bg2="lt2" tx2="dk2" accent1="accent1" accent2="accent2" accent3="accent3" accent4="accent4" accent5="accent5" accent6="accent6" hlink="hlink" folHlink="folHlink"/>
+  <p:hf hdr="0" ftr="0" dt="0"/>
   <p:notesStyle>
     <a:lvl1pPr marL="0" algn="l" defTabSz="914400" rtl="0" eaLnBrk="1" latinLnBrk="1" hangingPunct="1">
       <a:defRPr sz="1200" kern="1200">
@@ -7781,7 +7776,7 @@
 </file>
 
 <file path=ppt/slides/slide2.xml><?xml version="1.0" encoding="utf-8"?>
-<p:sld xmlns:a="http://schemas.openxmlformats.org/drawingml/2006/main" xmlns:r="http://schemas.openxmlformats.org/officeDocument/2006/relationships" xmlns:p="http://schemas.openxmlformats.org/presentationml/2006/main">
+<p:sld xmlns:r="http://schemas.openxmlformats.org/officeDocument/2006/relationships" xmlns:c="http://schemas.openxmlformats.org/drawingml/2006/chart" xmlns:a="http://schemas.openxmlformats.org/drawingml/2006/main" xmlns:dgm="http://schemas.openxmlformats.org/drawingml/2006/diagram" xmlns:dsp="http://schemas.microsoft.com/office/drawing/2008/diagram" xmlns:p="http://schemas.openxmlformats.org/presentationml/2006/main">
   <p:cSld>
     <p:spTree>
       <p:nvGrpSpPr>
@@ -7803,13 +7798,7 @@
           <p:cNvGraphicFramePr>
             <a:graphicFrameLocks noGrp="1"/>
           </p:cNvGraphicFramePr>
-          <p:nvPr>
-            <p:extLst>
-              <p:ext uri="{D42A27DB-BD31-4B8C-83A1-F6EECF244321}">
-                <p14:modId xmlns:p14="http://schemas.microsoft.com/office/powerpoint/2010/main" val="1352669630"/>
-              </p:ext>
-            </p:extLst>
-          </p:nvPr>
+          <p:nvPr/>
         </p:nvGraphicFramePr>
         <p:xfrm>
           <a:off x="275731" y="675489"/>
@@ -7822,57 +7811,34 @@
                 <a:tableStyleId>{F5AB1C69-6EDB-4FF4-983F-18BD219EF322}</a:tableStyleId>
               </a:tblPr>
               <a:tblGrid>
-                <a:gridCol w="758812">
-                  <a:extLst>
-                    <a:ext uri="{9D8B030D-6E8A-4147-A177-3AD203B41FA5}">
-                      <a16:colId xmlns="" xmlns:a16="http://schemas.microsoft.com/office/drawing/2014/main" val="20000"/>
-                    </a:ext>
-                  </a:extLst>
-                </a:gridCol>
-                <a:gridCol w="1080514">
-                  <a:extLst>
-                    <a:ext uri="{9D8B030D-6E8A-4147-A177-3AD203B41FA5}">
-                      <a16:colId xmlns="" xmlns:a16="http://schemas.microsoft.com/office/drawing/2014/main" val="20001"/>
-                    </a:ext>
-                  </a:extLst>
-                </a:gridCol>
-                <a:gridCol w="630300">
-                  <a:extLst>
-                    <a:ext uri="{9D8B030D-6E8A-4147-A177-3AD203B41FA5}">
-                      <a16:colId xmlns="" xmlns:a16="http://schemas.microsoft.com/office/drawing/2014/main" val="20002"/>
-                    </a:ext>
-                  </a:extLst>
-                </a:gridCol>
-                <a:gridCol w="4952355">
-                  <a:extLst>
-                    <a:ext uri="{9D8B030D-6E8A-4147-A177-3AD203B41FA5}">
-                      <a16:colId xmlns="" xmlns:a16="http://schemas.microsoft.com/office/drawing/2014/main" val="20003"/>
-                    </a:ext>
-                  </a:extLst>
-                </a:gridCol>
-                <a:gridCol w="1170557">
-                  <a:extLst>
-                    <a:ext uri="{9D8B030D-6E8A-4147-A177-3AD203B41FA5}">
-                      <a16:colId xmlns="" xmlns:a16="http://schemas.microsoft.com/office/drawing/2014/main" val="20004"/>
-                    </a:ext>
-                  </a:extLst>
-                </a:gridCol>
+                <a:gridCol w="758812"/>
+                <a:gridCol w="1080514"/>
+                <a:gridCol w="630300"/>
+                <a:gridCol w="4952355"/>
+                <a:gridCol w="1170557"/>
               </a:tblGrid>
               <a:tr h="241227">
                 <a:tc>
                   <a:txBody>
-                    <a:bodyPr/>
+                    <a:bodyPr vert="horz" lIns="68352" tIns="34176" rIns="68352" bIns="34176" anchor="ctr" anchorCtr="0"/>
                     <a:lstStyle/>
                     <a:p>
-                      <a:pPr algn="ctr" latinLnBrk="1"/>
+                      <a:pPr lvl="0" algn="ctr" latinLnBrk="1">
+                        <a:defRPr/>
+                      </a:pPr>
                       <a:r>
-                        <a:rPr lang="ko-KR" altLang="en-US" sz="700" dirty="0">
+                        <a:rPr lang="ko-KR" altLang="en-US" sz="700">
                           <a:solidFill>
                             <a:schemeClr val="tx1"/>
                           </a:solidFill>
                         </a:rPr>
                         <a:t>버전</a:t>
                       </a:r>
+                      <a:endParaRPr lang="ko-KR" altLang="en-US" sz="700">
+                        <a:solidFill>
+                          <a:schemeClr val="tx1"/>
+                        </a:solidFill>
+                      </a:endParaRPr>
                     </a:p>
                   </a:txBody>
                   <a:tcPr marL="68352" marR="68352" marT="34176" marB="34176" anchor="ctr">
@@ -7880,8 +7846,8 @@
                       <a:noFill/>
                       <a:prstDash val="solid"/>
                       <a:round/>
-                      <a:headEnd type="none" w="med" len="med"/>
-                      <a:tailEnd type="none" w="med" len="med"/>
+                      <a:headEnd w="med" len="med"/>
+                      <a:tailEnd w="med" len="med"/>
                     </a:lnL>
                     <a:lnR w="3175" cap="flat" cmpd="sng" algn="ctr">
                       <a:solidFill>
@@ -7891,15 +7857,15 @@
                       </a:solidFill>
                       <a:prstDash val="solid"/>
                       <a:round/>
-                      <a:headEnd type="none" w="med" len="med"/>
-                      <a:tailEnd type="none" w="med" len="med"/>
+                      <a:headEnd w="med" len="med"/>
+                      <a:tailEnd w="med" len="med"/>
                     </a:lnR>
                     <a:lnT w="12700" cap="flat" cmpd="sng" algn="ctr">
                       <a:noFill/>
                       <a:prstDash val="solid"/>
                       <a:round/>
-                      <a:headEnd type="none" w="med" len="med"/>
-                      <a:tailEnd type="none" w="med" len="med"/>
+                      <a:headEnd w="med" len="med"/>
+                      <a:tailEnd w="med" len="med"/>
                     </a:lnT>
                     <a:lnB w="3175" cap="flat" cmpd="sng" algn="ctr">
                       <a:solidFill>
@@ -7909,8 +7875,8 @@
                       </a:solidFill>
                       <a:prstDash val="solid"/>
                       <a:round/>
-                      <a:headEnd type="none" w="med" len="med"/>
-                      <a:tailEnd type="none" w="med" len="med"/>
+                      <a:headEnd w="med" len="med"/>
+                      <a:tailEnd w="med" len="med"/>
                     </a:lnB>
                     <a:solidFill>
                       <a:schemeClr val="bg1">
@@ -7921,18 +7887,25 @@
                 </a:tc>
                 <a:tc>
                   <a:txBody>
-                    <a:bodyPr/>
+                    <a:bodyPr vert="horz" lIns="68352" tIns="34176" rIns="68352" bIns="34176" anchor="ctr" anchorCtr="0"/>
                     <a:lstStyle/>
                     <a:p>
-                      <a:pPr algn="ctr" latinLnBrk="1"/>
+                      <a:pPr lvl="0" algn="ctr" latinLnBrk="1">
+                        <a:defRPr/>
+                      </a:pPr>
                       <a:r>
-                        <a:rPr lang="ko-KR" altLang="en-US" sz="700" dirty="0">
+                        <a:rPr lang="ko-KR" altLang="en-US" sz="700">
                           <a:solidFill>
                             <a:schemeClr val="tx1"/>
                           </a:solidFill>
                         </a:rPr>
                         <a:t>변경일자</a:t>
                       </a:r>
+                      <a:endParaRPr lang="ko-KR" altLang="en-US" sz="700">
+                        <a:solidFill>
+                          <a:schemeClr val="tx1"/>
+                        </a:solidFill>
+                      </a:endParaRPr>
                     </a:p>
                   </a:txBody>
                   <a:tcPr marL="68352" marR="68352" marT="34176" marB="34176" anchor="ctr">
@@ -7944,8 +7917,8 @@
                       </a:solidFill>
                       <a:prstDash val="solid"/>
                       <a:round/>
-                      <a:headEnd type="none" w="med" len="med"/>
-                      <a:tailEnd type="none" w="med" len="med"/>
+                      <a:headEnd w="med" len="med"/>
+                      <a:tailEnd w="med" len="med"/>
                     </a:lnL>
                     <a:lnR w="3175" cap="flat" cmpd="sng" algn="ctr">
                       <a:solidFill>
@@ -7955,15 +7928,15 @@
                       </a:solidFill>
                       <a:prstDash val="solid"/>
                       <a:round/>
-                      <a:headEnd type="none" w="med" len="med"/>
-                      <a:tailEnd type="none" w="med" len="med"/>
+                      <a:headEnd w="med" len="med"/>
+                      <a:tailEnd w="med" len="med"/>
                     </a:lnR>
                     <a:lnT w="12700" cap="flat" cmpd="sng" algn="ctr">
                       <a:noFill/>
                       <a:prstDash val="solid"/>
                       <a:round/>
-                      <a:headEnd type="none" w="med" len="med"/>
-                      <a:tailEnd type="none" w="med" len="med"/>
+                      <a:headEnd w="med" len="med"/>
+                      <a:tailEnd w="med" len="med"/>
                     </a:lnT>
                     <a:lnB w="3175" cap="flat" cmpd="sng" algn="ctr">
                       <a:solidFill>
@@ -7973,8 +7946,8 @@
                       </a:solidFill>
                       <a:prstDash val="solid"/>
                       <a:round/>
-                      <a:headEnd type="none" w="med" len="med"/>
-                      <a:tailEnd type="none" w="med" len="med"/>
+                      <a:headEnd w="med" len="med"/>
+                      <a:tailEnd w="med" len="med"/>
                     </a:lnB>
                     <a:solidFill>
                       <a:schemeClr val="bg1">
@@ -7985,19 +7958,21 @@
                 </a:tc>
                 <a:tc>
                   <a:txBody>
-                    <a:bodyPr/>
+                    <a:bodyPr vert="horz" lIns="68352" tIns="34176" rIns="68352" bIns="34176" anchor="ctr" anchorCtr="0"/>
                     <a:lstStyle/>
                     <a:p>
-                      <a:pPr algn="ctr" latinLnBrk="1"/>
+                      <a:pPr lvl="0" algn="ctr" latinLnBrk="1">
+                        <a:defRPr/>
+                      </a:pPr>
                       <a:r>
-                        <a:rPr lang="en-US" altLang="ko-KR" sz="700" dirty="0">
+                        <a:rPr lang="en-US" altLang="ko-KR" sz="700">
                           <a:solidFill>
                             <a:schemeClr val="tx1"/>
                           </a:solidFill>
                         </a:rPr>
                         <a:t>page</a:t>
                       </a:r>
-                      <a:endParaRPr lang="ko-KR" altLang="en-US" sz="700" dirty="0">
+                      <a:endParaRPr lang="ko-KR" altLang="en-US" sz="700">
                         <a:solidFill>
                           <a:schemeClr val="tx1"/>
                         </a:solidFill>
@@ -8013,8 +7988,8 @@
                       </a:solidFill>
                       <a:prstDash val="solid"/>
                       <a:round/>
-                      <a:headEnd type="none" w="med" len="med"/>
-                      <a:tailEnd type="none" w="med" len="med"/>
+                      <a:headEnd w="med" len="med"/>
+                      <a:tailEnd w="med" len="med"/>
                     </a:lnL>
                     <a:lnR w="3175" cap="flat" cmpd="sng" algn="ctr">
                       <a:solidFill>
@@ -8024,15 +7999,15 @@
                       </a:solidFill>
                       <a:prstDash val="solid"/>
                       <a:round/>
-                      <a:headEnd type="none" w="med" len="med"/>
-                      <a:tailEnd type="none" w="med" len="med"/>
+                      <a:headEnd w="med" len="med"/>
+                      <a:tailEnd w="med" len="med"/>
                     </a:lnR>
                     <a:lnT w="12700" cap="flat" cmpd="sng" algn="ctr">
                       <a:noFill/>
                       <a:prstDash val="solid"/>
                       <a:round/>
-                      <a:headEnd type="none" w="med" len="med"/>
-                      <a:tailEnd type="none" w="med" len="med"/>
+                      <a:headEnd w="med" len="med"/>
+                      <a:tailEnd w="med" len="med"/>
                     </a:lnT>
                     <a:lnB w="3175" cap="flat" cmpd="sng" algn="ctr">
                       <a:solidFill>
@@ -8042,8 +8017,8 @@
                       </a:solidFill>
                       <a:prstDash val="solid"/>
                       <a:round/>
-                      <a:headEnd type="none" w="med" len="med"/>
-                      <a:tailEnd type="none" w="med" len="med"/>
+                      <a:headEnd w="med" len="med"/>
+                      <a:tailEnd w="med" len="med"/>
                     </a:lnB>
                     <a:solidFill>
                       <a:schemeClr val="bg1">
@@ -8054,18 +8029,25 @@
                 </a:tc>
                 <a:tc>
                   <a:txBody>
-                    <a:bodyPr/>
+                    <a:bodyPr vert="horz" lIns="68352" tIns="34176" rIns="68352" bIns="34176" anchor="ctr" anchorCtr="0"/>
                     <a:lstStyle/>
                     <a:p>
-                      <a:pPr algn="ctr" latinLnBrk="1"/>
+                      <a:pPr lvl="0" algn="ctr" latinLnBrk="1">
+                        <a:defRPr/>
+                      </a:pPr>
                       <a:r>
-                        <a:rPr lang="ko-KR" altLang="en-US" sz="700" dirty="0">
+                        <a:rPr lang="ko-KR" altLang="en-US" sz="700">
                           <a:solidFill>
                             <a:schemeClr val="tx1"/>
                           </a:solidFill>
                         </a:rPr>
                         <a:t>내                            용</a:t>
                       </a:r>
+                      <a:endParaRPr lang="ko-KR" altLang="en-US" sz="700">
+                        <a:solidFill>
+                          <a:schemeClr val="tx1"/>
+                        </a:solidFill>
+                      </a:endParaRPr>
                     </a:p>
                   </a:txBody>
                   <a:tcPr marL="68352" marR="68352" marT="34176" marB="34176" anchor="ctr">
@@ -8077,8 +8059,8 @@
                       </a:solidFill>
                       <a:prstDash val="solid"/>
                       <a:round/>
-                      <a:headEnd type="none" w="med" len="med"/>
-                      <a:tailEnd type="none" w="med" len="med"/>
+                      <a:headEnd w="med" len="med"/>
+                      <a:tailEnd w="med" len="med"/>
                     </a:lnL>
                     <a:lnR w="3175" cap="flat" cmpd="sng" algn="ctr">
                       <a:solidFill>
@@ -8088,15 +8070,15 @@
                       </a:solidFill>
                       <a:prstDash val="solid"/>
                       <a:round/>
-                      <a:headEnd type="none" w="med" len="med"/>
-                      <a:tailEnd type="none" w="med" len="med"/>
+                      <a:headEnd w="med" len="med"/>
+                      <a:tailEnd w="med" len="med"/>
                     </a:lnR>
                     <a:lnT w="12700" cap="flat" cmpd="sng" algn="ctr">
                       <a:noFill/>
                       <a:prstDash val="solid"/>
                       <a:round/>
-                      <a:headEnd type="none" w="med" len="med"/>
-                      <a:tailEnd type="none" w="med" len="med"/>
+                      <a:headEnd w="med" len="med"/>
+                      <a:tailEnd w="med" len="med"/>
                     </a:lnT>
                     <a:lnB w="3175" cap="flat" cmpd="sng" algn="ctr">
                       <a:solidFill>
@@ -8106,8 +8088,8 @@
                       </a:solidFill>
                       <a:prstDash val="solid"/>
                       <a:round/>
-                      <a:headEnd type="none" w="med" len="med"/>
-                      <a:tailEnd type="none" w="med" len="med"/>
+                      <a:headEnd w="med" len="med"/>
+                      <a:tailEnd w="med" len="med"/>
                     </a:lnB>
                     <a:solidFill>
                       <a:schemeClr val="bg1">
@@ -8118,18 +8100,25 @@
                 </a:tc>
                 <a:tc>
                   <a:txBody>
-                    <a:bodyPr/>
+                    <a:bodyPr vert="horz" lIns="68352" tIns="34176" rIns="68352" bIns="34176" anchor="ctr" anchorCtr="0"/>
                     <a:lstStyle/>
                     <a:p>
-                      <a:pPr algn="ctr" latinLnBrk="1"/>
+                      <a:pPr lvl="0" algn="ctr" latinLnBrk="1">
+                        <a:defRPr/>
+                      </a:pPr>
                       <a:r>
-                        <a:rPr lang="ko-KR" altLang="en-US" sz="700" dirty="0">
+                        <a:rPr lang="ko-KR" altLang="en-US" sz="700">
                           <a:solidFill>
                             <a:schemeClr val="tx1"/>
                           </a:solidFill>
                         </a:rPr>
                         <a:t>작성자</a:t>
                       </a:r>
+                      <a:endParaRPr lang="ko-KR" altLang="en-US" sz="700">
+                        <a:solidFill>
+                          <a:schemeClr val="tx1"/>
+                        </a:solidFill>
+                      </a:endParaRPr>
                     </a:p>
                   </a:txBody>
                   <a:tcPr marL="68352" marR="68352" marT="34176" marB="34176" anchor="ctr">
@@ -8141,22 +8130,22 @@
                       </a:solidFill>
                       <a:prstDash val="solid"/>
                       <a:round/>
-                      <a:headEnd type="none" w="med" len="med"/>
-                      <a:tailEnd type="none" w="med" len="med"/>
+                      <a:headEnd w="med" len="med"/>
+                      <a:tailEnd w="med" len="med"/>
                     </a:lnL>
                     <a:lnR w="12700" cap="flat" cmpd="sng" algn="ctr">
                       <a:noFill/>
                       <a:prstDash val="solid"/>
                       <a:round/>
-                      <a:headEnd type="none" w="med" len="med"/>
-                      <a:tailEnd type="none" w="med" len="med"/>
+                      <a:headEnd w="med" len="med"/>
+                      <a:tailEnd w="med" len="med"/>
                     </a:lnR>
                     <a:lnT w="12700" cap="flat" cmpd="sng" algn="ctr">
                       <a:noFill/>
                       <a:prstDash val="solid"/>
                       <a:round/>
-                      <a:headEnd type="none" w="med" len="med"/>
-                      <a:tailEnd type="none" w="med" len="med"/>
+                      <a:headEnd w="med" len="med"/>
+                      <a:tailEnd w="med" len="med"/>
                     </a:lnT>
                     <a:lnB w="3175" cap="flat" cmpd="sng" algn="ctr">
                       <a:solidFill>
@@ -8166,8 +8155,8 @@
                       </a:solidFill>
                       <a:prstDash val="solid"/>
                       <a:round/>
-                      <a:headEnd type="none" w="med" len="med"/>
-                      <a:tailEnd type="none" w="med" len="med"/>
+                      <a:headEnd w="med" len="med"/>
+                      <a:tailEnd w="med" len="med"/>
                     </a:lnB>
                     <a:solidFill>
                       <a:schemeClr val="bg1">
@@ -8176,24 +8165,21 @@
                     </a:solidFill>
                   </a:tcPr>
                 </a:tc>
-                <a:extLst>
-                  <a:ext uri="{0D108BD9-81ED-4DB2-BD59-A6C34878D82A}">
-                    <a16:rowId xmlns="" xmlns:a16="http://schemas.microsoft.com/office/drawing/2014/main" val="10000"/>
-                  </a:ext>
-                </a:extLst>
               </a:tr>
               <a:tr h="241227">
                 <a:tc>
                   <a:txBody>
-                    <a:bodyPr/>
+                    <a:bodyPr vert="horz" lIns="68352" tIns="34176" rIns="68352" bIns="34176" anchor="ctr" anchorCtr="0"/>
                     <a:lstStyle/>
                     <a:p>
-                      <a:pPr algn="ctr" latinLnBrk="1"/>
+                      <a:pPr lvl="0" algn="ctr" latinLnBrk="1">
+                        <a:defRPr/>
+                      </a:pPr>
                       <a:r>
-                        <a:rPr lang="en-US" altLang="ko-KR" sz="700" dirty="0"/>
+                        <a:rPr lang="en-US" altLang="ko-KR" sz="700"/>
                         <a:t>v.0.1</a:t>
                       </a:r>
-                      <a:endParaRPr lang="ko-KR" altLang="en-US" sz="700" dirty="0"/>
+                      <a:endParaRPr lang="ko-KR" altLang="en-US" sz="700"/>
                     </a:p>
                   </a:txBody>
                   <a:tcPr marL="68352" marR="68352" marT="34176" marB="34176" anchor="ctr">
@@ -8201,8 +8187,8 @@
                       <a:noFill/>
                       <a:prstDash val="solid"/>
                       <a:round/>
-                      <a:headEnd type="none" w="med" len="med"/>
-                      <a:tailEnd type="none" w="med" len="med"/>
+                      <a:headEnd w="med" len="med"/>
+                      <a:tailEnd w="med" len="med"/>
                     </a:lnL>
                     <a:lnR w="3175" cap="flat" cmpd="sng" algn="ctr">
                       <a:solidFill>
@@ -8212,8 +8198,8 @@
                       </a:solidFill>
                       <a:prstDash val="solid"/>
                       <a:round/>
-                      <a:headEnd type="none" w="med" len="med"/>
-                      <a:tailEnd type="none" w="med" len="med"/>
+                      <a:headEnd w="med" len="med"/>
+                      <a:tailEnd w="med" len="med"/>
                     </a:lnR>
                     <a:lnT w="3175" cap="flat" cmpd="sng" algn="ctr">
                       <a:solidFill>
@@ -8223,8 +8209,8 @@
                       </a:solidFill>
                       <a:prstDash val="solid"/>
                       <a:round/>
-                      <a:headEnd type="none" w="med" len="med"/>
-                      <a:tailEnd type="none" w="med" len="med"/>
+                      <a:headEnd w="med" len="med"/>
+                      <a:tailEnd w="med" len="med"/>
                     </a:lnT>
                     <a:lnB w="3175" cap="flat" cmpd="sng" algn="ctr">
                       <a:solidFill>
@@ -8234,22 +8220,25 @@
                       </a:solidFill>
                       <a:prstDash val="solid"/>
                       <a:round/>
-                      <a:headEnd type="none" w="med" len="med"/>
-                      <a:tailEnd type="none" w="med" len="med"/>
+                      <a:headEnd w="med" len="med"/>
+                      <a:tailEnd w="med" len="med"/>
                     </a:lnB>
                     <a:noFill/>
                   </a:tcPr>
                 </a:tc>
                 <a:tc>
                   <a:txBody>
-                    <a:bodyPr/>
+                    <a:bodyPr vert="horz" lIns="68352" tIns="34176" rIns="68352" bIns="34176" anchor="ctr" anchorCtr="0"/>
                     <a:lstStyle/>
                     <a:p>
-                      <a:pPr algn="ctr" latinLnBrk="1"/>
+                      <a:pPr lvl="0" algn="ctr" latinLnBrk="1">
+                        <a:defRPr/>
+                      </a:pPr>
                       <a:r>
-                        <a:rPr lang="en-US" altLang="ko-KR" sz="700" dirty="0"/>
+                        <a:rPr lang="en-US" altLang="ko-KR" sz="700"/>
                         <a:t>2020-01-01</a:t>
                       </a:r>
+                      <a:endParaRPr lang="en-US" altLang="ko-KR" sz="700"/>
                     </a:p>
                   </a:txBody>
                   <a:tcPr marL="68352" marR="68352" marT="34176" marB="34176" anchor="ctr">
@@ -8261,8 +8250,8 @@
                       </a:solidFill>
                       <a:prstDash val="solid"/>
                       <a:round/>
-                      <a:headEnd type="none" w="med" len="med"/>
-                      <a:tailEnd type="none" w="med" len="med"/>
+                      <a:headEnd w="med" len="med"/>
+                      <a:tailEnd w="med" len="med"/>
                     </a:lnL>
                     <a:lnR w="3175" cap="flat" cmpd="sng" algn="ctr">
                       <a:solidFill>
@@ -8272,8 +8261,8 @@
                       </a:solidFill>
                       <a:prstDash val="solid"/>
                       <a:round/>
-                      <a:headEnd type="none" w="med" len="med"/>
-                      <a:tailEnd type="none" w="med" len="med"/>
+                      <a:headEnd w="med" len="med"/>
+                      <a:tailEnd w="med" len="med"/>
                     </a:lnR>
                     <a:lnT w="3175" cap="flat" cmpd="sng" algn="ctr">
                       <a:solidFill>
@@ -8283,8 +8272,8 @@
                       </a:solidFill>
                       <a:prstDash val="solid"/>
                       <a:round/>
-                      <a:headEnd type="none" w="med" len="med"/>
-                      <a:tailEnd type="none" w="med" len="med"/>
+                      <a:headEnd w="med" len="med"/>
+                      <a:tailEnd w="med" len="med"/>
                     </a:lnT>
                     <a:lnB w="3175" cap="flat" cmpd="sng" algn="ctr">
                       <a:solidFill>
@@ -8294,23 +8283,25 @@
                       </a:solidFill>
                       <a:prstDash val="solid"/>
                       <a:round/>
-                      <a:headEnd type="none" w="med" len="med"/>
-                      <a:tailEnd type="none" w="med" len="med"/>
+                      <a:headEnd w="med" len="med"/>
+                      <a:tailEnd w="med" len="med"/>
                     </a:lnB>
                     <a:noFill/>
                   </a:tcPr>
                 </a:tc>
                 <a:tc>
                   <a:txBody>
-                    <a:bodyPr/>
+                    <a:bodyPr vert="horz" lIns="68352" tIns="34176" rIns="68352" bIns="34176" anchor="ctr" anchorCtr="0"/>
                     <a:lstStyle/>
                     <a:p>
-                      <a:pPr algn="ctr" latinLnBrk="1"/>
+                      <a:pPr lvl="0" algn="ctr" latinLnBrk="1">
+                        <a:defRPr/>
+                      </a:pPr>
                       <a:r>
-                        <a:rPr lang="en-US" altLang="ko-KR" sz="700" dirty="0"/>
+                        <a:rPr lang="en-US" altLang="ko-KR" sz="700"/>
                         <a:t>-</a:t>
                       </a:r>
-                      <a:endParaRPr lang="ko-KR" altLang="en-US" sz="700" dirty="0"/>
+                      <a:endParaRPr lang="ko-KR" altLang="en-US" sz="700"/>
                     </a:p>
                   </a:txBody>
                   <a:tcPr marL="68352" marR="68352" marT="34176" marB="34176" anchor="ctr">
@@ -8322,8 +8313,8 @@
                       </a:solidFill>
                       <a:prstDash val="solid"/>
                       <a:round/>
-                      <a:headEnd type="none" w="med" len="med"/>
-                      <a:tailEnd type="none" w="med" len="med"/>
+                      <a:headEnd w="med" len="med"/>
+                      <a:tailEnd w="med" len="med"/>
                     </a:lnL>
                     <a:lnR w="3175" cap="flat" cmpd="sng" algn="ctr">
                       <a:solidFill>
@@ -8333,8 +8324,8 @@
                       </a:solidFill>
                       <a:prstDash val="solid"/>
                       <a:round/>
-                      <a:headEnd type="none" w="med" len="med"/>
-                      <a:tailEnd type="none" w="med" len="med"/>
+                      <a:headEnd w="med" len="med"/>
+                      <a:tailEnd w="med" len="med"/>
                     </a:lnR>
                     <a:lnT w="3175" cap="flat" cmpd="sng" algn="ctr">
                       <a:solidFill>
@@ -8344,8 +8335,8 @@
                       </a:solidFill>
                       <a:prstDash val="solid"/>
                       <a:round/>
-                      <a:headEnd type="none" w="med" len="med"/>
-                      <a:tailEnd type="none" w="med" len="med"/>
+                      <a:headEnd w="med" len="med"/>
+                      <a:tailEnd w="med" len="med"/>
                     </a:lnT>
                     <a:lnB w="3175" cap="flat" cmpd="sng" algn="ctr">
                       <a:solidFill>
@@ -8355,22 +8346,25 @@
                       </a:solidFill>
                       <a:prstDash val="solid"/>
                       <a:round/>
-                      <a:headEnd type="none" w="med" len="med"/>
-                      <a:tailEnd type="none" w="med" len="med"/>
+                      <a:headEnd w="med" len="med"/>
+                      <a:tailEnd w="med" len="med"/>
                     </a:lnB>
                     <a:noFill/>
                   </a:tcPr>
                 </a:tc>
                 <a:tc>
                   <a:txBody>
-                    <a:bodyPr/>
+                    <a:bodyPr vert="horz" lIns="68352" tIns="34176" rIns="68352" bIns="34176" anchor="ctr" anchorCtr="0"/>
                     <a:lstStyle/>
                     <a:p>
-                      <a:pPr algn="l" latinLnBrk="1"/>
+                      <a:pPr lvl="0" algn="l" latinLnBrk="1">
+                        <a:defRPr/>
+                      </a:pPr>
                       <a:r>
-                        <a:rPr lang="ko-KR" altLang="en-US" sz="700" dirty="0"/>
-                        <a:t>최초작성</a:t>
+                        <a:rPr lang="ko-KR" altLang="en-US" sz="700"/>
+                        <a:t>최초작성 ㅁㄴㅇㅁㄴㅇ</a:t>
                       </a:r>
+                      <a:endParaRPr lang="ko-KR" altLang="en-US" sz="700"/>
                     </a:p>
                   </a:txBody>
                   <a:tcPr marL="68352" marR="68352" marT="34176" marB="34176" anchor="ctr">
@@ -8382,8 +8376,8 @@
                       </a:solidFill>
                       <a:prstDash val="solid"/>
                       <a:round/>
-                      <a:headEnd type="none" w="med" len="med"/>
-                      <a:tailEnd type="none" w="med" len="med"/>
+                      <a:headEnd w="med" len="med"/>
+                      <a:tailEnd w="med" len="med"/>
                     </a:lnL>
                     <a:lnR w="3175" cap="flat" cmpd="sng" algn="ctr">
                       <a:solidFill>
@@ -8393,8 +8387,8 @@
                       </a:solidFill>
                       <a:prstDash val="solid"/>
                       <a:round/>
-                      <a:headEnd type="none" w="med" len="med"/>
-                      <a:tailEnd type="none" w="med" len="med"/>
+                      <a:headEnd w="med" len="med"/>
+                      <a:tailEnd w="med" len="med"/>
                     </a:lnR>
                     <a:lnT w="3175" cap="flat" cmpd="sng" algn="ctr">
                       <a:solidFill>
@@ -8404,8 +8398,8 @@
                       </a:solidFill>
                       <a:prstDash val="solid"/>
                       <a:round/>
-                      <a:headEnd type="none" w="med" len="med"/>
-                      <a:tailEnd type="none" w="med" len="med"/>
+                      <a:headEnd w="med" len="med"/>
+                      <a:tailEnd w="med" len="med"/>
                     </a:lnT>
                     <a:lnB w="3175" cap="flat" cmpd="sng" algn="ctr">
                       <a:solidFill>
@@ -8415,22 +8409,25 @@
                       </a:solidFill>
                       <a:prstDash val="solid"/>
                       <a:round/>
-                      <a:headEnd type="none" w="med" len="med"/>
-                      <a:tailEnd type="none" w="med" len="med"/>
+                      <a:headEnd w="med" len="med"/>
+                      <a:tailEnd w="med" len="med"/>
                     </a:lnB>
                     <a:noFill/>
                   </a:tcPr>
                 </a:tc>
                 <a:tc>
                   <a:txBody>
-                    <a:bodyPr/>
+                    <a:bodyPr vert="horz" lIns="68352" tIns="34176" rIns="68352" bIns="34176" anchor="ctr" anchorCtr="0"/>
                     <a:lstStyle/>
                     <a:p>
-                      <a:pPr algn="l" latinLnBrk="1"/>
+                      <a:pPr lvl="0" algn="l" latinLnBrk="1">
+                        <a:defRPr/>
+                      </a:pPr>
                       <a:r>
-                        <a:rPr lang="ko-KR" altLang="en-US" sz="700" dirty="0"/>
+                        <a:rPr lang="ko-KR" altLang="en-US" sz="700"/>
                         <a:t>권과장</a:t>
                       </a:r>
+                      <a:endParaRPr lang="ko-KR" altLang="en-US" sz="700"/>
                     </a:p>
                   </a:txBody>
                   <a:tcPr marL="68352" marR="68352" marT="34176" marB="34176" anchor="ctr">
@@ -8442,15 +8439,15 @@
                       </a:solidFill>
                       <a:prstDash val="solid"/>
                       <a:round/>
-                      <a:headEnd type="none" w="med" len="med"/>
-                      <a:tailEnd type="none" w="med" len="med"/>
+                      <a:headEnd w="med" len="med"/>
+                      <a:tailEnd w="med" len="med"/>
                     </a:lnL>
                     <a:lnR w="12700" cap="flat" cmpd="sng" algn="ctr">
                       <a:noFill/>
                       <a:prstDash val="solid"/>
                       <a:round/>
-                      <a:headEnd type="none" w="med" len="med"/>
-                      <a:tailEnd type="none" w="med" len="med"/>
+                      <a:headEnd w="med" len="med"/>
+                      <a:tailEnd w="med" len="med"/>
                     </a:lnR>
                     <a:lnT w="3175" cap="flat" cmpd="sng" algn="ctr">
                       <a:solidFill>
@@ -8460,8 +8457,8 @@
                       </a:solidFill>
                       <a:prstDash val="solid"/>
                       <a:round/>
-                      <a:headEnd type="none" w="med" len="med"/>
-                      <a:tailEnd type="none" w="med" len="med"/>
+                      <a:headEnd w="med" len="med"/>
+                      <a:tailEnd w="med" len="med"/>
                     </a:lnT>
                     <a:lnB w="3175" cap="flat" cmpd="sng" algn="ctr">
                       <a:solidFill>
@@ -8471,25 +8468,20 @@
                       </a:solidFill>
                       <a:prstDash val="solid"/>
                       <a:round/>
-                      <a:headEnd type="none" w="med" len="med"/>
-                      <a:tailEnd type="none" w="med" len="med"/>
+                      <a:headEnd w="med" len="med"/>
+                      <a:tailEnd w="med" len="med"/>
                     </a:lnB>
                     <a:noFill/>
                   </a:tcPr>
                 </a:tc>
-                <a:extLst>
-                  <a:ext uri="{0D108BD9-81ED-4DB2-BD59-A6C34878D82A}">
-                    <a16:rowId xmlns="" xmlns:a16="http://schemas.microsoft.com/office/drawing/2014/main" val="10001"/>
-                  </a:ext>
-                </a:extLst>
               </a:tr>
               <a:tr h="241227">
                 <a:tc>
                   <a:txBody>
-                    <a:bodyPr/>
+                    <a:bodyPr vert="horz" lIns="68352" tIns="34176" rIns="68352" bIns="34176" anchor="ctr" anchorCtr="0"/>
                     <a:lstStyle/>
                     <a:p>
-                      <a:pPr marL="0" marR="0" indent="0" algn="ctr" defTabSz="914400" rtl="0" eaLnBrk="1" fontAlgn="auto" latinLnBrk="1" hangingPunct="1">
+                      <a:pPr marL="0" marR="0" lvl="0" indent="0" algn="ctr" defTabSz="914400" rtl="0" eaLnBrk="1" latinLnBrk="1" hangingPunct="1">
                         <a:lnSpc>
                           <a:spcPct val="100000"/>
                         </a:lnSpc>
@@ -8500,17 +8492,15 @@
                           <a:spcPts val="0"/>
                         </a:spcAft>
                         <a:buClrTx/>
-                        <a:buSzTx/>
                         <a:buFontTx/>
                         <a:buNone/>
-                        <a:tabLst/>
                         <a:defRPr/>
                       </a:pPr>
                       <a:r>
-                        <a:rPr lang="en-US" altLang="ko-KR" sz="700" dirty="0"/>
+                        <a:rPr lang="en-US" altLang="ko-KR" sz="700"/>
                         <a:t>v.0.2</a:t>
                       </a:r>
-                      <a:endParaRPr lang="ko-KR" altLang="en-US" sz="700" dirty="0"/>
+                      <a:endParaRPr lang="ko-KR" altLang="en-US" sz="700"/>
                     </a:p>
                   </a:txBody>
                   <a:tcPr marL="68352" marR="68352" marT="34176" marB="34176" anchor="ctr">
@@ -8518,8 +8508,8 @@
                       <a:noFill/>
                       <a:prstDash val="solid"/>
                       <a:round/>
-                      <a:headEnd type="none" w="med" len="med"/>
-                      <a:tailEnd type="none" w="med" len="med"/>
+                      <a:headEnd w="med" len="med"/>
+                      <a:tailEnd w="med" len="med"/>
                     </a:lnL>
                     <a:lnR w="3175" cap="flat" cmpd="sng" algn="ctr">
                       <a:solidFill>
@@ -8529,8 +8519,8 @@
                       </a:solidFill>
                       <a:prstDash val="solid"/>
                       <a:round/>
-                      <a:headEnd type="none" w="med" len="med"/>
-                      <a:tailEnd type="none" w="med" len="med"/>
+                      <a:headEnd w="med" len="med"/>
+                      <a:tailEnd w="med" len="med"/>
                     </a:lnR>
                     <a:lnT w="3175" cap="flat" cmpd="sng" algn="ctr">
                       <a:solidFill>
@@ -8540,8 +8530,8 @@
                       </a:solidFill>
                       <a:prstDash val="solid"/>
                       <a:round/>
-                      <a:headEnd type="none" w="med" len="med"/>
-                      <a:tailEnd type="none" w="med" len="med"/>
+                      <a:headEnd w="med" len="med"/>
+                      <a:tailEnd w="med" len="med"/>
                     </a:lnT>
                     <a:lnB w="3175" cap="flat" cmpd="sng" algn="ctr">
                       <a:solidFill>
@@ -8551,18 +8541,18 @@
                       </a:solidFill>
                       <a:prstDash val="solid"/>
                       <a:round/>
-                      <a:headEnd type="none" w="med" len="med"/>
-                      <a:tailEnd type="none" w="med" len="med"/>
+                      <a:headEnd w="med" len="med"/>
+                      <a:tailEnd w="med" len="med"/>
                     </a:lnB>
                     <a:noFill/>
                   </a:tcPr>
                 </a:tc>
                 <a:tc>
                   <a:txBody>
-                    <a:bodyPr/>
+                    <a:bodyPr vert="horz" lIns="68352" tIns="34176" rIns="68352" bIns="34176" anchor="ctr" anchorCtr="0"/>
                     <a:lstStyle/>
                     <a:p>
-                      <a:pPr marL="0" marR="0" indent="0" algn="ctr" defTabSz="914400" rtl="0" eaLnBrk="1" fontAlgn="auto" latinLnBrk="1" hangingPunct="1">
+                      <a:pPr marL="0" marR="0" lvl="0" indent="0" algn="ctr" defTabSz="914400" rtl="0" eaLnBrk="1" latinLnBrk="1" hangingPunct="1">
                         <a:lnSpc>
                           <a:spcPct val="100000"/>
                         </a:lnSpc>
@@ -8573,16 +8563,15 @@
                           <a:spcPts val="0"/>
                         </a:spcAft>
                         <a:buClrTx/>
-                        <a:buSzTx/>
                         <a:buFontTx/>
                         <a:buNone/>
-                        <a:tabLst/>
                         <a:defRPr/>
                       </a:pPr>
                       <a:r>
-                        <a:rPr lang="en-US" altLang="ko-KR" sz="700" dirty="0"/>
+                        <a:rPr lang="en-US" altLang="ko-KR" sz="700"/>
                         <a:t>2020-01-15</a:t>
                       </a:r>
+                      <a:endParaRPr lang="en-US" altLang="ko-KR" sz="700"/>
                     </a:p>
                   </a:txBody>
                   <a:tcPr marL="68352" marR="68352" marT="34176" marB="34176" anchor="ctr">
@@ -8594,8 +8583,8 @@
                       </a:solidFill>
                       <a:prstDash val="solid"/>
                       <a:round/>
-                      <a:headEnd type="none" w="med" len="med"/>
-                      <a:tailEnd type="none" w="med" len="med"/>
+                      <a:headEnd w="med" len="med"/>
+                      <a:tailEnd w="med" len="med"/>
                     </a:lnL>
                     <a:lnR w="3175" cap="flat" cmpd="sng" algn="ctr">
                       <a:solidFill>
@@ -8605,8 +8594,8 @@
                       </a:solidFill>
                       <a:prstDash val="solid"/>
                       <a:round/>
-                      <a:headEnd type="none" w="med" len="med"/>
-                      <a:tailEnd type="none" w="med" len="med"/>
+                      <a:headEnd w="med" len="med"/>
+                      <a:tailEnd w="med" len="med"/>
                     </a:lnR>
                     <a:lnT w="3175" cap="flat" cmpd="sng" algn="ctr">
                       <a:solidFill>
@@ -8616,8 +8605,8 @@
                       </a:solidFill>
                       <a:prstDash val="solid"/>
                       <a:round/>
-                      <a:headEnd type="none" w="med" len="med"/>
-                      <a:tailEnd type="none" w="med" len="med"/>
+                      <a:headEnd w="med" len="med"/>
+                      <a:tailEnd w="med" len="med"/>
                     </a:lnT>
                     <a:lnB w="3175" cap="flat" cmpd="sng" algn="ctr">
                       <a:solidFill>
@@ -8627,23 +8616,25 @@
                       </a:solidFill>
                       <a:prstDash val="solid"/>
                       <a:round/>
-                      <a:headEnd type="none" w="med" len="med"/>
-                      <a:tailEnd type="none" w="med" len="med"/>
+                      <a:headEnd w="med" len="med"/>
+                      <a:tailEnd w="med" len="med"/>
                     </a:lnB>
                     <a:noFill/>
                   </a:tcPr>
                 </a:tc>
                 <a:tc>
                   <a:txBody>
-                    <a:bodyPr/>
+                    <a:bodyPr vert="horz" lIns="68352" tIns="34176" rIns="68352" bIns="34176" anchor="ctr" anchorCtr="0"/>
                     <a:lstStyle/>
                     <a:p>
-                      <a:pPr algn="ctr" latinLnBrk="1"/>
+                      <a:pPr lvl="0" algn="ctr" latinLnBrk="1">
+                        <a:defRPr/>
+                      </a:pPr>
                       <a:r>
-                        <a:rPr lang="en-US" altLang="ko-KR" sz="700" dirty="0"/>
+                        <a:rPr lang="en-US" altLang="ko-KR" sz="700"/>
                         <a:t>4</a:t>
                       </a:r>
-                      <a:endParaRPr lang="ko-KR" altLang="en-US" sz="700" dirty="0"/>
+                      <a:endParaRPr lang="ko-KR" altLang="en-US" sz="700"/>
                     </a:p>
                   </a:txBody>
                   <a:tcPr marL="68352" marR="68352" marT="34176" marB="34176" anchor="ctr">
@@ -8655,8 +8646,8 @@
                       </a:solidFill>
                       <a:prstDash val="solid"/>
                       <a:round/>
-                      <a:headEnd type="none" w="med" len="med"/>
-                      <a:tailEnd type="none" w="med" len="med"/>
+                      <a:headEnd w="med" len="med"/>
+                      <a:tailEnd w="med" len="med"/>
                     </a:lnL>
                     <a:lnR w="3175" cap="flat" cmpd="sng" algn="ctr">
                       <a:solidFill>
@@ -8666,8 +8657,8 @@
                       </a:solidFill>
                       <a:prstDash val="solid"/>
                       <a:round/>
-                      <a:headEnd type="none" w="med" len="med"/>
-                      <a:tailEnd type="none" w="med" len="med"/>
+                      <a:headEnd w="med" len="med"/>
+                      <a:tailEnd w="med" len="med"/>
                     </a:lnR>
                     <a:lnT w="3175" cap="flat" cmpd="sng" algn="ctr">
                       <a:solidFill>
@@ -8677,8 +8668,8 @@
                       </a:solidFill>
                       <a:prstDash val="solid"/>
                       <a:round/>
-                      <a:headEnd type="none" w="med" len="med"/>
-                      <a:tailEnd type="none" w="med" len="med"/>
+                      <a:headEnd w="med" len="med"/>
+                      <a:tailEnd w="med" len="med"/>
                     </a:lnT>
                     <a:lnB w="3175" cap="flat" cmpd="sng" algn="ctr">
                       <a:solidFill>
@@ -8688,23 +8679,25 @@
                       </a:solidFill>
                       <a:prstDash val="solid"/>
                       <a:round/>
-                      <a:headEnd type="none" w="med" len="med"/>
-                      <a:tailEnd type="none" w="med" len="med"/>
+                      <a:headEnd w="med" len="med"/>
+                      <a:tailEnd w="med" len="med"/>
                     </a:lnB>
                     <a:noFill/>
                   </a:tcPr>
                 </a:tc>
                 <a:tc>
                   <a:txBody>
-                    <a:bodyPr/>
+                    <a:bodyPr vert="horz" lIns="68352" tIns="34176" rIns="68352" bIns="34176" anchor="ctr" anchorCtr="0"/>
                     <a:lstStyle/>
                     <a:p>
-                      <a:pPr algn="l" latinLnBrk="1"/>
+                      <a:pPr lvl="0" algn="l" latinLnBrk="1">
+                        <a:defRPr/>
+                      </a:pPr>
                       <a:r>
-                        <a:rPr lang="ko-KR" altLang="en-US" sz="700" dirty="0"/>
+                        <a:rPr lang="ko-KR" altLang="en-US" sz="700"/>
                         <a:t>회원 정책 변경으로 로그인 시 받는 정보 일부 제거 </a:t>
                       </a:r>
-                      <a:endParaRPr lang="en-US" altLang="ko-KR" sz="700" dirty="0"/>
+                      <a:endParaRPr lang="en-US" altLang="ko-KR" sz="700"/>
                     </a:p>
                   </a:txBody>
                   <a:tcPr marL="68352" marR="68352" marT="34176" marB="34176" anchor="ctr">
@@ -8716,8 +8709,8 @@
                       </a:solidFill>
                       <a:prstDash val="solid"/>
                       <a:round/>
-                      <a:headEnd type="none" w="med" len="med"/>
-                      <a:tailEnd type="none" w="med" len="med"/>
+                      <a:headEnd w="med" len="med"/>
+                      <a:tailEnd w="med" len="med"/>
                     </a:lnL>
                     <a:lnR w="3175" cap="flat" cmpd="sng" algn="ctr">
                       <a:solidFill>
@@ -8727,8 +8720,8 @@
                       </a:solidFill>
                       <a:prstDash val="solid"/>
                       <a:round/>
-                      <a:headEnd type="none" w="med" len="med"/>
-                      <a:tailEnd type="none" w="med" len="med"/>
+                      <a:headEnd w="med" len="med"/>
+                      <a:tailEnd w="med" len="med"/>
                     </a:lnR>
                     <a:lnT w="3175" cap="flat" cmpd="sng" algn="ctr">
                       <a:solidFill>
@@ -8738,8 +8731,8 @@
                       </a:solidFill>
                       <a:prstDash val="solid"/>
                       <a:round/>
-                      <a:headEnd type="none" w="med" len="med"/>
-                      <a:tailEnd type="none" w="med" len="med"/>
+                      <a:headEnd w="med" len="med"/>
+                      <a:tailEnd w="med" len="med"/>
                     </a:lnT>
                     <a:lnB w="3175" cap="flat" cmpd="sng" algn="ctr">
                       <a:solidFill>
@@ -8749,18 +8742,18 @@
                       </a:solidFill>
                       <a:prstDash val="solid"/>
                       <a:round/>
-                      <a:headEnd type="none" w="med" len="med"/>
-                      <a:tailEnd type="none" w="med" len="med"/>
+                      <a:headEnd w="med" len="med"/>
+                      <a:tailEnd w="med" len="med"/>
                     </a:lnB>
                     <a:noFill/>
                   </a:tcPr>
                 </a:tc>
                 <a:tc>
                   <a:txBody>
-                    <a:bodyPr/>
+                    <a:bodyPr vert="horz" lIns="68352" tIns="34176" rIns="68352" bIns="34176" anchor="ctr" anchorCtr="0"/>
                     <a:lstStyle/>
                     <a:p>
-                      <a:pPr marL="0" marR="0" indent="0" algn="l" defTabSz="914400" rtl="0" eaLnBrk="1" fontAlgn="auto" latinLnBrk="1" hangingPunct="1">
+                      <a:pPr marL="0" marR="0" lvl="0" indent="0" algn="l" defTabSz="914400" rtl="0" eaLnBrk="1" latinLnBrk="1" hangingPunct="1">
                         <a:lnSpc>
                           <a:spcPct val="100000"/>
                         </a:lnSpc>
@@ -8771,16 +8764,15 @@
                           <a:spcPts val="0"/>
                         </a:spcAft>
                         <a:buClrTx/>
-                        <a:buSzTx/>
                         <a:buFontTx/>
                         <a:buNone/>
-                        <a:tabLst/>
                         <a:defRPr/>
                       </a:pPr>
                       <a:r>
-                        <a:rPr lang="ko-KR" altLang="en-US" sz="700" dirty="0"/>
+                        <a:rPr lang="ko-KR" altLang="en-US" sz="700"/>
                         <a:t>권과장</a:t>
                       </a:r>
+                      <a:endParaRPr lang="ko-KR" altLang="en-US" sz="700"/>
                     </a:p>
                   </a:txBody>
                   <a:tcPr marL="68352" marR="68352" marT="34176" marB="34176" anchor="ctr">
@@ -8792,15 +8784,15 @@
                       </a:solidFill>
                       <a:prstDash val="solid"/>
                       <a:round/>
-                      <a:headEnd type="none" w="med" len="med"/>
-                      <a:tailEnd type="none" w="med" len="med"/>
+                      <a:headEnd w="med" len="med"/>
+                      <a:tailEnd w="med" len="med"/>
                     </a:lnL>
                     <a:lnR w="12700" cap="flat" cmpd="sng" algn="ctr">
                       <a:noFill/>
                       <a:prstDash val="solid"/>
                       <a:round/>
-                      <a:headEnd type="none" w="med" len="med"/>
-                      <a:tailEnd type="none" w="med" len="med"/>
+                      <a:headEnd w="med" len="med"/>
+                      <a:tailEnd w="med" len="med"/>
                     </a:lnR>
                     <a:lnT w="3175" cap="flat" cmpd="sng" algn="ctr">
                       <a:solidFill>
@@ -8810,8 +8802,8 @@
                       </a:solidFill>
                       <a:prstDash val="solid"/>
                       <a:round/>
-                      <a:headEnd type="none" w="med" len="med"/>
-                      <a:tailEnd type="none" w="med" len="med"/>
+                      <a:headEnd w="med" len="med"/>
+                      <a:tailEnd w="med" len="med"/>
                     </a:lnT>
                     <a:lnB w="3175" cap="flat" cmpd="sng" algn="ctr">
                       <a:solidFill>
@@ -8821,26 +8813,23 @@
                       </a:solidFill>
                       <a:prstDash val="solid"/>
                       <a:round/>
-                      <a:headEnd type="none" w="med" len="med"/>
-                      <a:tailEnd type="none" w="med" len="med"/>
+                      <a:headEnd w="med" len="med"/>
+                      <a:tailEnd w="med" len="med"/>
                     </a:lnB>
                     <a:noFill/>
                   </a:tcPr>
                 </a:tc>
-                <a:extLst>
-                  <a:ext uri="{0D108BD9-81ED-4DB2-BD59-A6C34878D82A}">
-                    <a16:rowId xmlns="" xmlns:a16="http://schemas.microsoft.com/office/drawing/2014/main" val="10002"/>
-                  </a:ext>
-                </a:extLst>
               </a:tr>
               <a:tr h="241227">
                 <a:tc>
                   <a:txBody>
-                    <a:bodyPr/>
+                    <a:bodyPr vert="horz" lIns="68352" tIns="34176" rIns="68352" bIns="34176" anchor="ctr" anchorCtr="0"/>
                     <a:lstStyle/>
                     <a:p>
-                      <a:pPr algn="ctr" latinLnBrk="1"/>
-                      <a:endParaRPr lang="ko-KR" altLang="en-US" sz="700" dirty="0"/>
+                      <a:pPr lvl="0" algn="ctr" latinLnBrk="1">
+                        <a:defRPr/>
+                      </a:pPr>
+                      <a:endParaRPr lang="ko-KR" altLang="en-US" sz="700"/>
                     </a:p>
                   </a:txBody>
                   <a:tcPr marL="68352" marR="68352" marT="34176" marB="34176" anchor="ctr">
@@ -8848,8 +8837,8 @@
                       <a:noFill/>
                       <a:prstDash val="solid"/>
                       <a:round/>
-                      <a:headEnd type="none" w="med" len="med"/>
-                      <a:tailEnd type="none" w="med" len="med"/>
+                      <a:headEnd w="med" len="med"/>
+                      <a:tailEnd w="med" len="med"/>
                     </a:lnL>
                     <a:lnR w="3175" cap="flat" cmpd="sng" algn="ctr">
                       <a:solidFill>
@@ -8859,8 +8848,8 @@
                       </a:solidFill>
                       <a:prstDash val="solid"/>
                       <a:round/>
-                      <a:headEnd type="none" w="med" len="med"/>
-                      <a:tailEnd type="none" w="med" len="med"/>
+                      <a:headEnd w="med" len="med"/>
+                      <a:tailEnd w="med" len="med"/>
                     </a:lnR>
                     <a:lnT w="3175" cap="flat" cmpd="sng" algn="ctr">
                       <a:solidFill>
@@ -8870,8 +8859,8 @@
                       </a:solidFill>
                       <a:prstDash val="solid"/>
                       <a:round/>
-                      <a:headEnd type="none" w="med" len="med"/>
-                      <a:tailEnd type="none" w="med" len="med"/>
+                      <a:headEnd w="med" len="med"/>
+                      <a:tailEnd w="med" len="med"/>
                     </a:lnT>
                     <a:lnB w="3175" cap="flat" cmpd="sng" algn="ctr">
                       <a:solidFill>
@@ -8881,19 +8870,21 @@
                       </a:solidFill>
                       <a:prstDash val="solid"/>
                       <a:round/>
-                      <a:headEnd type="none" w="med" len="med"/>
-                      <a:tailEnd type="none" w="med" len="med"/>
+                      <a:headEnd w="med" len="med"/>
+                      <a:tailEnd w="med" len="med"/>
                     </a:lnB>
                     <a:noFill/>
                   </a:tcPr>
                 </a:tc>
                 <a:tc>
                   <a:txBody>
-                    <a:bodyPr/>
+                    <a:bodyPr vert="horz" lIns="68352" tIns="34176" rIns="68352" bIns="34176" anchor="ctr" anchorCtr="0"/>
                     <a:lstStyle/>
                     <a:p>
-                      <a:pPr algn="ctr" latinLnBrk="1"/>
-                      <a:endParaRPr lang="ko-KR" altLang="en-US" sz="700" dirty="0"/>
+                      <a:pPr lvl="0" algn="ctr" latinLnBrk="1">
+                        <a:defRPr/>
+                      </a:pPr>
+                      <a:endParaRPr lang="ko-KR" altLang="en-US" sz="700"/>
                     </a:p>
                   </a:txBody>
                   <a:tcPr marL="68352" marR="68352" marT="34176" marB="34176" anchor="ctr">
@@ -8905,8 +8896,8 @@
                       </a:solidFill>
                       <a:prstDash val="solid"/>
                       <a:round/>
-                      <a:headEnd type="none" w="med" len="med"/>
-                      <a:tailEnd type="none" w="med" len="med"/>
+                      <a:headEnd w="med" len="med"/>
+                      <a:tailEnd w="med" len="med"/>
                     </a:lnL>
                     <a:lnR w="3175" cap="flat" cmpd="sng" algn="ctr">
                       <a:solidFill>
@@ -8916,8 +8907,8 @@
                       </a:solidFill>
                       <a:prstDash val="solid"/>
                       <a:round/>
-                      <a:headEnd type="none" w="med" len="med"/>
-                      <a:tailEnd type="none" w="med" len="med"/>
+                      <a:headEnd w="med" len="med"/>
+                      <a:tailEnd w="med" len="med"/>
                     </a:lnR>
                     <a:lnT w="3175" cap="flat" cmpd="sng" algn="ctr">
                       <a:solidFill>
@@ -8927,8 +8918,8 @@
                       </a:solidFill>
                       <a:prstDash val="solid"/>
                       <a:round/>
-                      <a:headEnd type="none" w="med" len="med"/>
-                      <a:tailEnd type="none" w="med" len="med"/>
+                      <a:headEnd w="med" len="med"/>
+                      <a:tailEnd w="med" len="med"/>
                     </a:lnT>
                     <a:lnB w="3175" cap="flat" cmpd="sng" algn="ctr">
                       <a:solidFill>
@@ -8938,19 +8929,21 @@
                       </a:solidFill>
                       <a:prstDash val="solid"/>
                       <a:round/>
-                      <a:headEnd type="none" w="med" len="med"/>
-                      <a:tailEnd type="none" w="med" len="med"/>
+                      <a:headEnd w="med" len="med"/>
+                      <a:tailEnd w="med" len="med"/>
                     </a:lnB>
                     <a:noFill/>
                   </a:tcPr>
                 </a:tc>
                 <a:tc>
                   <a:txBody>
-                    <a:bodyPr/>
+                    <a:bodyPr vert="horz" lIns="68352" tIns="34176" rIns="68352" bIns="34176" anchor="ctr" anchorCtr="0"/>
                     <a:lstStyle/>
                     <a:p>
-                      <a:pPr algn="ctr" latinLnBrk="1"/>
-                      <a:endParaRPr lang="ko-KR" altLang="en-US" sz="700" dirty="0"/>
+                      <a:pPr lvl="0" algn="ctr" latinLnBrk="1">
+                        <a:defRPr/>
+                      </a:pPr>
+                      <a:endParaRPr lang="ko-KR" altLang="en-US" sz="700"/>
                     </a:p>
                   </a:txBody>
                   <a:tcPr marL="68352" marR="68352" marT="34176" marB="34176" anchor="ctr">
@@ -8962,8 +8955,8 @@
                       </a:solidFill>
                       <a:prstDash val="solid"/>
                       <a:round/>
-                      <a:headEnd type="none" w="med" len="med"/>
-                      <a:tailEnd type="none" w="med" len="med"/>
+                      <a:headEnd w="med" len="med"/>
+                      <a:tailEnd w="med" len="med"/>
                     </a:lnL>
                     <a:lnR w="3175" cap="flat" cmpd="sng" algn="ctr">
                       <a:solidFill>
@@ -8973,8 +8966,8 @@
                       </a:solidFill>
                       <a:prstDash val="solid"/>
                       <a:round/>
-                      <a:headEnd type="none" w="med" len="med"/>
-                      <a:tailEnd type="none" w="med" len="med"/>
+                      <a:headEnd w="med" len="med"/>
+                      <a:tailEnd w="med" len="med"/>
                     </a:lnR>
                     <a:lnT w="3175" cap="flat" cmpd="sng" algn="ctr">
                       <a:solidFill>
@@ -8984,8 +8977,8 @@
                       </a:solidFill>
                       <a:prstDash val="solid"/>
                       <a:round/>
-                      <a:headEnd type="none" w="med" len="med"/>
-                      <a:tailEnd type="none" w="med" len="med"/>
+                      <a:headEnd w="med" len="med"/>
+                      <a:tailEnd w="med" len="med"/>
                     </a:lnT>
                     <a:lnB w="3175" cap="flat" cmpd="sng" algn="ctr">
                       <a:solidFill>
@@ -8995,18 +8988,18 @@
                       </a:solidFill>
                       <a:prstDash val="solid"/>
                       <a:round/>
-                      <a:headEnd type="none" w="med" len="med"/>
-                      <a:tailEnd type="none" w="med" len="med"/>
+                      <a:headEnd w="med" len="med"/>
+                      <a:tailEnd w="med" len="med"/>
                     </a:lnB>
                     <a:noFill/>
                   </a:tcPr>
                 </a:tc>
                 <a:tc>
                   <a:txBody>
-                    <a:bodyPr/>
+                    <a:bodyPr vert="horz" lIns="68352" tIns="34176" rIns="68352" bIns="34176" anchor="ctr" anchorCtr="0"/>
                     <a:lstStyle/>
                     <a:p>
-                      <a:pPr marL="0" marR="0" indent="0" algn="l" defTabSz="914400" rtl="0" eaLnBrk="1" fontAlgn="auto" latinLnBrk="1" hangingPunct="1">
+                      <a:pPr marL="0" marR="0" lvl="0" indent="0" algn="l" defTabSz="914400" rtl="0" eaLnBrk="1" latinLnBrk="1" hangingPunct="1">
                         <a:lnSpc>
                           <a:spcPct val="100000"/>
                         </a:lnSpc>
@@ -9017,13 +9010,11 @@
                           <a:spcPts val="0"/>
                         </a:spcAft>
                         <a:buClrTx/>
-                        <a:buSzTx/>
                         <a:buFontTx/>
                         <a:buNone/>
-                        <a:tabLst/>
                         <a:defRPr/>
                       </a:pPr>
-                      <a:endParaRPr lang="en-US" altLang="ko-KR" sz="700" dirty="0"/>
+                      <a:endParaRPr lang="en-US" altLang="ko-KR" sz="700"/>
                     </a:p>
                   </a:txBody>
                   <a:tcPr marL="68352" marR="68352" marT="34176" marB="34176" anchor="ctr">
@@ -9035,8 +9026,8 @@
                       </a:solidFill>
                       <a:prstDash val="solid"/>
                       <a:round/>
-                      <a:headEnd type="none" w="med" len="med"/>
-                      <a:tailEnd type="none" w="med" len="med"/>
+                      <a:headEnd w="med" len="med"/>
+                      <a:tailEnd w="med" len="med"/>
                     </a:lnL>
                     <a:lnR w="3175" cap="flat" cmpd="sng" algn="ctr">
                       <a:solidFill>
@@ -9046,8 +9037,8 @@
                       </a:solidFill>
                       <a:prstDash val="solid"/>
                       <a:round/>
-                      <a:headEnd type="none" w="med" len="med"/>
-                      <a:tailEnd type="none" w="med" len="med"/>
+                      <a:headEnd w="med" len="med"/>
+                      <a:tailEnd w="med" len="med"/>
                     </a:lnR>
                     <a:lnT w="3175" cap="flat" cmpd="sng" algn="ctr">
                       <a:solidFill>
@@ -9057,8 +9048,8 @@
                       </a:solidFill>
                       <a:prstDash val="solid"/>
                       <a:round/>
-                      <a:headEnd type="none" w="med" len="med"/>
-                      <a:tailEnd type="none" w="med" len="med"/>
+                      <a:headEnd w="med" len="med"/>
+                      <a:tailEnd w="med" len="med"/>
                     </a:lnT>
                     <a:lnB w="3175" cap="flat" cmpd="sng" algn="ctr">
                       <a:solidFill>
@@ -9068,18 +9059,18 @@
                       </a:solidFill>
                       <a:prstDash val="solid"/>
                       <a:round/>
-                      <a:headEnd type="none" w="med" len="med"/>
-                      <a:tailEnd type="none" w="med" len="med"/>
+                      <a:headEnd w="med" len="med"/>
+                      <a:tailEnd w="med" len="med"/>
                     </a:lnB>
                     <a:noFill/>
                   </a:tcPr>
                 </a:tc>
                 <a:tc>
                   <a:txBody>
-                    <a:bodyPr/>
+                    <a:bodyPr vert="horz" lIns="68352" tIns="34176" rIns="68352" bIns="34176" anchor="ctr" anchorCtr="0"/>
                     <a:lstStyle/>
                     <a:p>
-                      <a:pPr marL="0" marR="0" indent="0" algn="l" defTabSz="914400" rtl="0" eaLnBrk="1" fontAlgn="auto" latinLnBrk="1" hangingPunct="1">
+                      <a:pPr marL="0" marR="0" lvl="0" indent="0" algn="l" defTabSz="914400" rtl="0" eaLnBrk="1" latinLnBrk="1" hangingPunct="1">
                         <a:lnSpc>
                           <a:spcPct val="100000"/>
                         </a:lnSpc>
@@ -9090,13 +9081,11 @@
                           <a:spcPts val="0"/>
                         </a:spcAft>
                         <a:buClrTx/>
-                        <a:buSzTx/>
                         <a:buFontTx/>
                         <a:buNone/>
-                        <a:tabLst/>
                         <a:defRPr/>
                       </a:pPr>
-                      <a:endParaRPr lang="en-US" altLang="ko-KR" sz="700" dirty="0"/>
+                      <a:endParaRPr lang="en-US" altLang="ko-KR" sz="700"/>
                     </a:p>
                   </a:txBody>
                   <a:tcPr marL="68352" marR="68352" marT="34176" marB="34176" anchor="ctr">
@@ -9108,15 +9097,15 @@
                       </a:solidFill>
                       <a:prstDash val="solid"/>
                       <a:round/>
-                      <a:headEnd type="none" w="med" len="med"/>
-                      <a:tailEnd type="none" w="med" len="med"/>
+                      <a:headEnd w="med" len="med"/>
+                      <a:tailEnd w="med" len="med"/>
                     </a:lnL>
                     <a:lnR w="12700" cap="flat" cmpd="sng" algn="ctr">
                       <a:noFill/>
                       <a:prstDash val="solid"/>
                       <a:round/>
-                      <a:headEnd type="none" w="med" len="med"/>
-                      <a:tailEnd type="none" w="med" len="med"/>
+                      <a:headEnd w="med" len="med"/>
+                      <a:tailEnd w="med" len="med"/>
                     </a:lnR>
                     <a:lnT w="3175" cap="flat" cmpd="sng" algn="ctr">
                       <a:solidFill>
@@ -9126,8 +9115,8 @@
                       </a:solidFill>
                       <a:prstDash val="solid"/>
                       <a:round/>
-                      <a:headEnd type="none" w="med" len="med"/>
-                      <a:tailEnd type="none" w="med" len="med"/>
+                      <a:headEnd w="med" len="med"/>
+                      <a:tailEnd w="med" len="med"/>
                     </a:lnT>
                     <a:lnB w="3175" cap="flat" cmpd="sng" algn="ctr">
                       <a:solidFill>
@@ -9137,26 +9126,23 @@
                       </a:solidFill>
                       <a:prstDash val="solid"/>
                       <a:round/>
-                      <a:headEnd type="none" w="med" len="med"/>
-                      <a:tailEnd type="none" w="med" len="med"/>
+                      <a:headEnd w="med" len="med"/>
+                      <a:tailEnd w="med" len="med"/>
                     </a:lnB>
                     <a:noFill/>
                   </a:tcPr>
                 </a:tc>
-                <a:extLst>
-                  <a:ext uri="{0D108BD9-81ED-4DB2-BD59-A6C34878D82A}">
-                    <a16:rowId xmlns="" xmlns:a16="http://schemas.microsoft.com/office/drawing/2014/main" val="10003"/>
-                  </a:ext>
-                </a:extLst>
               </a:tr>
               <a:tr h="241227">
                 <a:tc>
                   <a:txBody>
-                    <a:bodyPr/>
+                    <a:bodyPr vert="horz" lIns="68352" tIns="34176" rIns="68352" bIns="34176" anchor="ctr" anchorCtr="0"/>
                     <a:lstStyle/>
                     <a:p>
-                      <a:pPr algn="ctr" latinLnBrk="1"/>
-                      <a:endParaRPr lang="ko-KR" altLang="en-US" sz="700" dirty="0"/>
+                      <a:pPr lvl="0" algn="ctr" latinLnBrk="1">
+                        <a:defRPr/>
+                      </a:pPr>
+                      <a:endParaRPr lang="ko-KR" altLang="en-US" sz="700"/>
                     </a:p>
                   </a:txBody>
                   <a:tcPr marL="68352" marR="68352" marT="34176" marB="34176" anchor="ctr">
@@ -9164,8 +9150,8 @@
                       <a:noFill/>
                       <a:prstDash val="solid"/>
                       <a:round/>
-                      <a:headEnd type="none" w="med" len="med"/>
-                      <a:tailEnd type="none" w="med" len="med"/>
+                      <a:headEnd w="med" len="med"/>
+                      <a:tailEnd w="med" len="med"/>
                     </a:lnL>
                     <a:lnR w="3175" cap="flat" cmpd="sng" algn="ctr">
                       <a:solidFill>
@@ -9175,8 +9161,8 @@
                       </a:solidFill>
                       <a:prstDash val="solid"/>
                       <a:round/>
-                      <a:headEnd type="none" w="med" len="med"/>
-                      <a:tailEnd type="none" w="med" len="med"/>
+                      <a:headEnd w="med" len="med"/>
+                      <a:tailEnd w="med" len="med"/>
                     </a:lnR>
                     <a:lnT w="3175" cap="flat" cmpd="sng" algn="ctr">
                       <a:solidFill>
@@ -9186,8 +9172,8 @@
                       </a:solidFill>
                       <a:prstDash val="solid"/>
                       <a:round/>
-                      <a:headEnd type="none" w="med" len="med"/>
-                      <a:tailEnd type="none" w="med" len="med"/>
+                      <a:headEnd w="med" len="med"/>
+                      <a:tailEnd w="med" len="med"/>
                     </a:lnT>
                     <a:lnB w="3175" cap="flat" cmpd="sng" algn="ctr">
                       <a:solidFill>
@@ -9197,19 +9183,21 @@
                       </a:solidFill>
                       <a:prstDash val="solid"/>
                       <a:round/>
-                      <a:headEnd type="none" w="med" len="med"/>
-                      <a:tailEnd type="none" w="med" len="med"/>
+                      <a:headEnd w="med" len="med"/>
+                      <a:tailEnd w="med" len="med"/>
                     </a:lnB>
                     <a:noFill/>
                   </a:tcPr>
                 </a:tc>
                 <a:tc>
                   <a:txBody>
-                    <a:bodyPr/>
+                    <a:bodyPr vert="horz" lIns="68352" tIns="34176" rIns="68352" bIns="34176" anchor="ctr" anchorCtr="0"/>
                     <a:lstStyle/>
                     <a:p>
-                      <a:pPr algn="ctr" latinLnBrk="1"/>
-                      <a:endParaRPr lang="ko-KR" altLang="en-US" sz="700" dirty="0"/>
+                      <a:pPr lvl="0" algn="ctr" latinLnBrk="1">
+                        <a:defRPr/>
+                      </a:pPr>
+                      <a:endParaRPr lang="ko-KR" altLang="en-US" sz="700"/>
                     </a:p>
                   </a:txBody>
                   <a:tcPr marL="68352" marR="68352" marT="34176" marB="34176" anchor="ctr">
@@ -9221,8 +9209,8 @@
                       </a:solidFill>
                       <a:prstDash val="solid"/>
                       <a:round/>
-                      <a:headEnd type="none" w="med" len="med"/>
-                      <a:tailEnd type="none" w="med" len="med"/>
+                      <a:headEnd w="med" len="med"/>
+                      <a:tailEnd w="med" len="med"/>
                     </a:lnL>
                     <a:lnR w="3175" cap="flat" cmpd="sng" algn="ctr">
                       <a:solidFill>
@@ -9232,8 +9220,8 @@
                       </a:solidFill>
                       <a:prstDash val="solid"/>
                       <a:round/>
-                      <a:headEnd type="none" w="med" len="med"/>
-                      <a:tailEnd type="none" w="med" len="med"/>
+                      <a:headEnd w="med" len="med"/>
+                      <a:tailEnd w="med" len="med"/>
                     </a:lnR>
                     <a:lnT w="3175" cap="flat" cmpd="sng" algn="ctr">
                       <a:solidFill>
@@ -9243,8 +9231,8 @@
                       </a:solidFill>
                       <a:prstDash val="solid"/>
                       <a:round/>
-                      <a:headEnd type="none" w="med" len="med"/>
-                      <a:tailEnd type="none" w="med" len="med"/>
+                      <a:headEnd w="med" len="med"/>
+                      <a:tailEnd w="med" len="med"/>
                     </a:lnT>
                     <a:lnB w="3175" cap="flat" cmpd="sng" algn="ctr">
                       <a:solidFill>
@@ -9254,19 +9242,21 @@
                       </a:solidFill>
                       <a:prstDash val="solid"/>
                       <a:round/>
-                      <a:headEnd type="none" w="med" len="med"/>
-                      <a:tailEnd type="none" w="med" len="med"/>
+                      <a:headEnd w="med" len="med"/>
+                      <a:tailEnd w="med" len="med"/>
                     </a:lnB>
                     <a:noFill/>
                   </a:tcPr>
                 </a:tc>
                 <a:tc>
                   <a:txBody>
-                    <a:bodyPr/>
+                    <a:bodyPr vert="horz" lIns="68352" tIns="34176" rIns="68352" bIns="34176" anchor="ctr" anchorCtr="0"/>
                     <a:lstStyle/>
                     <a:p>
-                      <a:pPr algn="ctr" latinLnBrk="1"/>
-                      <a:endParaRPr lang="ko-KR" altLang="en-US" sz="700" dirty="0"/>
+                      <a:pPr lvl="0" algn="ctr" latinLnBrk="1">
+                        <a:defRPr/>
+                      </a:pPr>
+                      <a:endParaRPr lang="ko-KR" altLang="en-US" sz="700"/>
                     </a:p>
                   </a:txBody>
                   <a:tcPr marL="68352" marR="68352" marT="34176" marB="34176" anchor="ctr">
@@ -9278,8 +9268,8 @@
                       </a:solidFill>
                       <a:prstDash val="solid"/>
                       <a:round/>
-                      <a:headEnd type="none" w="med" len="med"/>
-                      <a:tailEnd type="none" w="med" len="med"/>
+                      <a:headEnd w="med" len="med"/>
+                      <a:tailEnd w="med" len="med"/>
                     </a:lnL>
                     <a:lnR w="3175" cap="flat" cmpd="sng" algn="ctr">
                       <a:solidFill>
@@ -9289,8 +9279,8 @@
                       </a:solidFill>
                       <a:prstDash val="solid"/>
                       <a:round/>
-                      <a:headEnd type="none" w="med" len="med"/>
-                      <a:tailEnd type="none" w="med" len="med"/>
+                      <a:headEnd w="med" len="med"/>
+                      <a:tailEnd w="med" len="med"/>
                     </a:lnR>
                     <a:lnT w="3175" cap="flat" cmpd="sng" algn="ctr">
                       <a:solidFill>
@@ -9300,8 +9290,8 @@
                       </a:solidFill>
                       <a:prstDash val="solid"/>
                       <a:round/>
-                      <a:headEnd type="none" w="med" len="med"/>
-                      <a:tailEnd type="none" w="med" len="med"/>
+                      <a:headEnd w="med" len="med"/>
+                      <a:tailEnd w="med" len="med"/>
                     </a:lnT>
                     <a:lnB w="3175" cap="flat" cmpd="sng" algn="ctr">
                       <a:solidFill>
@@ -9311,19 +9301,21 @@
                       </a:solidFill>
                       <a:prstDash val="solid"/>
                       <a:round/>
-                      <a:headEnd type="none" w="med" len="med"/>
-                      <a:tailEnd type="none" w="med" len="med"/>
+                      <a:headEnd w="med" len="med"/>
+                      <a:tailEnd w="med" len="med"/>
                     </a:lnB>
                     <a:noFill/>
                   </a:tcPr>
                 </a:tc>
                 <a:tc>
                   <a:txBody>
-                    <a:bodyPr/>
+                    <a:bodyPr vert="horz" lIns="68352" tIns="34176" rIns="68352" bIns="34176" anchor="ctr" anchorCtr="0"/>
                     <a:lstStyle/>
                     <a:p>
-                      <a:pPr algn="l" latinLnBrk="1"/>
-                      <a:endParaRPr lang="ko-KR" altLang="en-US" sz="700" dirty="0"/>
+                      <a:pPr lvl="0" algn="l" latinLnBrk="1">
+                        <a:defRPr/>
+                      </a:pPr>
+                      <a:endParaRPr lang="ko-KR" altLang="en-US" sz="700"/>
                     </a:p>
                   </a:txBody>
                   <a:tcPr marL="68352" marR="68352" marT="34176" marB="34176" anchor="ctr">
@@ -9335,8 +9327,8 @@
                       </a:solidFill>
                       <a:prstDash val="solid"/>
                       <a:round/>
-                      <a:headEnd type="none" w="med" len="med"/>
-                      <a:tailEnd type="none" w="med" len="med"/>
+                      <a:headEnd w="med" len="med"/>
+                      <a:tailEnd w="med" len="med"/>
                     </a:lnL>
                     <a:lnR w="3175" cap="flat" cmpd="sng" algn="ctr">
                       <a:solidFill>
@@ -9346,8 +9338,8 @@
                       </a:solidFill>
                       <a:prstDash val="solid"/>
                       <a:round/>
-                      <a:headEnd type="none" w="med" len="med"/>
-                      <a:tailEnd type="none" w="med" len="med"/>
+                      <a:headEnd w="med" len="med"/>
+                      <a:tailEnd w="med" len="med"/>
                     </a:lnR>
                     <a:lnT w="3175" cap="flat" cmpd="sng" algn="ctr">
                       <a:solidFill>
@@ -9357,8 +9349,8 @@
                       </a:solidFill>
                       <a:prstDash val="solid"/>
                       <a:round/>
-                      <a:headEnd type="none" w="med" len="med"/>
-                      <a:tailEnd type="none" w="med" len="med"/>
+                      <a:headEnd w="med" len="med"/>
+                      <a:tailEnd w="med" len="med"/>
                     </a:lnT>
                     <a:lnB w="3175" cap="flat" cmpd="sng" algn="ctr">
                       <a:solidFill>
@@ -9368,19 +9360,21 @@
                       </a:solidFill>
                       <a:prstDash val="solid"/>
                       <a:round/>
-                      <a:headEnd type="none" w="med" len="med"/>
-                      <a:tailEnd type="none" w="med" len="med"/>
+                      <a:headEnd w="med" len="med"/>
+                      <a:tailEnd w="med" len="med"/>
                     </a:lnB>
                     <a:noFill/>
                   </a:tcPr>
                 </a:tc>
                 <a:tc>
                   <a:txBody>
-                    <a:bodyPr/>
+                    <a:bodyPr vert="horz" lIns="68352" tIns="34176" rIns="68352" bIns="34176" anchor="ctr" anchorCtr="0"/>
                     <a:lstStyle/>
                     <a:p>
-                      <a:pPr algn="l" latinLnBrk="1"/>
-                      <a:endParaRPr lang="ko-KR" altLang="en-US" sz="700" dirty="0"/>
+                      <a:pPr lvl="0" algn="l" latinLnBrk="1">
+                        <a:defRPr/>
+                      </a:pPr>
+                      <a:endParaRPr lang="ko-KR" altLang="en-US" sz="700"/>
                     </a:p>
                   </a:txBody>
                   <a:tcPr marL="68352" marR="68352" marT="34176" marB="34176" anchor="ctr">
@@ -9392,15 +9386,15 @@
                       </a:solidFill>
                       <a:prstDash val="solid"/>
                       <a:round/>
-                      <a:headEnd type="none" w="med" len="med"/>
-                      <a:tailEnd type="none" w="med" len="med"/>
+                      <a:headEnd w="med" len="med"/>
+                      <a:tailEnd w="med" len="med"/>
                     </a:lnL>
                     <a:lnR w="12700" cap="flat" cmpd="sng" algn="ctr">
                       <a:noFill/>
                       <a:prstDash val="solid"/>
                       <a:round/>
-                      <a:headEnd type="none" w="med" len="med"/>
-                      <a:tailEnd type="none" w="med" len="med"/>
+                      <a:headEnd w="med" len="med"/>
+                      <a:tailEnd w="med" len="med"/>
                     </a:lnR>
                     <a:lnT w="3175" cap="flat" cmpd="sng" algn="ctr">
                       <a:solidFill>
@@ -9410,8 +9404,8 @@
                       </a:solidFill>
                       <a:prstDash val="solid"/>
                       <a:round/>
-                      <a:headEnd type="none" w="med" len="med"/>
-                      <a:tailEnd type="none" w="med" len="med"/>
+                      <a:headEnd w="med" len="med"/>
+                      <a:tailEnd w="med" len="med"/>
                     </a:lnT>
                     <a:lnB w="3175" cap="flat" cmpd="sng" algn="ctr">
                       <a:solidFill>
@@ -9421,26 +9415,23 @@
                       </a:solidFill>
                       <a:prstDash val="solid"/>
                       <a:round/>
-                      <a:headEnd type="none" w="med" len="med"/>
-                      <a:tailEnd type="none" w="med" len="med"/>
+                      <a:headEnd w="med" len="med"/>
+                      <a:tailEnd w="med" len="med"/>
                     </a:lnB>
                     <a:noFill/>
                   </a:tcPr>
                 </a:tc>
-                <a:extLst>
-                  <a:ext uri="{0D108BD9-81ED-4DB2-BD59-A6C34878D82A}">
-                    <a16:rowId xmlns="" xmlns:a16="http://schemas.microsoft.com/office/drawing/2014/main" val="10004"/>
-                  </a:ext>
-                </a:extLst>
               </a:tr>
               <a:tr h="241227">
                 <a:tc>
                   <a:txBody>
-                    <a:bodyPr/>
+                    <a:bodyPr vert="horz" lIns="68352" tIns="34176" rIns="68352" bIns="34176" anchor="ctr" anchorCtr="0"/>
                     <a:lstStyle/>
                     <a:p>
-                      <a:pPr algn="ctr" latinLnBrk="1"/>
-                      <a:endParaRPr lang="ko-KR" altLang="en-US" sz="700" dirty="0"/>
+                      <a:pPr lvl="0" algn="ctr" latinLnBrk="1">
+                        <a:defRPr/>
+                      </a:pPr>
+                      <a:endParaRPr lang="ko-KR" altLang="en-US" sz="700"/>
                     </a:p>
                   </a:txBody>
                   <a:tcPr marL="68352" marR="68352" marT="34176" marB="34176" anchor="ctr">
@@ -9448,8 +9439,8 @@
                       <a:noFill/>
                       <a:prstDash val="solid"/>
                       <a:round/>
-                      <a:headEnd type="none" w="med" len="med"/>
-                      <a:tailEnd type="none" w="med" len="med"/>
+                      <a:headEnd w="med" len="med"/>
+                      <a:tailEnd w="med" len="med"/>
                     </a:lnL>
                     <a:lnR w="3175" cap="flat" cmpd="sng" algn="ctr">
                       <a:solidFill>
@@ -9459,8 +9450,8 @@
                       </a:solidFill>
                       <a:prstDash val="solid"/>
                       <a:round/>
-                      <a:headEnd type="none" w="med" len="med"/>
-                      <a:tailEnd type="none" w="med" len="med"/>
+                      <a:headEnd w="med" len="med"/>
+                      <a:tailEnd w="med" len="med"/>
                     </a:lnR>
                     <a:lnT w="3175" cap="flat" cmpd="sng" algn="ctr">
                       <a:solidFill>
@@ -9470,8 +9461,8 @@
                       </a:solidFill>
                       <a:prstDash val="solid"/>
                       <a:round/>
-                      <a:headEnd type="none" w="med" len="med"/>
-                      <a:tailEnd type="none" w="med" len="med"/>
+                      <a:headEnd w="med" len="med"/>
+                      <a:tailEnd w="med" len="med"/>
                     </a:lnT>
                     <a:lnB w="3175" cap="flat" cmpd="sng" algn="ctr">
                       <a:solidFill>
@@ -9481,19 +9472,21 @@
                       </a:solidFill>
                       <a:prstDash val="solid"/>
                       <a:round/>
-                      <a:headEnd type="none" w="med" len="med"/>
-                      <a:tailEnd type="none" w="med" len="med"/>
+                      <a:headEnd w="med" len="med"/>
+                      <a:tailEnd w="med" len="med"/>
                     </a:lnB>
                     <a:noFill/>
                   </a:tcPr>
                 </a:tc>
                 <a:tc>
                   <a:txBody>
-                    <a:bodyPr/>
+                    <a:bodyPr vert="horz" lIns="68352" tIns="34176" rIns="68352" bIns="34176" anchor="ctr" anchorCtr="0"/>
                     <a:lstStyle/>
                     <a:p>
-                      <a:pPr algn="ctr" latinLnBrk="1"/>
-                      <a:endParaRPr lang="ko-KR" altLang="en-US" sz="700" dirty="0"/>
+                      <a:pPr lvl="0" algn="ctr" latinLnBrk="1">
+                        <a:defRPr/>
+                      </a:pPr>
+                      <a:endParaRPr lang="ko-KR" altLang="en-US" sz="700"/>
                     </a:p>
                   </a:txBody>
                   <a:tcPr marL="68352" marR="68352" marT="34176" marB="34176" anchor="ctr">
@@ -9505,8 +9498,8 @@
                       </a:solidFill>
                       <a:prstDash val="solid"/>
                       <a:round/>
-                      <a:headEnd type="none" w="med" len="med"/>
-                      <a:tailEnd type="none" w="med" len="med"/>
+                      <a:headEnd w="med" len="med"/>
+                      <a:tailEnd w="med" len="med"/>
                     </a:lnL>
                     <a:lnR w="3175" cap="flat" cmpd="sng" algn="ctr">
                       <a:solidFill>
@@ -9516,8 +9509,8 @@
                       </a:solidFill>
                       <a:prstDash val="solid"/>
                       <a:round/>
-                      <a:headEnd type="none" w="med" len="med"/>
-                      <a:tailEnd type="none" w="med" len="med"/>
+                      <a:headEnd w="med" len="med"/>
+                      <a:tailEnd w="med" len="med"/>
                     </a:lnR>
                     <a:lnT w="3175" cap="flat" cmpd="sng" algn="ctr">
                       <a:solidFill>
@@ -9527,8 +9520,8 @@
                       </a:solidFill>
                       <a:prstDash val="solid"/>
                       <a:round/>
-                      <a:headEnd type="none" w="med" len="med"/>
-                      <a:tailEnd type="none" w="med" len="med"/>
+                      <a:headEnd w="med" len="med"/>
+                      <a:tailEnd w="med" len="med"/>
                     </a:lnT>
                     <a:lnB w="3175" cap="flat" cmpd="sng" algn="ctr">
                       <a:solidFill>
@@ -9538,19 +9531,21 @@
                       </a:solidFill>
                       <a:prstDash val="solid"/>
                       <a:round/>
-                      <a:headEnd type="none" w="med" len="med"/>
-                      <a:tailEnd type="none" w="med" len="med"/>
+                      <a:headEnd w="med" len="med"/>
+                      <a:tailEnd w="med" len="med"/>
                     </a:lnB>
                     <a:noFill/>
                   </a:tcPr>
                 </a:tc>
                 <a:tc>
                   <a:txBody>
-                    <a:bodyPr/>
+                    <a:bodyPr vert="horz" lIns="68352" tIns="34176" rIns="68352" bIns="34176" anchor="ctr" anchorCtr="0"/>
                     <a:lstStyle/>
                     <a:p>
-                      <a:pPr algn="ctr" latinLnBrk="1"/>
-                      <a:endParaRPr lang="ko-KR" altLang="en-US" sz="700" dirty="0"/>
+                      <a:pPr lvl="0" algn="ctr" latinLnBrk="1">
+                        <a:defRPr/>
+                      </a:pPr>
+                      <a:endParaRPr lang="ko-KR" altLang="en-US" sz="700"/>
                     </a:p>
                   </a:txBody>
                   <a:tcPr marL="68352" marR="68352" marT="34176" marB="34176" anchor="ctr">
@@ -9562,8 +9557,8 @@
                       </a:solidFill>
                       <a:prstDash val="solid"/>
                       <a:round/>
-                      <a:headEnd type="none" w="med" len="med"/>
-                      <a:tailEnd type="none" w="med" len="med"/>
+                      <a:headEnd w="med" len="med"/>
+                      <a:tailEnd w="med" len="med"/>
                     </a:lnL>
                     <a:lnR w="3175" cap="flat" cmpd="sng" algn="ctr">
                       <a:solidFill>
@@ -9573,8 +9568,8 @@
                       </a:solidFill>
                       <a:prstDash val="solid"/>
                       <a:round/>
-                      <a:headEnd type="none" w="med" len="med"/>
-                      <a:tailEnd type="none" w="med" len="med"/>
+                      <a:headEnd w="med" len="med"/>
+                      <a:tailEnd w="med" len="med"/>
                     </a:lnR>
                     <a:lnT w="3175" cap="flat" cmpd="sng" algn="ctr">
                       <a:solidFill>
@@ -9584,8 +9579,8 @@
                       </a:solidFill>
                       <a:prstDash val="solid"/>
                       <a:round/>
-                      <a:headEnd type="none" w="med" len="med"/>
-                      <a:tailEnd type="none" w="med" len="med"/>
+                      <a:headEnd w="med" len="med"/>
+                      <a:tailEnd w="med" len="med"/>
                     </a:lnT>
                     <a:lnB w="3175" cap="flat" cmpd="sng" algn="ctr">
                       <a:solidFill>
@@ -9595,19 +9590,21 @@
                       </a:solidFill>
                       <a:prstDash val="solid"/>
                       <a:round/>
-                      <a:headEnd type="none" w="med" len="med"/>
-                      <a:tailEnd type="none" w="med" len="med"/>
+                      <a:headEnd w="med" len="med"/>
+                      <a:tailEnd w="med" len="med"/>
                     </a:lnB>
                     <a:noFill/>
                   </a:tcPr>
                 </a:tc>
                 <a:tc>
                   <a:txBody>
-                    <a:bodyPr/>
+                    <a:bodyPr vert="horz" lIns="68352" tIns="34176" rIns="68352" bIns="34176" anchor="ctr" anchorCtr="0"/>
                     <a:lstStyle/>
                     <a:p>
-                      <a:pPr algn="l" latinLnBrk="1"/>
-                      <a:endParaRPr lang="ko-KR" altLang="en-US" sz="700" dirty="0"/>
+                      <a:pPr lvl="0" algn="l" latinLnBrk="1">
+                        <a:defRPr/>
+                      </a:pPr>
+                      <a:endParaRPr lang="ko-KR" altLang="en-US" sz="700"/>
                     </a:p>
                   </a:txBody>
                   <a:tcPr marL="68352" marR="68352" marT="34176" marB="34176" anchor="ctr">
@@ -9619,8 +9616,8 @@
                       </a:solidFill>
                       <a:prstDash val="solid"/>
                       <a:round/>
-                      <a:headEnd type="none" w="med" len="med"/>
-                      <a:tailEnd type="none" w="med" len="med"/>
+                      <a:headEnd w="med" len="med"/>
+                      <a:tailEnd w="med" len="med"/>
                     </a:lnL>
                     <a:lnR w="3175" cap="flat" cmpd="sng" algn="ctr">
                       <a:solidFill>
@@ -9630,8 +9627,8 @@
                       </a:solidFill>
                       <a:prstDash val="solid"/>
                       <a:round/>
-                      <a:headEnd type="none" w="med" len="med"/>
-                      <a:tailEnd type="none" w="med" len="med"/>
+                      <a:headEnd w="med" len="med"/>
+                      <a:tailEnd w="med" len="med"/>
                     </a:lnR>
                     <a:lnT w="3175" cap="flat" cmpd="sng" algn="ctr">
                       <a:solidFill>
@@ -9641,8 +9638,8 @@
                       </a:solidFill>
                       <a:prstDash val="solid"/>
                       <a:round/>
-                      <a:headEnd type="none" w="med" len="med"/>
-                      <a:tailEnd type="none" w="med" len="med"/>
+                      <a:headEnd w="med" len="med"/>
+                      <a:tailEnd w="med" len="med"/>
                     </a:lnT>
                     <a:lnB w="3175" cap="flat" cmpd="sng" algn="ctr">
                       <a:solidFill>
@@ -9652,19 +9649,21 @@
                       </a:solidFill>
                       <a:prstDash val="solid"/>
                       <a:round/>
-                      <a:headEnd type="none" w="med" len="med"/>
-                      <a:tailEnd type="none" w="med" len="med"/>
+                      <a:headEnd w="med" len="med"/>
+                      <a:tailEnd w="med" len="med"/>
                     </a:lnB>
                     <a:noFill/>
                   </a:tcPr>
                 </a:tc>
                 <a:tc>
                   <a:txBody>
-                    <a:bodyPr/>
+                    <a:bodyPr vert="horz" lIns="68352" tIns="34176" rIns="68352" bIns="34176" anchor="ctr" anchorCtr="0"/>
                     <a:lstStyle/>
                     <a:p>
-                      <a:pPr algn="l" latinLnBrk="1"/>
-                      <a:endParaRPr lang="ko-KR" altLang="en-US" sz="700" dirty="0"/>
+                      <a:pPr lvl="0" algn="l" latinLnBrk="1">
+                        <a:defRPr/>
+                      </a:pPr>
+                      <a:endParaRPr lang="ko-KR" altLang="en-US" sz="700"/>
                     </a:p>
                   </a:txBody>
                   <a:tcPr marL="68352" marR="68352" marT="34176" marB="34176" anchor="ctr">
@@ -9676,15 +9675,15 @@
                       </a:solidFill>
                       <a:prstDash val="solid"/>
                       <a:round/>
-                      <a:headEnd type="none" w="med" len="med"/>
-                      <a:tailEnd type="none" w="med" len="med"/>
+                      <a:headEnd w="med" len="med"/>
+                      <a:tailEnd w="med" len="med"/>
                     </a:lnL>
                     <a:lnR w="12700" cap="flat" cmpd="sng" algn="ctr">
                       <a:noFill/>
                       <a:prstDash val="solid"/>
                       <a:round/>
-                      <a:headEnd type="none" w="med" len="med"/>
-                      <a:tailEnd type="none" w="med" len="med"/>
+                      <a:headEnd w="med" len="med"/>
+                      <a:tailEnd w="med" len="med"/>
                     </a:lnR>
                     <a:lnT w="3175" cap="flat" cmpd="sng" algn="ctr">
                       <a:solidFill>
@@ -9694,8 +9693,8 @@
                       </a:solidFill>
                       <a:prstDash val="solid"/>
                       <a:round/>
-                      <a:headEnd type="none" w="med" len="med"/>
-                      <a:tailEnd type="none" w="med" len="med"/>
+                      <a:headEnd w="med" len="med"/>
+                      <a:tailEnd w="med" len="med"/>
                     </a:lnT>
                     <a:lnB w="3175" cap="flat" cmpd="sng" algn="ctr">
                       <a:solidFill>
@@ -9705,26 +9704,23 @@
                       </a:solidFill>
                       <a:prstDash val="solid"/>
                       <a:round/>
-                      <a:headEnd type="none" w="med" len="med"/>
-                      <a:tailEnd type="none" w="med" len="med"/>
+                      <a:headEnd w="med" len="med"/>
+                      <a:tailEnd w="med" len="med"/>
                     </a:lnB>
                     <a:noFill/>
                   </a:tcPr>
                 </a:tc>
-                <a:extLst>
-                  <a:ext uri="{0D108BD9-81ED-4DB2-BD59-A6C34878D82A}">
-                    <a16:rowId xmlns="" xmlns:a16="http://schemas.microsoft.com/office/drawing/2014/main" val="10005"/>
-                  </a:ext>
-                </a:extLst>
               </a:tr>
               <a:tr h="241227">
                 <a:tc>
                   <a:txBody>
-                    <a:bodyPr/>
+                    <a:bodyPr vert="horz" lIns="68352" tIns="34176" rIns="68352" bIns="34176" anchor="ctr" anchorCtr="0"/>
                     <a:lstStyle/>
                     <a:p>
-                      <a:pPr algn="ctr" latinLnBrk="1"/>
-                      <a:endParaRPr lang="ko-KR" altLang="en-US" sz="700" dirty="0"/>
+                      <a:pPr lvl="0" algn="ctr" latinLnBrk="1">
+                        <a:defRPr/>
+                      </a:pPr>
+                      <a:endParaRPr lang="ko-KR" altLang="en-US" sz="700"/>
                     </a:p>
                   </a:txBody>
                   <a:tcPr marL="68352" marR="68352" marT="34176" marB="34176" anchor="ctr">
@@ -9732,8 +9728,8 @@
                       <a:noFill/>
                       <a:prstDash val="solid"/>
                       <a:round/>
-                      <a:headEnd type="none" w="med" len="med"/>
-                      <a:tailEnd type="none" w="med" len="med"/>
+                      <a:headEnd w="med" len="med"/>
+                      <a:tailEnd w="med" len="med"/>
                     </a:lnL>
                     <a:lnR w="3175" cap="flat" cmpd="sng" algn="ctr">
                       <a:solidFill>
@@ -9743,8 +9739,8 @@
                       </a:solidFill>
                       <a:prstDash val="solid"/>
                       <a:round/>
-                      <a:headEnd type="none" w="med" len="med"/>
-                      <a:tailEnd type="none" w="med" len="med"/>
+                      <a:headEnd w="med" len="med"/>
+                      <a:tailEnd w="med" len="med"/>
                     </a:lnR>
                     <a:lnT w="3175" cap="flat" cmpd="sng" algn="ctr">
                       <a:solidFill>
@@ -9754,8 +9750,8 @@
                       </a:solidFill>
                       <a:prstDash val="solid"/>
                       <a:round/>
-                      <a:headEnd type="none" w="med" len="med"/>
-                      <a:tailEnd type="none" w="med" len="med"/>
+                      <a:headEnd w="med" len="med"/>
+                      <a:tailEnd w="med" len="med"/>
                     </a:lnT>
                     <a:lnB w="3175" cap="flat" cmpd="sng" algn="ctr">
                       <a:solidFill>
@@ -9765,19 +9761,21 @@
                       </a:solidFill>
                       <a:prstDash val="solid"/>
                       <a:round/>
-                      <a:headEnd type="none" w="med" len="med"/>
-                      <a:tailEnd type="none" w="med" len="med"/>
+                      <a:headEnd w="med" len="med"/>
+                      <a:tailEnd w="med" len="med"/>
                     </a:lnB>
                     <a:noFill/>
                   </a:tcPr>
                 </a:tc>
                 <a:tc>
                   <a:txBody>
-                    <a:bodyPr/>
+                    <a:bodyPr vert="horz" lIns="68352" tIns="34176" rIns="68352" bIns="34176" anchor="ctr" anchorCtr="0"/>
                     <a:lstStyle/>
                     <a:p>
-                      <a:pPr algn="ctr" latinLnBrk="1"/>
-                      <a:endParaRPr lang="ko-KR" altLang="en-US" sz="700" dirty="0"/>
+                      <a:pPr lvl="0" algn="ctr" latinLnBrk="1">
+                        <a:defRPr/>
+                      </a:pPr>
+                      <a:endParaRPr lang="ko-KR" altLang="en-US" sz="700"/>
                     </a:p>
                   </a:txBody>
                   <a:tcPr marL="68352" marR="68352" marT="34176" marB="34176" anchor="ctr">
@@ -9789,8 +9787,8 @@
                       </a:solidFill>
                       <a:prstDash val="solid"/>
                       <a:round/>
-                      <a:headEnd type="none" w="med" len="med"/>
-                      <a:tailEnd type="none" w="med" len="med"/>
+                      <a:headEnd w="med" len="med"/>
+                      <a:tailEnd w="med" len="med"/>
                     </a:lnL>
                     <a:lnR w="3175" cap="flat" cmpd="sng" algn="ctr">
                       <a:solidFill>
@@ -9800,8 +9798,8 @@
                       </a:solidFill>
                       <a:prstDash val="solid"/>
                       <a:round/>
-                      <a:headEnd type="none" w="med" len="med"/>
-                      <a:tailEnd type="none" w="med" len="med"/>
+                      <a:headEnd w="med" len="med"/>
+                      <a:tailEnd w="med" len="med"/>
                     </a:lnR>
                     <a:lnT w="3175" cap="flat" cmpd="sng" algn="ctr">
                       <a:solidFill>
@@ -9811,8 +9809,8 @@
                       </a:solidFill>
                       <a:prstDash val="solid"/>
                       <a:round/>
-                      <a:headEnd type="none" w="med" len="med"/>
-                      <a:tailEnd type="none" w="med" len="med"/>
+                      <a:headEnd w="med" len="med"/>
+                      <a:tailEnd w="med" len="med"/>
                     </a:lnT>
                     <a:lnB w="3175" cap="flat" cmpd="sng" algn="ctr">
                       <a:solidFill>
@@ -9822,19 +9820,21 @@
                       </a:solidFill>
                       <a:prstDash val="solid"/>
                       <a:round/>
-                      <a:headEnd type="none" w="med" len="med"/>
-                      <a:tailEnd type="none" w="med" len="med"/>
+                      <a:headEnd w="med" len="med"/>
+                      <a:tailEnd w="med" len="med"/>
                     </a:lnB>
                     <a:noFill/>
                   </a:tcPr>
                 </a:tc>
                 <a:tc>
                   <a:txBody>
-                    <a:bodyPr/>
+                    <a:bodyPr vert="horz" lIns="68352" tIns="34176" rIns="68352" bIns="34176" anchor="ctr" anchorCtr="0"/>
                     <a:lstStyle/>
                     <a:p>
-                      <a:pPr algn="ctr" latinLnBrk="1"/>
-                      <a:endParaRPr lang="ko-KR" altLang="en-US" sz="700" dirty="0"/>
+                      <a:pPr lvl="0" algn="ctr" latinLnBrk="1">
+                        <a:defRPr/>
+                      </a:pPr>
+                      <a:endParaRPr lang="ko-KR" altLang="en-US" sz="700"/>
                     </a:p>
                   </a:txBody>
                   <a:tcPr marL="68352" marR="68352" marT="34176" marB="34176" anchor="ctr">
@@ -9846,8 +9846,8 @@
                       </a:solidFill>
                       <a:prstDash val="solid"/>
                       <a:round/>
-                      <a:headEnd type="none" w="med" len="med"/>
-                      <a:tailEnd type="none" w="med" len="med"/>
+                      <a:headEnd w="med" len="med"/>
+                      <a:tailEnd w="med" len="med"/>
                     </a:lnL>
                     <a:lnR w="3175" cap="flat" cmpd="sng" algn="ctr">
                       <a:solidFill>
@@ -9857,8 +9857,8 @@
                       </a:solidFill>
                       <a:prstDash val="solid"/>
                       <a:round/>
-                      <a:headEnd type="none" w="med" len="med"/>
-                      <a:tailEnd type="none" w="med" len="med"/>
+                      <a:headEnd w="med" len="med"/>
+                      <a:tailEnd w="med" len="med"/>
                     </a:lnR>
                     <a:lnT w="3175" cap="flat" cmpd="sng" algn="ctr">
                       <a:solidFill>
@@ -9868,8 +9868,8 @@
                       </a:solidFill>
                       <a:prstDash val="solid"/>
                       <a:round/>
-                      <a:headEnd type="none" w="med" len="med"/>
-                      <a:tailEnd type="none" w="med" len="med"/>
+                      <a:headEnd w="med" len="med"/>
+                      <a:tailEnd w="med" len="med"/>
                     </a:lnT>
                     <a:lnB w="3175" cap="flat" cmpd="sng" algn="ctr">
                       <a:solidFill>
@@ -9879,19 +9879,21 @@
                       </a:solidFill>
                       <a:prstDash val="solid"/>
                       <a:round/>
-                      <a:headEnd type="none" w="med" len="med"/>
-                      <a:tailEnd type="none" w="med" len="med"/>
+                      <a:headEnd w="med" len="med"/>
+                      <a:tailEnd w="med" len="med"/>
                     </a:lnB>
                     <a:noFill/>
                   </a:tcPr>
                 </a:tc>
                 <a:tc>
                   <a:txBody>
-                    <a:bodyPr/>
+                    <a:bodyPr vert="horz" lIns="68352" tIns="34176" rIns="68352" bIns="34176" anchor="ctr" anchorCtr="0"/>
                     <a:lstStyle/>
                     <a:p>
-                      <a:pPr algn="l" latinLnBrk="1"/>
-                      <a:endParaRPr lang="ko-KR" altLang="en-US" sz="700" dirty="0"/>
+                      <a:pPr lvl="0" algn="l" latinLnBrk="1">
+                        <a:defRPr/>
+                      </a:pPr>
+                      <a:endParaRPr lang="ko-KR" altLang="en-US" sz="700"/>
                     </a:p>
                   </a:txBody>
                   <a:tcPr marL="68352" marR="68352" marT="34176" marB="34176" anchor="ctr">
@@ -9903,8 +9905,8 @@
                       </a:solidFill>
                       <a:prstDash val="solid"/>
                       <a:round/>
-                      <a:headEnd type="none" w="med" len="med"/>
-                      <a:tailEnd type="none" w="med" len="med"/>
+                      <a:headEnd w="med" len="med"/>
+                      <a:tailEnd w="med" len="med"/>
                     </a:lnL>
                     <a:lnR w="3175" cap="flat" cmpd="sng" algn="ctr">
                       <a:solidFill>
@@ -9914,8 +9916,8 @@
                       </a:solidFill>
                       <a:prstDash val="solid"/>
                       <a:round/>
-                      <a:headEnd type="none" w="med" len="med"/>
-                      <a:tailEnd type="none" w="med" len="med"/>
+                      <a:headEnd w="med" len="med"/>
+                      <a:tailEnd w="med" len="med"/>
                     </a:lnR>
                     <a:lnT w="3175" cap="flat" cmpd="sng" algn="ctr">
                       <a:solidFill>
@@ -9925,8 +9927,8 @@
                       </a:solidFill>
                       <a:prstDash val="solid"/>
                       <a:round/>
-                      <a:headEnd type="none" w="med" len="med"/>
-                      <a:tailEnd type="none" w="med" len="med"/>
+                      <a:headEnd w="med" len="med"/>
+                      <a:tailEnd w="med" len="med"/>
                     </a:lnT>
                     <a:lnB w="3175" cap="flat" cmpd="sng" algn="ctr">
                       <a:solidFill>
@@ -9936,19 +9938,21 @@
                       </a:solidFill>
                       <a:prstDash val="solid"/>
                       <a:round/>
-                      <a:headEnd type="none" w="med" len="med"/>
-                      <a:tailEnd type="none" w="med" len="med"/>
+                      <a:headEnd w="med" len="med"/>
+                      <a:tailEnd w="med" len="med"/>
                     </a:lnB>
                     <a:noFill/>
                   </a:tcPr>
                 </a:tc>
                 <a:tc>
                   <a:txBody>
-                    <a:bodyPr/>
+                    <a:bodyPr vert="horz" lIns="68352" tIns="34176" rIns="68352" bIns="34176" anchor="ctr" anchorCtr="0"/>
                     <a:lstStyle/>
                     <a:p>
-                      <a:pPr algn="l" latinLnBrk="1"/>
-                      <a:endParaRPr lang="ko-KR" altLang="en-US" sz="700" dirty="0"/>
+                      <a:pPr lvl="0" algn="l" latinLnBrk="1">
+                        <a:defRPr/>
+                      </a:pPr>
+                      <a:endParaRPr lang="ko-KR" altLang="en-US" sz="700"/>
                     </a:p>
                   </a:txBody>
                   <a:tcPr marL="68352" marR="68352" marT="34176" marB="34176" anchor="ctr">
@@ -9960,15 +9964,15 @@
                       </a:solidFill>
                       <a:prstDash val="solid"/>
                       <a:round/>
-                      <a:headEnd type="none" w="med" len="med"/>
-                      <a:tailEnd type="none" w="med" len="med"/>
+                      <a:headEnd w="med" len="med"/>
+                      <a:tailEnd w="med" len="med"/>
                     </a:lnL>
                     <a:lnR w="12700" cap="flat" cmpd="sng" algn="ctr">
                       <a:noFill/>
                       <a:prstDash val="solid"/>
                       <a:round/>
-                      <a:headEnd type="none" w="med" len="med"/>
-                      <a:tailEnd type="none" w="med" len="med"/>
+                      <a:headEnd w="med" len="med"/>
+                      <a:tailEnd w="med" len="med"/>
                     </a:lnR>
                     <a:lnT w="3175" cap="flat" cmpd="sng" algn="ctr">
                       <a:solidFill>
@@ -9978,8 +9982,8 @@
                       </a:solidFill>
                       <a:prstDash val="solid"/>
                       <a:round/>
-                      <a:headEnd type="none" w="med" len="med"/>
-                      <a:tailEnd type="none" w="med" len="med"/>
+                      <a:headEnd w="med" len="med"/>
+                      <a:tailEnd w="med" len="med"/>
                     </a:lnT>
                     <a:lnB w="3175" cap="flat" cmpd="sng" algn="ctr">
                       <a:solidFill>
@@ -9989,26 +9993,23 @@
                       </a:solidFill>
                       <a:prstDash val="solid"/>
                       <a:round/>
-                      <a:headEnd type="none" w="med" len="med"/>
-                      <a:tailEnd type="none" w="med" len="med"/>
+                      <a:headEnd w="med" len="med"/>
+                      <a:tailEnd w="med" len="med"/>
                     </a:lnB>
                     <a:noFill/>
                   </a:tcPr>
                 </a:tc>
-                <a:extLst>
-                  <a:ext uri="{0D108BD9-81ED-4DB2-BD59-A6C34878D82A}">
-                    <a16:rowId xmlns="" xmlns:a16="http://schemas.microsoft.com/office/drawing/2014/main" val="10006"/>
-                  </a:ext>
-                </a:extLst>
               </a:tr>
               <a:tr h="241227">
                 <a:tc>
                   <a:txBody>
-                    <a:bodyPr/>
+                    <a:bodyPr vert="horz" lIns="68352" tIns="34176" rIns="68352" bIns="34176" anchor="ctr" anchorCtr="0"/>
                     <a:lstStyle/>
                     <a:p>
-                      <a:pPr algn="ctr" latinLnBrk="1"/>
-                      <a:endParaRPr lang="ko-KR" altLang="en-US" sz="700" dirty="0"/>
+                      <a:pPr lvl="0" algn="ctr" latinLnBrk="1">
+                        <a:defRPr/>
+                      </a:pPr>
+                      <a:endParaRPr lang="ko-KR" altLang="en-US" sz="700"/>
                     </a:p>
                   </a:txBody>
                   <a:tcPr marL="68352" marR="68352" marT="34176" marB="34176" anchor="ctr">
@@ -10016,8 +10017,8 @@
                       <a:noFill/>
                       <a:prstDash val="solid"/>
                       <a:round/>
-                      <a:headEnd type="none" w="med" len="med"/>
-                      <a:tailEnd type="none" w="med" len="med"/>
+                      <a:headEnd w="med" len="med"/>
+                      <a:tailEnd w="med" len="med"/>
                     </a:lnL>
                     <a:lnR w="3175" cap="flat" cmpd="sng" algn="ctr">
                       <a:solidFill>
@@ -10027,8 +10028,8 @@
                       </a:solidFill>
                       <a:prstDash val="solid"/>
                       <a:round/>
-                      <a:headEnd type="none" w="med" len="med"/>
-                      <a:tailEnd type="none" w="med" len="med"/>
+                      <a:headEnd w="med" len="med"/>
+                      <a:tailEnd w="med" len="med"/>
                     </a:lnR>
                     <a:lnT w="3175" cap="flat" cmpd="sng" algn="ctr">
                       <a:solidFill>
@@ -10038,8 +10039,8 @@
                       </a:solidFill>
                       <a:prstDash val="solid"/>
                       <a:round/>
-                      <a:headEnd type="none" w="med" len="med"/>
-                      <a:tailEnd type="none" w="med" len="med"/>
+                      <a:headEnd w="med" len="med"/>
+                      <a:tailEnd w="med" len="med"/>
                     </a:lnT>
                     <a:lnB w="3175" cap="flat" cmpd="sng" algn="ctr">
                       <a:solidFill>
@@ -10049,19 +10050,21 @@
                       </a:solidFill>
                       <a:prstDash val="solid"/>
                       <a:round/>
-                      <a:headEnd type="none" w="med" len="med"/>
-                      <a:tailEnd type="none" w="med" len="med"/>
+                      <a:headEnd w="med" len="med"/>
+                      <a:tailEnd w="med" len="med"/>
                     </a:lnB>
                     <a:noFill/>
                   </a:tcPr>
                 </a:tc>
                 <a:tc>
                   <a:txBody>
-                    <a:bodyPr/>
+                    <a:bodyPr vert="horz" lIns="68352" tIns="34176" rIns="68352" bIns="34176" anchor="ctr" anchorCtr="0"/>
                     <a:lstStyle/>
                     <a:p>
-                      <a:pPr algn="ctr" latinLnBrk="1"/>
-                      <a:endParaRPr lang="ko-KR" altLang="en-US" sz="700" dirty="0"/>
+                      <a:pPr lvl="0" algn="ctr" latinLnBrk="1">
+                        <a:defRPr/>
+                      </a:pPr>
+                      <a:endParaRPr lang="ko-KR" altLang="en-US" sz="700"/>
                     </a:p>
                   </a:txBody>
                   <a:tcPr marL="68352" marR="68352" marT="34176" marB="34176" anchor="ctr">
@@ -10073,8 +10076,8 @@
                       </a:solidFill>
                       <a:prstDash val="solid"/>
                       <a:round/>
-                      <a:headEnd type="none" w="med" len="med"/>
-                      <a:tailEnd type="none" w="med" len="med"/>
+                      <a:headEnd w="med" len="med"/>
+                      <a:tailEnd w="med" len="med"/>
                     </a:lnL>
                     <a:lnR w="3175" cap="flat" cmpd="sng" algn="ctr">
                       <a:solidFill>
@@ -10084,8 +10087,8 @@
                       </a:solidFill>
                       <a:prstDash val="solid"/>
                       <a:round/>
-                      <a:headEnd type="none" w="med" len="med"/>
-                      <a:tailEnd type="none" w="med" len="med"/>
+                      <a:headEnd w="med" len="med"/>
+                      <a:tailEnd w="med" len="med"/>
                     </a:lnR>
                     <a:lnT w="3175" cap="flat" cmpd="sng" algn="ctr">
                       <a:solidFill>
@@ -10095,8 +10098,8 @@
                       </a:solidFill>
                       <a:prstDash val="solid"/>
                       <a:round/>
-                      <a:headEnd type="none" w="med" len="med"/>
-                      <a:tailEnd type="none" w="med" len="med"/>
+                      <a:headEnd w="med" len="med"/>
+                      <a:tailEnd w="med" len="med"/>
                     </a:lnT>
                     <a:lnB w="3175" cap="flat" cmpd="sng" algn="ctr">
                       <a:solidFill>
@@ -10106,19 +10109,21 @@
                       </a:solidFill>
                       <a:prstDash val="solid"/>
                       <a:round/>
-                      <a:headEnd type="none" w="med" len="med"/>
-                      <a:tailEnd type="none" w="med" len="med"/>
+                      <a:headEnd w="med" len="med"/>
+                      <a:tailEnd w="med" len="med"/>
                     </a:lnB>
                     <a:noFill/>
                   </a:tcPr>
                 </a:tc>
                 <a:tc>
                   <a:txBody>
-                    <a:bodyPr/>
+                    <a:bodyPr vert="horz" lIns="68352" tIns="34176" rIns="68352" bIns="34176" anchor="ctr" anchorCtr="0"/>
                     <a:lstStyle/>
                     <a:p>
-                      <a:pPr algn="ctr" latinLnBrk="1"/>
-                      <a:endParaRPr lang="ko-KR" altLang="en-US" sz="700" dirty="0"/>
+                      <a:pPr lvl="0" algn="ctr" latinLnBrk="1">
+                        <a:defRPr/>
+                      </a:pPr>
+                      <a:endParaRPr lang="ko-KR" altLang="en-US" sz="700"/>
                     </a:p>
                   </a:txBody>
                   <a:tcPr marL="68352" marR="68352" marT="34176" marB="34176" anchor="ctr">
@@ -10130,8 +10135,8 @@
                       </a:solidFill>
                       <a:prstDash val="solid"/>
                       <a:round/>
-                      <a:headEnd type="none" w="med" len="med"/>
-                      <a:tailEnd type="none" w="med" len="med"/>
+                      <a:headEnd w="med" len="med"/>
+                      <a:tailEnd w="med" len="med"/>
                     </a:lnL>
                     <a:lnR w="3175" cap="flat" cmpd="sng" algn="ctr">
                       <a:solidFill>
@@ -10141,8 +10146,8 @@
                       </a:solidFill>
                       <a:prstDash val="solid"/>
                       <a:round/>
-                      <a:headEnd type="none" w="med" len="med"/>
-                      <a:tailEnd type="none" w="med" len="med"/>
+                      <a:headEnd w="med" len="med"/>
+                      <a:tailEnd w="med" len="med"/>
                     </a:lnR>
                     <a:lnT w="3175" cap="flat" cmpd="sng" algn="ctr">
                       <a:solidFill>
@@ -10152,8 +10157,8 @@
                       </a:solidFill>
                       <a:prstDash val="solid"/>
                       <a:round/>
-                      <a:headEnd type="none" w="med" len="med"/>
-                      <a:tailEnd type="none" w="med" len="med"/>
+                      <a:headEnd w="med" len="med"/>
+                      <a:tailEnd w="med" len="med"/>
                     </a:lnT>
                     <a:lnB w="3175" cap="flat" cmpd="sng" algn="ctr">
                       <a:solidFill>
@@ -10163,19 +10168,21 @@
                       </a:solidFill>
                       <a:prstDash val="solid"/>
                       <a:round/>
-                      <a:headEnd type="none" w="med" len="med"/>
-                      <a:tailEnd type="none" w="med" len="med"/>
+                      <a:headEnd w="med" len="med"/>
+                      <a:tailEnd w="med" len="med"/>
                     </a:lnB>
                     <a:noFill/>
                   </a:tcPr>
                 </a:tc>
                 <a:tc>
                   <a:txBody>
-                    <a:bodyPr/>
+                    <a:bodyPr vert="horz" lIns="68352" tIns="34176" rIns="68352" bIns="34176" anchor="ctr" anchorCtr="0"/>
                     <a:lstStyle/>
                     <a:p>
-                      <a:pPr algn="l" latinLnBrk="1"/>
-                      <a:endParaRPr lang="ko-KR" altLang="en-US" sz="700" dirty="0"/>
+                      <a:pPr lvl="0" algn="l" latinLnBrk="1">
+                        <a:defRPr/>
+                      </a:pPr>
+                      <a:endParaRPr lang="ko-KR" altLang="en-US" sz="700"/>
                     </a:p>
                   </a:txBody>
                   <a:tcPr marL="68352" marR="68352" marT="34176" marB="34176" anchor="ctr">
@@ -10187,8 +10194,8 @@
                       </a:solidFill>
                       <a:prstDash val="solid"/>
                       <a:round/>
-                      <a:headEnd type="none" w="med" len="med"/>
-                      <a:tailEnd type="none" w="med" len="med"/>
+                      <a:headEnd w="med" len="med"/>
+                      <a:tailEnd w="med" len="med"/>
                     </a:lnL>
                     <a:lnR w="3175" cap="flat" cmpd="sng" algn="ctr">
                       <a:solidFill>
@@ -10198,8 +10205,8 @@
                       </a:solidFill>
                       <a:prstDash val="solid"/>
                       <a:round/>
-                      <a:headEnd type="none" w="med" len="med"/>
-                      <a:tailEnd type="none" w="med" len="med"/>
+                      <a:headEnd w="med" len="med"/>
+                      <a:tailEnd w="med" len="med"/>
                     </a:lnR>
                     <a:lnT w="3175" cap="flat" cmpd="sng" algn="ctr">
                       <a:solidFill>
@@ -10209,8 +10216,8 @@
                       </a:solidFill>
                       <a:prstDash val="solid"/>
                       <a:round/>
-                      <a:headEnd type="none" w="med" len="med"/>
-                      <a:tailEnd type="none" w="med" len="med"/>
+                      <a:headEnd w="med" len="med"/>
+                      <a:tailEnd w="med" len="med"/>
                     </a:lnT>
                     <a:lnB w="3175" cap="flat" cmpd="sng" algn="ctr">
                       <a:solidFill>
@@ -10220,19 +10227,21 @@
                       </a:solidFill>
                       <a:prstDash val="solid"/>
                       <a:round/>
-                      <a:headEnd type="none" w="med" len="med"/>
-                      <a:tailEnd type="none" w="med" len="med"/>
+                      <a:headEnd w="med" len="med"/>
+                      <a:tailEnd w="med" len="med"/>
                     </a:lnB>
                     <a:noFill/>
                   </a:tcPr>
                 </a:tc>
                 <a:tc>
                   <a:txBody>
-                    <a:bodyPr/>
+                    <a:bodyPr vert="horz" lIns="68352" tIns="34176" rIns="68352" bIns="34176" anchor="ctr" anchorCtr="0"/>
                     <a:lstStyle/>
                     <a:p>
-                      <a:pPr algn="l" latinLnBrk="1"/>
-                      <a:endParaRPr lang="ko-KR" altLang="en-US" sz="700" dirty="0"/>
+                      <a:pPr lvl="0" algn="l" latinLnBrk="1">
+                        <a:defRPr/>
+                      </a:pPr>
+                      <a:endParaRPr lang="ko-KR" altLang="en-US" sz="700"/>
                     </a:p>
                   </a:txBody>
                   <a:tcPr marL="68352" marR="68352" marT="34176" marB="34176" anchor="ctr">
@@ -10244,15 +10253,15 @@
                       </a:solidFill>
                       <a:prstDash val="solid"/>
                       <a:round/>
-                      <a:headEnd type="none" w="med" len="med"/>
-                      <a:tailEnd type="none" w="med" len="med"/>
+                      <a:headEnd w="med" len="med"/>
+                      <a:tailEnd w="med" len="med"/>
                     </a:lnL>
                     <a:lnR w="12700" cap="flat" cmpd="sng" algn="ctr">
                       <a:noFill/>
                       <a:prstDash val="solid"/>
                       <a:round/>
-                      <a:headEnd type="none" w="med" len="med"/>
-                      <a:tailEnd type="none" w="med" len="med"/>
+                      <a:headEnd w="med" len="med"/>
+                      <a:tailEnd w="med" len="med"/>
                     </a:lnR>
                     <a:lnT w="3175" cap="flat" cmpd="sng" algn="ctr">
                       <a:solidFill>
@@ -10262,8 +10271,8 @@
                       </a:solidFill>
                       <a:prstDash val="solid"/>
                       <a:round/>
-                      <a:headEnd type="none" w="med" len="med"/>
-                      <a:tailEnd type="none" w="med" len="med"/>
+                      <a:headEnd w="med" len="med"/>
+                      <a:tailEnd w="med" len="med"/>
                     </a:lnT>
                     <a:lnB w="3175" cap="flat" cmpd="sng" algn="ctr">
                       <a:solidFill>
@@ -10273,26 +10282,23 @@
                       </a:solidFill>
                       <a:prstDash val="solid"/>
                       <a:round/>
-                      <a:headEnd type="none" w="med" len="med"/>
-                      <a:tailEnd type="none" w="med" len="med"/>
+                      <a:headEnd w="med" len="med"/>
+                      <a:tailEnd w="med" len="med"/>
                     </a:lnB>
                     <a:noFill/>
                   </a:tcPr>
                 </a:tc>
-                <a:extLst>
-                  <a:ext uri="{0D108BD9-81ED-4DB2-BD59-A6C34878D82A}">
-                    <a16:rowId xmlns="" xmlns:a16="http://schemas.microsoft.com/office/drawing/2014/main" val="10007"/>
-                  </a:ext>
-                </a:extLst>
               </a:tr>
               <a:tr h="241227">
                 <a:tc>
                   <a:txBody>
-                    <a:bodyPr/>
+                    <a:bodyPr vert="horz" lIns="68352" tIns="34176" rIns="68352" bIns="34176" anchor="ctr" anchorCtr="0"/>
                     <a:lstStyle/>
                     <a:p>
-                      <a:pPr algn="ctr" latinLnBrk="1"/>
-                      <a:endParaRPr lang="ko-KR" altLang="en-US" sz="700" dirty="0"/>
+                      <a:pPr lvl="0" algn="ctr" latinLnBrk="1">
+                        <a:defRPr/>
+                      </a:pPr>
+                      <a:endParaRPr lang="ko-KR" altLang="en-US" sz="700"/>
                     </a:p>
                   </a:txBody>
                   <a:tcPr marL="68352" marR="68352" marT="34176" marB="34176" anchor="ctr">
@@ -10300,8 +10306,8 @@
                       <a:noFill/>
                       <a:prstDash val="solid"/>
                       <a:round/>
-                      <a:headEnd type="none" w="med" len="med"/>
-                      <a:tailEnd type="none" w="med" len="med"/>
+                      <a:headEnd w="med" len="med"/>
+                      <a:tailEnd w="med" len="med"/>
                     </a:lnL>
                     <a:lnR w="3175" cap="flat" cmpd="sng" algn="ctr">
                       <a:solidFill>
@@ -10311,8 +10317,8 @@
                       </a:solidFill>
                       <a:prstDash val="solid"/>
                       <a:round/>
-                      <a:headEnd type="none" w="med" len="med"/>
-                      <a:tailEnd type="none" w="med" len="med"/>
+                      <a:headEnd w="med" len="med"/>
+                      <a:tailEnd w="med" len="med"/>
                     </a:lnR>
                     <a:lnT w="3175" cap="flat" cmpd="sng" algn="ctr">
                       <a:solidFill>
@@ -10322,8 +10328,8 @@
                       </a:solidFill>
                       <a:prstDash val="solid"/>
                       <a:round/>
-                      <a:headEnd type="none" w="med" len="med"/>
-                      <a:tailEnd type="none" w="med" len="med"/>
+                      <a:headEnd w="med" len="med"/>
+                      <a:tailEnd w="med" len="med"/>
                     </a:lnT>
                     <a:lnB w="3175" cap="flat" cmpd="sng" algn="ctr">
                       <a:solidFill>
@@ -10333,19 +10339,21 @@
                       </a:solidFill>
                       <a:prstDash val="solid"/>
                       <a:round/>
-                      <a:headEnd type="none" w="med" len="med"/>
-                      <a:tailEnd type="none" w="med" len="med"/>
+                      <a:headEnd w="med" len="med"/>
+                      <a:tailEnd w="med" len="med"/>
                     </a:lnB>
                     <a:noFill/>
                   </a:tcPr>
                 </a:tc>
                 <a:tc>
                   <a:txBody>
-                    <a:bodyPr/>
+                    <a:bodyPr vert="horz" lIns="68352" tIns="34176" rIns="68352" bIns="34176" anchor="ctr" anchorCtr="0"/>
                     <a:lstStyle/>
                     <a:p>
-                      <a:pPr algn="ctr" latinLnBrk="1"/>
-                      <a:endParaRPr lang="ko-KR" altLang="en-US" sz="700" dirty="0"/>
+                      <a:pPr lvl="0" algn="ctr" latinLnBrk="1">
+                        <a:defRPr/>
+                      </a:pPr>
+                      <a:endParaRPr lang="ko-KR" altLang="en-US" sz="700"/>
                     </a:p>
                   </a:txBody>
                   <a:tcPr marL="68352" marR="68352" marT="34176" marB="34176" anchor="ctr">
@@ -10357,8 +10365,8 @@
                       </a:solidFill>
                       <a:prstDash val="solid"/>
                       <a:round/>
-                      <a:headEnd type="none" w="med" len="med"/>
-                      <a:tailEnd type="none" w="med" len="med"/>
+                      <a:headEnd w="med" len="med"/>
+                      <a:tailEnd w="med" len="med"/>
                     </a:lnL>
                     <a:lnR w="3175" cap="flat" cmpd="sng" algn="ctr">
                       <a:solidFill>
@@ -10368,8 +10376,8 @@
                       </a:solidFill>
                       <a:prstDash val="solid"/>
                       <a:round/>
-                      <a:headEnd type="none" w="med" len="med"/>
-                      <a:tailEnd type="none" w="med" len="med"/>
+                      <a:headEnd w="med" len="med"/>
+                      <a:tailEnd w="med" len="med"/>
                     </a:lnR>
                     <a:lnT w="3175" cap="flat" cmpd="sng" algn="ctr">
                       <a:solidFill>
@@ -10379,8 +10387,8 @@
                       </a:solidFill>
                       <a:prstDash val="solid"/>
                       <a:round/>
-                      <a:headEnd type="none" w="med" len="med"/>
-                      <a:tailEnd type="none" w="med" len="med"/>
+                      <a:headEnd w="med" len="med"/>
+                      <a:tailEnd w="med" len="med"/>
                     </a:lnT>
                     <a:lnB w="3175" cap="flat" cmpd="sng" algn="ctr">
                       <a:solidFill>
@@ -10390,19 +10398,21 @@
                       </a:solidFill>
                       <a:prstDash val="solid"/>
                       <a:round/>
-                      <a:headEnd type="none" w="med" len="med"/>
-                      <a:tailEnd type="none" w="med" len="med"/>
+                      <a:headEnd w="med" len="med"/>
+                      <a:tailEnd w="med" len="med"/>
                     </a:lnB>
                     <a:noFill/>
                   </a:tcPr>
                 </a:tc>
                 <a:tc>
                   <a:txBody>
-                    <a:bodyPr/>
+                    <a:bodyPr vert="horz" lIns="68352" tIns="34176" rIns="68352" bIns="34176" anchor="ctr" anchorCtr="0"/>
                     <a:lstStyle/>
                     <a:p>
-                      <a:pPr algn="ctr" latinLnBrk="1"/>
-                      <a:endParaRPr lang="ko-KR" altLang="en-US" sz="700" dirty="0"/>
+                      <a:pPr lvl="0" algn="ctr" latinLnBrk="1">
+                        <a:defRPr/>
+                      </a:pPr>
+                      <a:endParaRPr lang="ko-KR" altLang="en-US" sz="700"/>
                     </a:p>
                   </a:txBody>
                   <a:tcPr marL="68352" marR="68352" marT="34176" marB="34176" anchor="ctr">
@@ -10414,8 +10424,8 @@
                       </a:solidFill>
                       <a:prstDash val="solid"/>
                       <a:round/>
-                      <a:headEnd type="none" w="med" len="med"/>
-                      <a:tailEnd type="none" w="med" len="med"/>
+                      <a:headEnd w="med" len="med"/>
+                      <a:tailEnd w="med" len="med"/>
                     </a:lnL>
                     <a:lnR w="3175" cap="flat" cmpd="sng" algn="ctr">
                       <a:solidFill>
@@ -10425,8 +10435,8 @@
                       </a:solidFill>
                       <a:prstDash val="solid"/>
                       <a:round/>
-                      <a:headEnd type="none" w="med" len="med"/>
-                      <a:tailEnd type="none" w="med" len="med"/>
+                      <a:headEnd w="med" len="med"/>
+                      <a:tailEnd w="med" len="med"/>
                     </a:lnR>
                     <a:lnT w="3175" cap="flat" cmpd="sng" algn="ctr">
                       <a:solidFill>
@@ -10436,8 +10446,8 @@
                       </a:solidFill>
                       <a:prstDash val="solid"/>
                       <a:round/>
-                      <a:headEnd type="none" w="med" len="med"/>
-                      <a:tailEnd type="none" w="med" len="med"/>
+                      <a:headEnd w="med" len="med"/>
+                      <a:tailEnd w="med" len="med"/>
                     </a:lnT>
                     <a:lnB w="3175" cap="flat" cmpd="sng" algn="ctr">
                       <a:solidFill>
@@ -10447,19 +10457,21 @@
                       </a:solidFill>
                       <a:prstDash val="solid"/>
                       <a:round/>
-                      <a:headEnd type="none" w="med" len="med"/>
-                      <a:tailEnd type="none" w="med" len="med"/>
+                      <a:headEnd w="med" len="med"/>
+                      <a:tailEnd w="med" len="med"/>
                     </a:lnB>
                     <a:noFill/>
                   </a:tcPr>
                 </a:tc>
                 <a:tc>
                   <a:txBody>
-                    <a:bodyPr/>
+                    <a:bodyPr vert="horz" lIns="68352" tIns="34176" rIns="68352" bIns="34176" anchor="ctr" anchorCtr="0"/>
                     <a:lstStyle/>
                     <a:p>
-                      <a:pPr algn="l" latinLnBrk="1"/>
-                      <a:endParaRPr lang="ko-KR" altLang="en-US" sz="700" dirty="0"/>
+                      <a:pPr lvl="0" algn="l" latinLnBrk="1">
+                        <a:defRPr/>
+                      </a:pPr>
+                      <a:endParaRPr lang="ko-KR" altLang="en-US" sz="700"/>
                     </a:p>
                   </a:txBody>
                   <a:tcPr marL="68352" marR="68352" marT="34176" marB="34176" anchor="ctr">
@@ -10471,8 +10483,8 @@
                       </a:solidFill>
                       <a:prstDash val="solid"/>
                       <a:round/>
-                      <a:headEnd type="none" w="med" len="med"/>
-                      <a:tailEnd type="none" w="med" len="med"/>
+                      <a:headEnd w="med" len="med"/>
+                      <a:tailEnd w="med" len="med"/>
                     </a:lnL>
                     <a:lnR w="3175" cap="flat" cmpd="sng" algn="ctr">
                       <a:solidFill>
@@ -10482,8 +10494,8 @@
                       </a:solidFill>
                       <a:prstDash val="solid"/>
                       <a:round/>
-                      <a:headEnd type="none" w="med" len="med"/>
-                      <a:tailEnd type="none" w="med" len="med"/>
+                      <a:headEnd w="med" len="med"/>
+                      <a:tailEnd w="med" len="med"/>
                     </a:lnR>
                     <a:lnT w="3175" cap="flat" cmpd="sng" algn="ctr">
                       <a:solidFill>
@@ -10493,8 +10505,8 @@
                       </a:solidFill>
                       <a:prstDash val="solid"/>
                       <a:round/>
-                      <a:headEnd type="none" w="med" len="med"/>
-                      <a:tailEnd type="none" w="med" len="med"/>
+                      <a:headEnd w="med" len="med"/>
+                      <a:tailEnd w="med" len="med"/>
                     </a:lnT>
                     <a:lnB w="3175" cap="flat" cmpd="sng" algn="ctr">
                       <a:solidFill>
@@ -10504,19 +10516,21 @@
                       </a:solidFill>
                       <a:prstDash val="solid"/>
                       <a:round/>
-                      <a:headEnd type="none" w="med" len="med"/>
-                      <a:tailEnd type="none" w="med" len="med"/>
+                      <a:headEnd w="med" len="med"/>
+                      <a:tailEnd w="med" len="med"/>
                     </a:lnB>
                     <a:noFill/>
                   </a:tcPr>
                 </a:tc>
                 <a:tc>
                   <a:txBody>
-                    <a:bodyPr/>
+                    <a:bodyPr vert="horz" lIns="68352" tIns="34176" rIns="68352" bIns="34176" anchor="ctr" anchorCtr="0"/>
                     <a:lstStyle/>
                     <a:p>
-                      <a:pPr algn="l" latinLnBrk="1"/>
-                      <a:endParaRPr lang="ko-KR" altLang="en-US" sz="700" dirty="0"/>
+                      <a:pPr lvl="0" algn="l" latinLnBrk="1">
+                        <a:defRPr/>
+                      </a:pPr>
+                      <a:endParaRPr lang="ko-KR" altLang="en-US" sz="700"/>
                     </a:p>
                   </a:txBody>
                   <a:tcPr marL="68352" marR="68352" marT="34176" marB="34176" anchor="ctr">
@@ -10528,15 +10542,15 @@
                       </a:solidFill>
                       <a:prstDash val="solid"/>
                       <a:round/>
-                      <a:headEnd type="none" w="med" len="med"/>
-                      <a:tailEnd type="none" w="med" len="med"/>
+                      <a:headEnd w="med" len="med"/>
+                      <a:tailEnd w="med" len="med"/>
                     </a:lnL>
                     <a:lnR w="12700" cap="flat" cmpd="sng" algn="ctr">
                       <a:noFill/>
                       <a:prstDash val="solid"/>
                       <a:round/>
-                      <a:headEnd type="none" w="med" len="med"/>
-                      <a:tailEnd type="none" w="med" len="med"/>
+                      <a:headEnd w="med" len="med"/>
+                      <a:tailEnd w="med" len="med"/>
                     </a:lnR>
                     <a:lnT w="3175" cap="flat" cmpd="sng" algn="ctr">
                       <a:solidFill>
@@ -10546,8 +10560,8 @@
                       </a:solidFill>
                       <a:prstDash val="solid"/>
                       <a:round/>
-                      <a:headEnd type="none" w="med" len="med"/>
-                      <a:tailEnd type="none" w="med" len="med"/>
+                      <a:headEnd w="med" len="med"/>
+                      <a:tailEnd w="med" len="med"/>
                     </a:lnT>
                     <a:lnB w="3175" cap="flat" cmpd="sng" algn="ctr">
                       <a:solidFill>
@@ -10557,26 +10571,23 @@
                       </a:solidFill>
                       <a:prstDash val="solid"/>
                       <a:round/>
-                      <a:headEnd type="none" w="med" len="med"/>
-                      <a:tailEnd type="none" w="med" len="med"/>
+                      <a:headEnd w="med" len="med"/>
+                      <a:tailEnd w="med" len="med"/>
                     </a:lnB>
                     <a:noFill/>
                   </a:tcPr>
                 </a:tc>
-                <a:extLst>
-                  <a:ext uri="{0D108BD9-81ED-4DB2-BD59-A6C34878D82A}">
-                    <a16:rowId xmlns="" xmlns:a16="http://schemas.microsoft.com/office/drawing/2014/main" val="10008"/>
-                  </a:ext>
-                </a:extLst>
               </a:tr>
               <a:tr h="241227">
                 <a:tc>
                   <a:txBody>
-                    <a:bodyPr/>
+                    <a:bodyPr vert="horz" lIns="68352" tIns="34176" rIns="68352" bIns="34176" anchor="ctr" anchorCtr="0"/>
                     <a:lstStyle/>
                     <a:p>
-                      <a:pPr algn="ctr" latinLnBrk="1"/>
-                      <a:endParaRPr lang="ko-KR" altLang="en-US" sz="700" dirty="0"/>
+                      <a:pPr lvl="0" algn="ctr" latinLnBrk="1">
+                        <a:defRPr/>
+                      </a:pPr>
+                      <a:endParaRPr lang="ko-KR" altLang="en-US" sz="700"/>
                     </a:p>
                   </a:txBody>
                   <a:tcPr marL="68352" marR="68352" marT="34176" marB="34176" anchor="ctr">
@@ -10584,8 +10595,8 @@
                       <a:noFill/>
                       <a:prstDash val="solid"/>
                       <a:round/>
-                      <a:headEnd type="none" w="med" len="med"/>
-                      <a:tailEnd type="none" w="med" len="med"/>
+                      <a:headEnd w="med" len="med"/>
+                      <a:tailEnd w="med" len="med"/>
                     </a:lnL>
                     <a:lnR w="3175" cap="flat" cmpd="sng" algn="ctr">
                       <a:solidFill>
@@ -10595,8 +10606,8 @@
                       </a:solidFill>
                       <a:prstDash val="solid"/>
                       <a:round/>
-                      <a:headEnd type="none" w="med" len="med"/>
-                      <a:tailEnd type="none" w="med" len="med"/>
+                      <a:headEnd w="med" len="med"/>
+                      <a:tailEnd w="med" len="med"/>
                     </a:lnR>
                     <a:lnT w="3175" cap="flat" cmpd="sng" algn="ctr">
                       <a:solidFill>
@@ -10606,8 +10617,8 @@
                       </a:solidFill>
                       <a:prstDash val="solid"/>
                       <a:round/>
-                      <a:headEnd type="none" w="med" len="med"/>
-                      <a:tailEnd type="none" w="med" len="med"/>
+                      <a:headEnd w="med" len="med"/>
+                      <a:tailEnd w="med" len="med"/>
                     </a:lnT>
                     <a:lnB w="3175" cap="flat" cmpd="sng" algn="ctr">
                       <a:solidFill>
@@ -10617,19 +10628,21 @@
                       </a:solidFill>
                       <a:prstDash val="solid"/>
                       <a:round/>
-                      <a:headEnd type="none" w="med" len="med"/>
-                      <a:tailEnd type="none" w="med" len="med"/>
+                      <a:headEnd w="med" len="med"/>
+                      <a:tailEnd w="med" len="med"/>
                     </a:lnB>
                     <a:noFill/>
                   </a:tcPr>
                 </a:tc>
                 <a:tc>
                   <a:txBody>
-                    <a:bodyPr/>
+                    <a:bodyPr vert="horz" lIns="68352" tIns="34176" rIns="68352" bIns="34176" anchor="ctr" anchorCtr="0"/>
                     <a:lstStyle/>
                     <a:p>
-                      <a:pPr algn="ctr" latinLnBrk="1"/>
-                      <a:endParaRPr lang="ko-KR" altLang="en-US" sz="700" dirty="0"/>
+                      <a:pPr lvl="0" algn="ctr" latinLnBrk="1">
+                        <a:defRPr/>
+                      </a:pPr>
+                      <a:endParaRPr lang="ko-KR" altLang="en-US" sz="700"/>
                     </a:p>
                   </a:txBody>
                   <a:tcPr marL="68352" marR="68352" marT="34176" marB="34176" anchor="ctr">
@@ -10641,8 +10654,8 @@
                       </a:solidFill>
                       <a:prstDash val="solid"/>
                       <a:round/>
-                      <a:headEnd type="none" w="med" len="med"/>
-                      <a:tailEnd type="none" w="med" len="med"/>
+                      <a:headEnd w="med" len="med"/>
+                      <a:tailEnd w="med" len="med"/>
                     </a:lnL>
                     <a:lnR w="3175" cap="flat" cmpd="sng" algn="ctr">
                       <a:solidFill>
@@ -10652,8 +10665,8 @@
                       </a:solidFill>
                       <a:prstDash val="solid"/>
                       <a:round/>
-                      <a:headEnd type="none" w="med" len="med"/>
-                      <a:tailEnd type="none" w="med" len="med"/>
+                      <a:headEnd w="med" len="med"/>
+                      <a:tailEnd w="med" len="med"/>
                     </a:lnR>
                     <a:lnT w="3175" cap="flat" cmpd="sng" algn="ctr">
                       <a:solidFill>
@@ -10663,8 +10676,8 @@
                       </a:solidFill>
                       <a:prstDash val="solid"/>
                       <a:round/>
-                      <a:headEnd type="none" w="med" len="med"/>
-                      <a:tailEnd type="none" w="med" len="med"/>
+                      <a:headEnd w="med" len="med"/>
+                      <a:tailEnd w="med" len="med"/>
                     </a:lnT>
                     <a:lnB w="3175" cap="flat" cmpd="sng" algn="ctr">
                       <a:solidFill>
@@ -10674,19 +10687,21 @@
                       </a:solidFill>
                       <a:prstDash val="solid"/>
                       <a:round/>
-                      <a:headEnd type="none" w="med" len="med"/>
-                      <a:tailEnd type="none" w="med" len="med"/>
+                      <a:headEnd w="med" len="med"/>
+                      <a:tailEnd w="med" len="med"/>
                     </a:lnB>
                     <a:noFill/>
                   </a:tcPr>
                 </a:tc>
                 <a:tc>
                   <a:txBody>
-                    <a:bodyPr/>
+                    <a:bodyPr vert="horz" lIns="68352" tIns="34176" rIns="68352" bIns="34176" anchor="ctr" anchorCtr="0"/>
                     <a:lstStyle/>
                     <a:p>
-                      <a:pPr algn="ctr" latinLnBrk="1"/>
-                      <a:endParaRPr lang="ko-KR" altLang="en-US" sz="700" dirty="0"/>
+                      <a:pPr lvl="0" algn="ctr" latinLnBrk="1">
+                        <a:defRPr/>
+                      </a:pPr>
+                      <a:endParaRPr lang="ko-KR" altLang="en-US" sz="700"/>
                     </a:p>
                   </a:txBody>
                   <a:tcPr marL="68352" marR="68352" marT="34176" marB="34176" anchor="ctr">
@@ -10698,8 +10713,8 @@
                       </a:solidFill>
                       <a:prstDash val="solid"/>
                       <a:round/>
-                      <a:headEnd type="none" w="med" len="med"/>
-                      <a:tailEnd type="none" w="med" len="med"/>
+                      <a:headEnd w="med" len="med"/>
+                      <a:tailEnd w="med" len="med"/>
                     </a:lnL>
                     <a:lnR w="3175" cap="flat" cmpd="sng" algn="ctr">
                       <a:solidFill>
@@ -10709,8 +10724,8 @@
                       </a:solidFill>
                       <a:prstDash val="solid"/>
                       <a:round/>
-                      <a:headEnd type="none" w="med" len="med"/>
-                      <a:tailEnd type="none" w="med" len="med"/>
+                      <a:headEnd w="med" len="med"/>
+                      <a:tailEnd w="med" len="med"/>
                     </a:lnR>
                     <a:lnT w="3175" cap="flat" cmpd="sng" algn="ctr">
                       <a:solidFill>
@@ -10720,8 +10735,8 @@
                       </a:solidFill>
                       <a:prstDash val="solid"/>
                       <a:round/>
-                      <a:headEnd type="none" w="med" len="med"/>
-                      <a:tailEnd type="none" w="med" len="med"/>
+                      <a:headEnd w="med" len="med"/>
+                      <a:tailEnd w="med" len="med"/>
                     </a:lnT>
                     <a:lnB w="3175" cap="flat" cmpd="sng" algn="ctr">
                       <a:solidFill>
@@ -10731,19 +10746,21 @@
                       </a:solidFill>
                       <a:prstDash val="solid"/>
                       <a:round/>
-                      <a:headEnd type="none" w="med" len="med"/>
-                      <a:tailEnd type="none" w="med" len="med"/>
+                      <a:headEnd w="med" len="med"/>
+                      <a:tailEnd w="med" len="med"/>
                     </a:lnB>
                     <a:noFill/>
                   </a:tcPr>
                 </a:tc>
                 <a:tc>
                   <a:txBody>
-                    <a:bodyPr/>
+                    <a:bodyPr vert="horz" lIns="68352" tIns="34176" rIns="68352" bIns="34176" anchor="ctr" anchorCtr="0"/>
                     <a:lstStyle/>
                     <a:p>
-                      <a:pPr algn="l" latinLnBrk="1"/>
-                      <a:endParaRPr lang="ko-KR" altLang="en-US" sz="700" dirty="0"/>
+                      <a:pPr lvl="0" algn="l" latinLnBrk="1">
+                        <a:defRPr/>
+                      </a:pPr>
+                      <a:endParaRPr lang="ko-KR" altLang="en-US" sz="700"/>
                     </a:p>
                   </a:txBody>
                   <a:tcPr marL="68352" marR="68352" marT="34176" marB="34176" anchor="ctr">
@@ -10755,8 +10772,8 @@
                       </a:solidFill>
                       <a:prstDash val="solid"/>
                       <a:round/>
-                      <a:headEnd type="none" w="med" len="med"/>
-                      <a:tailEnd type="none" w="med" len="med"/>
+                      <a:headEnd w="med" len="med"/>
+                      <a:tailEnd w="med" len="med"/>
                     </a:lnL>
                     <a:lnR w="3175" cap="flat" cmpd="sng" algn="ctr">
                       <a:solidFill>
@@ -10766,8 +10783,8 @@
                       </a:solidFill>
                       <a:prstDash val="solid"/>
                       <a:round/>
-                      <a:headEnd type="none" w="med" len="med"/>
-                      <a:tailEnd type="none" w="med" len="med"/>
+                      <a:headEnd w="med" len="med"/>
+                      <a:tailEnd w="med" len="med"/>
                     </a:lnR>
                     <a:lnT w="3175" cap="flat" cmpd="sng" algn="ctr">
                       <a:solidFill>
@@ -10777,8 +10794,8 @@
                       </a:solidFill>
                       <a:prstDash val="solid"/>
                       <a:round/>
-                      <a:headEnd type="none" w="med" len="med"/>
-                      <a:tailEnd type="none" w="med" len="med"/>
+                      <a:headEnd w="med" len="med"/>
+                      <a:tailEnd w="med" len="med"/>
                     </a:lnT>
                     <a:lnB w="3175" cap="flat" cmpd="sng" algn="ctr">
                       <a:solidFill>
@@ -10788,19 +10805,21 @@
                       </a:solidFill>
                       <a:prstDash val="solid"/>
                       <a:round/>
-                      <a:headEnd type="none" w="med" len="med"/>
-                      <a:tailEnd type="none" w="med" len="med"/>
+                      <a:headEnd w="med" len="med"/>
+                      <a:tailEnd w="med" len="med"/>
                     </a:lnB>
                     <a:noFill/>
                   </a:tcPr>
                 </a:tc>
                 <a:tc>
                   <a:txBody>
-                    <a:bodyPr/>
+                    <a:bodyPr vert="horz" lIns="68352" tIns="34176" rIns="68352" bIns="34176" anchor="ctr" anchorCtr="0"/>
                     <a:lstStyle/>
                     <a:p>
-                      <a:pPr algn="l" latinLnBrk="1"/>
-                      <a:endParaRPr lang="ko-KR" altLang="en-US" sz="700" dirty="0"/>
+                      <a:pPr lvl="0" algn="l" latinLnBrk="1">
+                        <a:defRPr/>
+                      </a:pPr>
+                      <a:endParaRPr lang="ko-KR" altLang="en-US" sz="700"/>
                     </a:p>
                   </a:txBody>
                   <a:tcPr marL="68352" marR="68352" marT="34176" marB="34176" anchor="ctr">
@@ -10812,15 +10831,15 @@
                       </a:solidFill>
                       <a:prstDash val="solid"/>
                       <a:round/>
-                      <a:headEnd type="none" w="med" len="med"/>
-                      <a:tailEnd type="none" w="med" len="med"/>
+                      <a:headEnd w="med" len="med"/>
+                      <a:tailEnd w="med" len="med"/>
                     </a:lnL>
                     <a:lnR w="12700" cap="flat" cmpd="sng" algn="ctr">
                       <a:noFill/>
                       <a:prstDash val="solid"/>
                       <a:round/>
-                      <a:headEnd type="none" w="med" len="med"/>
-                      <a:tailEnd type="none" w="med" len="med"/>
+                      <a:headEnd w="med" len="med"/>
+                      <a:tailEnd w="med" len="med"/>
                     </a:lnR>
                     <a:lnT w="3175" cap="flat" cmpd="sng" algn="ctr">
                       <a:solidFill>
@@ -10830,8 +10849,8 @@
                       </a:solidFill>
                       <a:prstDash val="solid"/>
                       <a:round/>
-                      <a:headEnd type="none" w="med" len="med"/>
-                      <a:tailEnd type="none" w="med" len="med"/>
+                      <a:headEnd w="med" len="med"/>
+                      <a:tailEnd w="med" len="med"/>
                     </a:lnT>
                     <a:lnB w="3175" cap="flat" cmpd="sng" algn="ctr">
                       <a:solidFill>
@@ -10841,26 +10860,23 @@
                       </a:solidFill>
                       <a:prstDash val="solid"/>
                       <a:round/>
-                      <a:headEnd type="none" w="med" len="med"/>
-                      <a:tailEnd type="none" w="med" len="med"/>
+                      <a:headEnd w="med" len="med"/>
+                      <a:tailEnd w="med" len="med"/>
                     </a:lnB>
                     <a:noFill/>
                   </a:tcPr>
                 </a:tc>
-                <a:extLst>
-                  <a:ext uri="{0D108BD9-81ED-4DB2-BD59-A6C34878D82A}">
-                    <a16:rowId xmlns="" xmlns:a16="http://schemas.microsoft.com/office/drawing/2014/main" val="10009"/>
-                  </a:ext>
-                </a:extLst>
               </a:tr>
               <a:tr h="241227">
                 <a:tc>
                   <a:txBody>
-                    <a:bodyPr/>
+                    <a:bodyPr vert="horz" lIns="68352" tIns="34176" rIns="68352" bIns="34176" anchor="ctr" anchorCtr="0"/>
                     <a:lstStyle/>
                     <a:p>
-                      <a:pPr algn="ctr" latinLnBrk="1"/>
-                      <a:endParaRPr lang="ko-KR" altLang="en-US" sz="700" dirty="0"/>
+                      <a:pPr lvl="0" algn="ctr" latinLnBrk="1">
+                        <a:defRPr/>
+                      </a:pPr>
+                      <a:endParaRPr lang="ko-KR" altLang="en-US" sz="700"/>
                     </a:p>
                   </a:txBody>
                   <a:tcPr marL="68352" marR="68352" marT="34176" marB="34176" anchor="ctr">
@@ -10868,8 +10884,8 @@
                       <a:noFill/>
                       <a:prstDash val="solid"/>
                       <a:round/>
-                      <a:headEnd type="none" w="med" len="med"/>
-                      <a:tailEnd type="none" w="med" len="med"/>
+                      <a:headEnd w="med" len="med"/>
+                      <a:tailEnd w="med" len="med"/>
                     </a:lnL>
                     <a:lnR w="3175" cap="flat" cmpd="sng" algn="ctr">
                       <a:solidFill>
@@ -10879,8 +10895,8 @@
                       </a:solidFill>
                       <a:prstDash val="solid"/>
                       <a:round/>
-                      <a:headEnd type="none" w="med" len="med"/>
-                      <a:tailEnd type="none" w="med" len="med"/>
+                      <a:headEnd w="med" len="med"/>
+                      <a:tailEnd w="med" len="med"/>
                     </a:lnR>
                     <a:lnT w="3175" cap="flat" cmpd="sng" algn="ctr">
                       <a:solidFill>
@@ -10890,8 +10906,8 @@
                       </a:solidFill>
                       <a:prstDash val="solid"/>
                       <a:round/>
-                      <a:headEnd type="none" w="med" len="med"/>
-                      <a:tailEnd type="none" w="med" len="med"/>
+                      <a:headEnd w="med" len="med"/>
+                      <a:tailEnd w="med" len="med"/>
                     </a:lnT>
                     <a:lnB w="3175" cap="flat" cmpd="sng" algn="ctr">
                       <a:solidFill>
@@ -10901,19 +10917,21 @@
                       </a:solidFill>
                       <a:prstDash val="solid"/>
                       <a:round/>
-                      <a:headEnd type="none" w="med" len="med"/>
-                      <a:tailEnd type="none" w="med" len="med"/>
+                      <a:headEnd w="med" len="med"/>
+                      <a:tailEnd w="med" len="med"/>
                     </a:lnB>
                     <a:noFill/>
                   </a:tcPr>
                 </a:tc>
                 <a:tc>
                   <a:txBody>
-                    <a:bodyPr/>
+                    <a:bodyPr vert="horz" lIns="68352" tIns="34176" rIns="68352" bIns="34176" anchor="ctr" anchorCtr="0"/>
                     <a:lstStyle/>
                     <a:p>
-                      <a:pPr algn="ctr" latinLnBrk="1"/>
-                      <a:endParaRPr lang="ko-KR" altLang="en-US" sz="700" dirty="0"/>
+                      <a:pPr lvl="0" algn="ctr" latinLnBrk="1">
+                        <a:defRPr/>
+                      </a:pPr>
+                      <a:endParaRPr lang="ko-KR" altLang="en-US" sz="700"/>
                     </a:p>
                   </a:txBody>
                   <a:tcPr marL="68352" marR="68352" marT="34176" marB="34176" anchor="ctr">
@@ -10925,8 +10943,8 @@
                       </a:solidFill>
                       <a:prstDash val="solid"/>
                       <a:round/>
-                      <a:headEnd type="none" w="med" len="med"/>
-                      <a:tailEnd type="none" w="med" len="med"/>
+                      <a:headEnd w="med" len="med"/>
+                      <a:tailEnd w="med" len="med"/>
                     </a:lnL>
                     <a:lnR w="3175" cap="flat" cmpd="sng" algn="ctr">
                       <a:solidFill>
@@ -10936,8 +10954,8 @@
                       </a:solidFill>
                       <a:prstDash val="solid"/>
                       <a:round/>
-                      <a:headEnd type="none" w="med" len="med"/>
-                      <a:tailEnd type="none" w="med" len="med"/>
+                      <a:headEnd w="med" len="med"/>
+                      <a:tailEnd w="med" len="med"/>
                     </a:lnR>
                     <a:lnT w="3175" cap="flat" cmpd="sng" algn="ctr">
                       <a:solidFill>
@@ -10947,8 +10965,8 @@
                       </a:solidFill>
                       <a:prstDash val="solid"/>
                       <a:round/>
-                      <a:headEnd type="none" w="med" len="med"/>
-                      <a:tailEnd type="none" w="med" len="med"/>
+                      <a:headEnd w="med" len="med"/>
+                      <a:tailEnd w="med" len="med"/>
                     </a:lnT>
                     <a:lnB w="3175" cap="flat" cmpd="sng" algn="ctr">
                       <a:solidFill>
@@ -10958,19 +10976,21 @@
                       </a:solidFill>
                       <a:prstDash val="solid"/>
                       <a:round/>
-                      <a:headEnd type="none" w="med" len="med"/>
-                      <a:tailEnd type="none" w="med" len="med"/>
+                      <a:headEnd w="med" len="med"/>
+                      <a:tailEnd w="med" len="med"/>
                     </a:lnB>
                     <a:noFill/>
                   </a:tcPr>
                 </a:tc>
                 <a:tc>
                   <a:txBody>
-                    <a:bodyPr/>
+                    <a:bodyPr vert="horz" lIns="68352" tIns="34176" rIns="68352" bIns="34176" anchor="ctr" anchorCtr="0"/>
                     <a:lstStyle/>
                     <a:p>
-                      <a:pPr algn="ctr" latinLnBrk="1"/>
-                      <a:endParaRPr lang="ko-KR" altLang="en-US" sz="700" dirty="0"/>
+                      <a:pPr lvl="0" algn="ctr" latinLnBrk="1">
+                        <a:defRPr/>
+                      </a:pPr>
+                      <a:endParaRPr lang="ko-KR" altLang="en-US" sz="700"/>
                     </a:p>
                   </a:txBody>
                   <a:tcPr marL="68352" marR="68352" marT="34176" marB="34176" anchor="ctr">
@@ -10982,8 +11002,8 @@
                       </a:solidFill>
                       <a:prstDash val="solid"/>
                       <a:round/>
-                      <a:headEnd type="none" w="med" len="med"/>
-                      <a:tailEnd type="none" w="med" len="med"/>
+                      <a:headEnd w="med" len="med"/>
+                      <a:tailEnd w="med" len="med"/>
                     </a:lnL>
                     <a:lnR w="3175" cap="flat" cmpd="sng" algn="ctr">
                       <a:solidFill>
@@ -10993,8 +11013,8 @@
                       </a:solidFill>
                       <a:prstDash val="solid"/>
                       <a:round/>
-                      <a:headEnd type="none" w="med" len="med"/>
-                      <a:tailEnd type="none" w="med" len="med"/>
+                      <a:headEnd w="med" len="med"/>
+                      <a:tailEnd w="med" len="med"/>
                     </a:lnR>
                     <a:lnT w="3175" cap="flat" cmpd="sng" algn="ctr">
                       <a:solidFill>
@@ -11004,8 +11024,8 @@
                       </a:solidFill>
                       <a:prstDash val="solid"/>
                       <a:round/>
-                      <a:headEnd type="none" w="med" len="med"/>
-                      <a:tailEnd type="none" w="med" len="med"/>
+                      <a:headEnd w="med" len="med"/>
+                      <a:tailEnd w="med" len="med"/>
                     </a:lnT>
                     <a:lnB w="3175" cap="flat" cmpd="sng" algn="ctr">
                       <a:solidFill>
@@ -11015,19 +11035,21 @@
                       </a:solidFill>
                       <a:prstDash val="solid"/>
                       <a:round/>
-                      <a:headEnd type="none" w="med" len="med"/>
-                      <a:tailEnd type="none" w="med" len="med"/>
+                      <a:headEnd w="med" len="med"/>
+                      <a:tailEnd w="med" len="med"/>
                     </a:lnB>
                     <a:noFill/>
                   </a:tcPr>
                 </a:tc>
                 <a:tc>
                   <a:txBody>
-                    <a:bodyPr/>
+                    <a:bodyPr vert="horz" lIns="68352" tIns="34176" rIns="68352" bIns="34176" anchor="ctr" anchorCtr="0"/>
                     <a:lstStyle/>
                     <a:p>
-                      <a:pPr algn="l" latinLnBrk="1"/>
-                      <a:endParaRPr lang="ko-KR" altLang="en-US" sz="700" dirty="0"/>
+                      <a:pPr lvl="0" algn="l" latinLnBrk="1">
+                        <a:defRPr/>
+                      </a:pPr>
+                      <a:endParaRPr lang="ko-KR" altLang="en-US" sz="700"/>
                     </a:p>
                   </a:txBody>
                   <a:tcPr marL="68352" marR="68352" marT="34176" marB="34176" anchor="ctr">
@@ -11039,8 +11061,8 @@
                       </a:solidFill>
                       <a:prstDash val="solid"/>
                       <a:round/>
-                      <a:headEnd type="none" w="med" len="med"/>
-                      <a:tailEnd type="none" w="med" len="med"/>
+                      <a:headEnd w="med" len="med"/>
+                      <a:tailEnd w="med" len="med"/>
                     </a:lnL>
                     <a:lnR w="3175" cap="flat" cmpd="sng" algn="ctr">
                       <a:solidFill>
@@ -11050,8 +11072,8 @@
                       </a:solidFill>
                       <a:prstDash val="solid"/>
                       <a:round/>
-                      <a:headEnd type="none" w="med" len="med"/>
-                      <a:tailEnd type="none" w="med" len="med"/>
+                      <a:headEnd w="med" len="med"/>
+                      <a:tailEnd w="med" len="med"/>
                     </a:lnR>
                     <a:lnT w="3175" cap="flat" cmpd="sng" algn="ctr">
                       <a:solidFill>
@@ -11061,8 +11083,8 @@
                       </a:solidFill>
                       <a:prstDash val="solid"/>
                       <a:round/>
-                      <a:headEnd type="none" w="med" len="med"/>
-                      <a:tailEnd type="none" w="med" len="med"/>
+                      <a:headEnd w="med" len="med"/>
+                      <a:tailEnd w="med" len="med"/>
                     </a:lnT>
                     <a:lnB w="3175" cap="flat" cmpd="sng" algn="ctr">
                       <a:solidFill>
@@ -11072,19 +11094,21 @@
                       </a:solidFill>
                       <a:prstDash val="solid"/>
                       <a:round/>
-                      <a:headEnd type="none" w="med" len="med"/>
-                      <a:tailEnd type="none" w="med" len="med"/>
+                      <a:headEnd w="med" len="med"/>
+                      <a:tailEnd w="med" len="med"/>
                     </a:lnB>
                     <a:noFill/>
                   </a:tcPr>
                 </a:tc>
                 <a:tc>
                   <a:txBody>
-                    <a:bodyPr/>
+                    <a:bodyPr vert="horz" lIns="68352" tIns="34176" rIns="68352" bIns="34176" anchor="ctr" anchorCtr="0"/>
                     <a:lstStyle/>
                     <a:p>
-                      <a:pPr algn="l" latinLnBrk="1"/>
-                      <a:endParaRPr lang="ko-KR" altLang="en-US" sz="700" dirty="0"/>
+                      <a:pPr lvl="0" algn="l" latinLnBrk="1">
+                        <a:defRPr/>
+                      </a:pPr>
+                      <a:endParaRPr lang="ko-KR" altLang="en-US" sz="700"/>
                     </a:p>
                   </a:txBody>
                   <a:tcPr marL="68352" marR="68352" marT="34176" marB="34176" anchor="ctr">
@@ -11096,15 +11120,15 @@
                       </a:solidFill>
                       <a:prstDash val="solid"/>
                       <a:round/>
-                      <a:headEnd type="none" w="med" len="med"/>
-                      <a:tailEnd type="none" w="med" len="med"/>
+                      <a:headEnd w="med" len="med"/>
+                      <a:tailEnd w="med" len="med"/>
                     </a:lnL>
                     <a:lnR w="12700" cap="flat" cmpd="sng" algn="ctr">
                       <a:noFill/>
                       <a:prstDash val="solid"/>
                       <a:round/>
-                      <a:headEnd type="none" w="med" len="med"/>
-                      <a:tailEnd type="none" w="med" len="med"/>
+                      <a:headEnd w="med" len="med"/>
+                      <a:tailEnd w="med" len="med"/>
                     </a:lnR>
                     <a:lnT w="3175" cap="flat" cmpd="sng" algn="ctr">
                       <a:solidFill>
@@ -11114,8 +11138,8 @@
                       </a:solidFill>
                       <a:prstDash val="solid"/>
                       <a:round/>
-                      <a:headEnd type="none" w="med" len="med"/>
-                      <a:tailEnd type="none" w="med" len="med"/>
+                      <a:headEnd w="med" len="med"/>
+                      <a:tailEnd w="med" len="med"/>
                     </a:lnT>
                     <a:lnB w="3175" cap="flat" cmpd="sng" algn="ctr">
                       <a:solidFill>
@@ -11125,26 +11149,23 @@
                       </a:solidFill>
                       <a:prstDash val="solid"/>
                       <a:round/>
-                      <a:headEnd type="none" w="med" len="med"/>
-                      <a:tailEnd type="none" w="med" len="med"/>
+                      <a:headEnd w="med" len="med"/>
+                      <a:tailEnd w="med" len="med"/>
                     </a:lnB>
                     <a:noFill/>
                   </a:tcPr>
                 </a:tc>
-                <a:extLst>
-                  <a:ext uri="{0D108BD9-81ED-4DB2-BD59-A6C34878D82A}">
-                    <a16:rowId xmlns="" xmlns:a16="http://schemas.microsoft.com/office/drawing/2014/main" val="10010"/>
-                  </a:ext>
-                </a:extLst>
               </a:tr>
               <a:tr h="241227">
                 <a:tc>
                   <a:txBody>
-                    <a:bodyPr/>
+                    <a:bodyPr vert="horz" lIns="68352" tIns="34176" rIns="68352" bIns="34176" anchor="ctr" anchorCtr="0"/>
                     <a:lstStyle/>
                     <a:p>
-                      <a:pPr algn="ctr" latinLnBrk="1"/>
-                      <a:endParaRPr lang="ko-KR" altLang="en-US" sz="700" dirty="0"/>
+                      <a:pPr lvl="0" algn="ctr" latinLnBrk="1">
+                        <a:defRPr/>
+                      </a:pPr>
+                      <a:endParaRPr lang="ko-KR" altLang="en-US" sz="700"/>
                     </a:p>
                   </a:txBody>
                   <a:tcPr marL="68352" marR="68352" marT="34176" marB="34176" anchor="ctr">
@@ -11152,8 +11173,8 @@
                       <a:noFill/>
                       <a:prstDash val="solid"/>
                       <a:round/>
-                      <a:headEnd type="none" w="med" len="med"/>
-                      <a:tailEnd type="none" w="med" len="med"/>
+                      <a:headEnd w="med" len="med"/>
+                      <a:tailEnd w="med" len="med"/>
                     </a:lnL>
                     <a:lnR w="3175" cap="flat" cmpd="sng" algn="ctr">
                       <a:solidFill>
@@ -11163,8 +11184,8 @@
                       </a:solidFill>
                       <a:prstDash val="solid"/>
                       <a:round/>
-                      <a:headEnd type="none" w="med" len="med"/>
-                      <a:tailEnd type="none" w="med" len="med"/>
+                      <a:headEnd w="med" len="med"/>
+                      <a:tailEnd w="med" len="med"/>
                     </a:lnR>
                     <a:lnT w="3175" cap="flat" cmpd="sng" algn="ctr">
                       <a:solidFill>
@@ -11174,8 +11195,8 @@
                       </a:solidFill>
                       <a:prstDash val="solid"/>
                       <a:round/>
-                      <a:headEnd type="none" w="med" len="med"/>
-                      <a:tailEnd type="none" w="med" len="med"/>
+                      <a:headEnd w="med" len="med"/>
+                      <a:tailEnd w="med" len="med"/>
                     </a:lnT>
                     <a:lnB w="3175" cap="flat" cmpd="sng" algn="ctr">
                       <a:solidFill>
@@ -11185,19 +11206,21 @@
                       </a:solidFill>
                       <a:prstDash val="solid"/>
                       <a:round/>
-                      <a:headEnd type="none" w="med" len="med"/>
-                      <a:tailEnd type="none" w="med" len="med"/>
+                      <a:headEnd w="med" len="med"/>
+                      <a:tailEnd w="med" len="med"/>
                     </a:lnB>
                     <a:noFill/>
                   </a:tcPr>
                 </a:tc>
                 <a:tc>
                   <a:txBody>
-                    <a:bodyPr/>
+                    <a:bodyPr vert="horz" lIns="68352" tIns="34176" rIns="68352" bIns="34176" anchor="ctr" anchorCtr="0"/>
                     <a:lstStyle/>
                     <a:p>
-                      <a:pPr algn="ctr" latinLnBrk="1"/>
-                      <a:endParaRPr lang="ko-KR" altLang="en-US" sz="700" dirty="0"/>
+                      <a:pPr lvl="0" algn="ctr" latinLnBrk="1">
+                        <a:defRPr/>
+                      </a:pPr>
+                      <a:endParaRPr lang="ko-KR" altLang="en-US" sz="700"/>
                     </a:p>
                   </a:txBody>
                   <a:tcPr marL="68352" marR="68352" marT="34176" marB="34176" anchor="ctr">
@@ -11209,8 +11232,8 @@
                       </a:solidFill>
                       <a:prstDash val="solid"/>
                       <a:round/>
-                      <a:headEnd type="none" w="med" len="med"/>
-                      <a:tailEnd type="none" w="med" len="med"/>
+                      <a:headEnd w="med" len="med"/>
+                      <a:tailEnd w="med" len="med"/>
                     </a:lnL>
                     <a:lnR w="3175" cap="flat" cmpd="sng" algn="ctr">
                       <a:solidFill>
@@ -11220,8 +11243,8 @@
                       </a:solidFill>
                       <a:prstDash val="solid"/>
                       <a:round/>
-                      <a:headEnd type="none" w="med" len="med"/>
-                      <a:tailEnd type="none" w="med" len="med"/>
+                      <a:headEnd w="med" len="med"/>
+                      <a:tailEnd w="med" len="med"/>
                     </a:lnR>
                     <a:lnT w="3175" cap="flat" cmpd="sng" algn="ctr">
                       <a:solidFill>
@@ -11231,8 +11254,8 @@
                       </a:solidFill>
                       <a:prstDash val="solid"/>
                       <a:round/>
-                      <a:headEnd type="none" w="med" len="med"/>
-                      <a:tailEnd type="none" w="med" len="med"/>
+                      <a:headEnd w="med" len="med"/>
+                      <a:tailEnd w="med" len="med"/>
                     </a:lnT>
                     <a:lnB w="3175" cap="flat" cmpd="sng" algn="ctr">
                       <a:solidFill>
@@ -11242,19 +11265,21 @@
                       </a:solidFill>
                       <a:prstDash val="solid"/>
                       <a:round/>
-                      <a:headEnd type="none" w="med" len="med"/>
-                      <a:tailEnd type="none" w="med" len="med"/>
+                      <a:headEnd w="med" len="med"/>
+                      <a:tailEnd w="med" len="med"/>
                     </a:lnB>
                     <a:noFill/>
                   </a:tcPr>
                 </a:tc>
                 <a:tc>
                   <a:txBody>
-                    <a:bodyPr/>
+                    <a:bodyPr vert="horz" lIns="68352" tIns="34176" rIns="68352" bIns="34176" anchor="ctr" anchorCtr="0"/>
                     <a:lstStyle/>
                     <a:p>
-                      <a:pPr algn="ctr" latinLnBrk="1"/>
-                      <a:endParaRPr lang="ko-KR" altLang="en-US" sz="700" dirty="0"/>
+                      <a:pPr lvl="0" algn="ctr" latinLnBrk="1">
+                        <a:defRPr/>
+                      </a:pPr>
+                      <a:endParaRPr lang="ko-KR" altLang="en-US" sz="700"/>
                     </a:p>
                   </a:txBody>
                   <a:tcPr marL="68352" marR="68352" marT="34176" marB="34176" anchor="ctr">
@@ -11266,8 +11291,8 @@
                       </a:solidFill>
                       <a:prstDash val="solid"/>
                       <a:round/>
-                      <a:headEnd type="none" w="med" len="med"/>
-                      <a:tailEnd type="none" w="med" len="med"/>
+                      <a:headEnd w="med" len="med"/>
+                      <a:tailEnd w="med" len="med"/>
                     </a:lnL>
                     <a:lnR w="3175" cap="flat" cmpd="sng" algn="ctr">
                       <a:solidFill>
@@ -11277,8 +11302,8 @@
                       </a:solidFill>
                       <a:prstDash val="solid"/>
                       <a:round/>
-                      <a:headEnd type="none" w="med" len="med"/>
-                      <a:tailEnd type="none" w="med" len="med"/>
+                      <a:headEnd w="med" len="med"/>
+                      <a:tailEnd w="med" len="med"/>
                     </a:lnR>
                     <a:lnT w="3175" cap="flat" cmpd="sng" algn="ctr">
                       <a:solidFill>
@@ -11288,8 +11313,8 @@
                       </a:solidFill>
                       <a:prstDash val="solid"/>
                       <a:round/>
-                      <a:headEnd type="none" w="med" len="med"/>
-                      <a:tailEnd type="none" w="med" len="med"/>
+                      <a:headEnd w="med" len="med"/>
+                      <a:tailEnd w="med" len="med"/>
                     </a:lnT>
                     <a:lnB w="3175" cap="flat" cmpd="sng" algn="ctr">
                       <a:solidFill>
@@ -11299,19 +11324,21 @@
                       </a:solidFill>
                       <a:prstDash val="solid"/>
                       <a:round/>
-                      <a:headEnd type="none" w="med" len="med"/>
-                      <a:tailEnd type="none" w="med" len="med"/>
+                      <a:headEnd w="med" len="med"/>
+                      <a:tailEnd w="med" len="med"/>
                     </a:lnB>
                     <a:noFill/>
                   </a:tcPr>
                 </a:tc>
                 <a:tc>
                   <a:txBody>
-                    <a:bodyPr/>
+                    <a:bodyPr vert="horz" lIns="68352" tIns="34176" rIns="68352" bIns="34176" anchor="ctr" anchorCtr="0"/>
                     <a:lstStyle/>
                     <a:p>
-                      <a:pPr algn="l" latinLnBrk="1"/>
-                      <a:endParaRPr lang="ko-KR" altLang="en-US" sz="700" dirty="0"/>
+                      <a:pPr lvl="0" algn="l" latinLnBrk="1">
+                        <a:defRPr/>
+                      </a:pPr>
+                      <a:endParaRPr lang="ko-KR" altLang="en-US" sz="700"/>
                     </a:p>
                   </a:txBody>
                   <a:tcPr marL="68352" marR="68352" marT="34176" marB="34176" anchor="ctr">
@@ -11323,8 +11350,8 @@
                       </a:solidFill>
                       <a:prstDash val="solid"/>
                       <a:round/>
-                      <a:headEnd type="none" w="med" len="med"/>
-                      <a:tailEnd type="none" w="med" len="med"/>
+                      <a:headEnd w="med" len="med"/>
+                      <a:tailEnd w="med" len="med"/>
                     </a:lnL>
                     <a:lnR w="3175" cap="flat" cmpd="sng" algn="ctr">
                       <a:solidFill>
@@ -11334,8 +11361,8 @@
                       </a:solidFill>
                       <a:prstDash val="solid"/>
                       <a:round/>
-                      <a:headEnd type="none" w="med" len="med"/>
-                      <a:tailEnd type="none" w="med" len="med"/>
+                      <a:headEnd w="med" len="med"/>
+                      <a:tailEnd w="med" len="med"/>
                     </a:lnR>
                     <a:lnT w="3175" cap="flat" cmpd="sng" algn="ctr">
                       <a:solidFill>
@@ -11345,8 +11372,8 @@
                       </a:solidFill>
                       <a:prstDash val="solid"/>
                       <a:round/>
-                      <a:headEnd type="none" w="med" len="med"/>
-                      <a:tailEnd type="none" w="med" len="med"/>
+                      <a:headEnd w="med" len="med"/>
+                      <a:tailEnd w="med" len="med"/>
                     </a:lnT>
                     <a:lnB w="3175" cap="flat" cmpd="sng" algn="ctr">
                       <a:solidFill>
@@ -11356,19 +11383,21 @@
                       </a:solidFill>
                       <a:prstDash val="solid"/>
                       <a:round/>
-                      <a:headEnd type="none" w="med" len="med"/>
-                      <a:tailEnd type="none" w="med" len="med"/>
+                      <a:headEnd w="med" len="med"/>
+                      <a:tailEnd w="med" len="med"/>
                     </a:lnB>
                     <a:noFill/>
                   </a:tcPr>
                 </a:tc>
                 <a:tc>
                   <a:txBody>
-                    <a:bodyPr/>
+                    <a:bodyPr vert="horz" lIns="68352" tIns="34176" rIns="68352" bIns="34176" anchor="ctr" anchorCtr="0"/>
                     <a:lstStyle/>
                     <a:p>
-                      <a:pPr algn="l" latinLnBrk="1"/>
-                      <a:endParaRPr lang="ko-KR" altLang="en-US" sz="700" dirty="0"/>
+                      <a:pPr lvl="0" algn="l" latinLnBrk="1">
+                        <a:defRPr/>
+                      </a:pPr>
+                      <a:endParaRPr lang="ko-KR" altLang="en-US" sz="700"/>
                     </a:p>
                   </a:txBody>
                   <a:tcPr marL="68352" marR="68352" marT="34176" marB="34176" anchor="ctr">
@@ -11380,15 +11409,15 @@
                       </a:solidFill>
                       <a:prstDash val="solid"/>
                       <a:round/>
-                      <a:headEnd type="none" w="med" len="med"/>
-                      <a:tailEnd type="none" w="med" len="med"/>
+                      <a:headEnd w="med" len="med"/>
+                      <a:tailEnd w="med" len="med"/>
                     </a:lnL>
                     <a:lnR w="12700" cap="flat" cmpd="sng" algn="ctr">
                       <a:noFill/>
                       <a:prstDash val="solid"/>
                       <a:round/>
-                      <a:headEnd type="none" w="med" len="med"/>
-                      <a:tailEnd type="none" w="med" len="med"/>
+                      <a:headEnd w="med" len="med"/>
+                      <a:tailEnd w="med" len="med"/>
                     </a:lnR>
                     <a:lnT w="3175" cap="flat" cmpd="sng" algn="ctr">
                       <a:solidFill>
@@ -11398,8 +11427,8 @@
                       </a:solidFill>
                       <a:prstDash val="solid"/>
                       <a:round/>
-                      <a:headEnd type="none" w="med" len="med"/>
-                      <a:tailEnd type="none" w="med" len="med"/>
+                      <a:headEnd w="med" len="med"/>
+                      <a:tailEnd w="med" len="med"/>
                     </a:lnT>
                     <a:lnB w="3175" cap="flat" cmpd="sng" algn="ctr">
                       <a:solidFill>
@@ -11409,26 +11438,23 @@
                       </a:solidFill>
                       <a:prstDash val="solid"/>
                       <a:round/>
-                      <a:headEnd type="none" w="med" len="med"/>
-                      <a:tailEnd type="none" w="med" len="med"/>
+                      <a:headEnd w="med" len="med"/>
+                      <a:tailEnd w="med" len="med"/>
                     </a:lnB>
                     <a:noFill/>
                   </a:tcPr>
                 </a:tc>
-                <a:extLst>
-                  <a:ext uri="{0D108BD9-81ED-4DB2-BD59-A6C34878D82A}">
-                    <a16:rowId xmlns="" xmlns:a16="http://schemas.microsoft.com/office/drawing/2014/main" val="10011"/>
-                  </a:ext>
-                </a:extLst>
               </a:tr>
               <a:tr h="241227">
                 <a:tc>
                   <a:txBody>
-                    <a:bodyPr/>
+                    <a:bodyPr vert="horz" lIns="68352" tIns="34176" rIns="68352" bIns="34176" anchor="ctr" anchorCtr="0"/>
                     <a:lstStyle/>
                     <a:p>
-                      <a:pPr algn="ctr" latinLnBrk="1"/>
-                      <a:endParaRPr lang="ko-KR" altLang="en-US" sz="700" dirty="0"/>
+                      <a:pPr lvl="0" algn="ctr" latinLnBrk="1">
+                        <a:defRPr/>
+                      </a:pPr>
+                      <a:endParaRPr lang="ko-KR" altLang="en-US" sz="700"/>
                     </a:p>
                   </a:txBody>
                   <a:tcPr marL="68352" marR="68352" marT="34176" marB="34176" anchor="ctr">
@@ -11436,8 +11462,8 @@
                       <a:noFill/>
                       <a:prstDash val="solid"/>
                       <a:round/>
-                      <a:headEnd type="none" w="med" len="med"/>
-                      <a:tailEnd type="none" w="med" len="med"/>
+                      <a:headEnd w="med" len="med"/>
+                      <a:tailEnd w="med" len="med"/>
                     </a:lnL>
                     <a:lnR w="3175" cap="flat" cmpd="sng" algn="ctr">
                       <a:solidFill>
@@ -11447,8 +11473,8 @@
                       </a:solidFill>
                       <a:prstDash val="solid"/>
                       <a:round/>
-                      <a:headEnd type="none" w="med" len="med"/>
-                      <a:tailEnd type="none" w="med" len="med"/>
+                      <a:headEnd w="med" len="med"/>
+                      <a:tailEnd w="med" len="med"/>
                     </a:lnR>
                     <a:lnT w="3175" cap="flat" cmpd="sng" algn="ctr">
                       <a:solidFill>
@@ -11458,8 +11484,8 @@
                       </a:solidFill>
                       <a:prstDash val="solid"/>
                       <a:round/>
-                      <a:headEnd type="none" w="med" len="med"/>
-                      <a:tailEnd type="none" w="med" len="med"/>
+                      <a:headEnd w="med" len="med"/>
+                      <a:tailEnd w="med" len="med"/>
                     </a:lnT>
                     <a:lnB w="3175" cap="flat" cmpd="sng" algn="ctr">
                       <a:solidFill>
@@ -11469,19 +11495,21 @@
                       </a:solidFill>
                       <a:prstDash val="solid"/>
                       <a:round/>
-                      <a:headEnd type="none" w="med" len="med"/>
-                      <a:tailEnd type="none" w="med" len="med"/>
+                      <a:headEnd w="med" len="med"/>
+                      <a:tailEnd w="med" len="med"/>
                     </a:lnB>
                     <a:noFill/>
                   </a:tcPr>
                 </a:tc>
                 <a:tc>
                   <a:txBody>
-                    <a:bodyPr/>
+                    <a:bodyPr vert="horz" lIns="68352" tIns="34176" rIns="68352" bIns="34176" anchor="ctr" anchorCtr="0"/>
                     <a:lstStyle/>
                     <a:p>
-                      <a:pPr algn="ctr" latinLnBrk="1"/>
-                      <a:endParaRPr lang="en-US" altLang="ko-KR" sz="700" dirty="0"/>
+                      <a:pPr lvl="0" algn="ctr" latinLnBrk="1">
+                        <a:defRPr/>
+                      </a:pPr>
+                      <a:endParaRPr lang="en-US" altLang="ko-KR" sz="700"/>
                     </a:p>
                   </a:txBody>
                   <a:tcPr marL="68352" marR="68352" marT="34176" marB="34176" anchor="ctr">
@@ -11493,8 +11521,8 @@
                       </a:solidFill>
                       <a:prstDash val="solid"/>
                       <a:round/>
-                      <a:headEnd type="none" w="med" len="med"/>
-                      <a:tailEnd type="none" w="med" len="med"/>
+                      <a:headEnd w="med" len="med"/>
+                      <a:tailEnd w="med" len="med"/>
                     </a:lnL>
                     <a:lnR w="3175" cap="flat" cmpd="sng" algn="ctr">
                       <a:solidFill>
@@ -11504,8 +11532,8 @@
                       </a:solidFill>
                       <a:prstDash val="solid"/>
                       <a:round/>
-                      <a:headEnd type="none" w="med" len="med"/>
-                      <a:tailEnd type="none" w="med" len="med"/>
+                      <a:headEnd w="med" len="med"/>
+                      <a:tailEnd w="med" len="med"/>
                     </a:lnR>
                     <a:lnT w="3175" cap="flat" cmpd="sng" algn="ctr">
                       <a:solidFill>
@@ -11515,8 +11543,8 @@
                       </a:solidFill>
                       <a:prstDash val="solid"/>
                       <a:round/>
-                      <a:headEnd type="none" w="med" len="med"/>
-                      <a:tailEnd type="none" w="med" len="med"/>
+                      <a:headEnd w="med" len="med"/>
+                      <a:tailEnd w="med" len="med"/>
                     </a:lnT>
                     <a:lnB w="3175" cap="flat" cmpd="sng" algn="ctr">
                       <a:solidFill>
@@ -11526,19 +11554,21 @@
                       </a:solidFill>
                       <a:prstDash val="solid"/>
                       <a:round/>
-                      <a:headEnd type="none" w="med" len="med"/>
-                      <a:tailEnd type="none" w="med" len="med"/>
+                      <a:headEnd w="med" len="med"/>
+                      <a:tailEnd w="med" len="med"/>
                     </a:lnB>
                     <a:noFill/>
                   </a:tcPr>
                 </a:tc>
                 <a:tc>
                   <a:txBody>
-                    <a:bodyPr/>
+                    <a:bodyPr vert="horz" lIns="68352" tIns="34176" rIns="68352" bIns="34176" anchor="ctr" anchorCtr="0"/>
                     <a:lstStyle/>
                     <a:p>
-                      <a:pPr algn="ctr" latinLnBrk="1"/>
-                      <a:endParaRPr lang="ko-KR" altLang="en-US" sz="700" dirty="0"/>
+                      <a:pPr lvl="0" algn="ctr" latinLnBrk="1">
+                        <a:defRPr/>
+                      </a:pPr>
+                      <a:endParaRPr lang="ko-KR" altLang="en-US" sz="700"/>
                     </a:p>
                   </a:txBody>
                   <a:tcPr marL="68352" marR="68352" marT="34176" marB="34176" anchor="ctr">
@@ -11550,8 +11580,8 @@
                       </a:solidFill>
                       <a:prstDash val="solid"/>
                       <a:round/>
-                      <a:headEnd type="none" w="med" len="med"/>
-                      <a:tailEnd type="none" w="med" len="med"/>
+                      <a:headEnd w="med" len="med"/>
+                      <a:tailEnd w="med" len="med"/>
                     </a:lnL>
                     <a:lnR w="3175" cap="flat" cmpd="sng" algn="ctr">
                       <a:solidFill>
@@ -11561,8 +11591,8 @@
                       </a:solidFill>
                       <a:prstDash val="solid"/>
                       <a:round/>
-                      <a:headEnd type="none" w="med" len="med"/>
-                      <a:tailEnd type="none" w="med" len="med"/>
+                      <a:headEnd w="med" len="med"/>
+                      <a:tailEnd w="med" len="med"/>
                     </a:lnR>
                     <a:lnT w="3175" cap="flat" cmpd="sng" algn="ctr">
                       <a:solidFill>
@@ -11572,8 +11602,8 @@
                       </a:solidFill>
                       <a:prstDash val="solid"/>
                       <a:round/>
-                      <a:headEnd type="none" w="med" len="med"/>
-                      <a:tailEnd type="none" w="med" len="med"/>
+                      <a:headEnd w="med" len="med"/>
+                      <a:tailEnd w="med" len="med"/>
                     </a:lnT>
                     <a:lnB w="3175" cap="flat" cmpd="sng" algn="ctr">
                       <a:solidFill>
@@ -11583,19 +11613,21 @@
                       </a:solidFill>
                       <a:prstDash val="solid"/>
                       <a:round/>
-                      <a:headEnd type="none" w="med" len="med"/>
-                      <a:tailEnd type="none" w="med" len="med"/>
+                      <a:headEnd w="med" len="med"/>
+                      <a:tailEnd w="med" len="med"/>
                     </a:lnB>
                     <a:noFill/>
                   </a:tcPr>
                 </a:tc>
                 <a:tc>
                   <a:txBody>
-                    <a:bodyPr/>
+                    <a:bodyPr vert="horz" lIns="68352" tIns="34176" rIns="68352" bIns="34176" anchor="ctr" anchorCtr="0"/>
                     <a:lstStyle/>
                     <a:p>
-                      <a:pPr algn="l" latinLnBrk="1"/>
-                      <a:endParaRPr lang="ko-KR" altLang="en-US" sz="700" dirty="0"/>
+                      <a:pPr lvl="0" algn="l" latinLnBrk="1">
+                        <a:defRPr/>
+                      </a:pPr>
+                      <a:endParaRPr lang="ko-KR" altLang="en-US" sz="700"/>
                     </a:p>
                   </a:txBody>
                   <a:tcPr marL="68352" marR="68352" marT="34176" marB="34176" anchor="ctr">
@@ -11607,8 +11639,8 @@
                       </a:solidFill>
                       <a:prstDash val="solid"/>
                       <a:round/>
-                      <a:headEnd type="none" w="med" len="med"/>
-                      <a:tailEnd type="none" w="med" len="med"/>
+                      <a:headEnd w="med" len="med"/>
+                      <a:tailEnd w="med" len="med"/>
                     </a:lnL>
                     <a:lnR w="3175" cap="flat" cmpd="sng" algn="ctr">
                       <a:solidFill>
@@ -11618,8 +11650,8 @@
                       </a:solidFill>
                       <a:prstDash val="solid"/>
                       <a:round/>
-                      <a:headEnd type="none" w="med" len="med"/>
-                      <a:tailEnd type="none" w="med" len="med"/>
+                      <a:headEnd w="med" len="med"/>
+                      <a:tailEnd w="med" len="med"/>
                     </a:lnR>
                     <a:lnT w="3175" cap="flat" cmpd="sng" algn="ctr">
                       <a:solidFill>
@@ -11629,8 +11661,8 @@
                       </a:solidFill>
                       <a:prstDash val="solid"/>
                       <a:round/>
-                      <a:headEnd type="none" w="med" len="med"/>
-                      <a:tailEnd type="none" w="med" len="med"/>
+                      <a:headEnd w="med" len="med"/>
+                      <a:tailEnd w="med" len="med"/>
                     </a:lnT>
                     <a:lnB w="3175" cap="flat" cmpd="sng" algn="ctr">
                       <a:solidFill>
@@ -11640,19 +11672,21 @@
                       </a:solidFill>
                       <a:prstDash val="solid"/>
                       <a:round/>
-                      <a:headEnd type="none" w="med" len="med"/>
-                      <a:tailEnd type="none" w="med" len="med"/>
+                      <a:headEnd w="med" len="med"/>
+                      <a:tailEnd w="med" len="med"/>
                     </a:lnB>
                     <a:noFill/>
                   </a:tcPr>
                 </a:tc>
                 <a:tc>
                   <a:txBody>
-                    <a:bodyPr/>
+                    <a:bodyPr vert="horz" lIns="68352" tIns="34176" rIns="68352" bIns="34176" anchor="ctr" anchorCtr="0"/>
                     <a:lstStyle/>
                     <a:p>
-                      <a:pPr algn="l" latinLnBrk="1"/>
-                      <a:endParaRPr lang="ko-KR" altLang="en-US" sz="700" dirty="0"/>
+                      <a:pPr lvl="0" algn="l" latinLnBrk="1">
+                        <a:defRPr/>
+                      </a:pPr>
+                      <a:endParaRPr lang="ko-KR" altLang="en-US" sz="700"/>
                     </a:p>
                   </a:txBody>
                   <a:tcPr marL="68352" marR="68352" marT="34176" marB="34176" anchor="ctr">
@@ -11664,15 +11698,15 @@
                       </a:solidFill>
                       <a:prstDash val="solid"/>
                       <a:round/>
-                      <a:headEnd type="none" w="med" len="med"/>
-                      <a:tailEnd type="none" w="med" len="med"/>
+                      <a:headEnd w="med" len="med"/>
+                      <a:tailEnd w="med" len="med"/>
                     </a:lnL>
                     <a:lnR w="12700" cap="flat" cmpd="sng" algn="ctr">
                       <a:noFill/>
                       <a:prstDash val="solid"/>
                       <a:round/>
-                      <a:headEnd type="none" w="med" len="med"/>
-                      <a:tailEnd type="none" w="med" len="med"/>
+                      <a:headEnd w="med" len="med"/>
+                      <a:tailEnd w="med" len="med"/>
                     </a:lnR>
                     <a:lnT w="3175" cap="flat" cmpd="sng" algn="ctr">
                       <a:solidFill>
@@ -11682,8 +11716,8 @@
                       </a:solidFill>
                       <a:prstDash val="solid"/>
                       <a:round/>
-                      <a:headEnd type="none" w="med" len="med"/>
-                      <a:tailEnd type="none" w="med" len="med"/>
+                      <a:headEnd w="med" len="med"/>
+                      <a:tailEnd w="med" len="med"/>
                     </a:lnT>
                     <a:lnB w="3175" cap="flat" cmpd="sng" algn="ctr">
                       <a:solidFill>
@@ -11693,26 +11727,23 @@
                       </a:solidFill>
                       <a:prstDash val="solid"/>
                       <a:round/>
-                      <a:headEnd type="none" w="med" len="med"/>
-                      <a:tailEnd type="none" w="med" len="med"/>
+                      <a:headEnd w="med" len="med"/>
+                      <a:tailEnd w="med" len="med"/>
                     </a:lnB>
                     <a:noFill/>
                   </a:tcPr>
                 </a:tc>
-                <a:extLst>
-                  <a:ext uri="{0D108BD9-81ED-4DB2-BD59-A6C34878D82A}">
-                    <a16:rowId xmlns="" xmlns:a16="http://schemas.microsoft.com/office/drawing/2014/main" val="10012"/>
-                  </a:ext>
-                </a:extLst>
               </a:tr>
               <a:tr h="241227">
                 <a:tc>
                   <a:txBody>
-                    <a:bodyPr/>
+                    <a:bodyPr vert="horz" lIns="68352" tIns="34176" rIns="68352" bIns="34176" anchor="ctr" anchorCtr="0"/>
                     <a:lstStyle/>
                     <a:p>
-                      <a:pPr algn="ctr" latinLnBrk="1"/>
-                      <a:endParaRPr lang="ko-KR" altLang="en-US" sz="700" dirty="0"/>
+                      <a:pPr lvl="0" algn="ctr" latinLnBrk="1">
+                        <a:defRPr/>
+                      </a:pPr>
+                      <a:endParaRPr lang="ko-KR" altLang="en-US" sz="700"/>
                     </a:p>
                   </a:txBody>
                   <a:tcPr marL="68352" marR="68352" marT="34176" marB="34176" anchor="ctr">
@@ -11720,8 +11751,8 @@
                       <a:noFill/>
                       <a:prstDash val="solid"/>
                       <a:round/>
-                      <a:headEnd type="none" w="med" len="med"/>
-                      <a:tailEnd type="none" w="med" len="med"/>
+                      <a:headEnd w="med" len="med"/>
+                      <a:tailEnd w="med" len="med"/>
                     </a:lnL>
                     <a:lnR w="3175" cap="flat" cmpd="sng" algn="ctr">
                       <a:solidFill>
@@ -11731,8 +11762,8 @@
                       </a:solidFill>
                       <a:prstDash val="solid"/>
                       <a:round/>
-                      <a:headEnd type="none" w="med" len="med"/>
-                      <a:tailEnd type="none" w="med" len="med"/>
+                      <a:headEnd w="med" len="med"/>
+                      <a:tailEnd w="med" len="med"/>
                     </a:lnR>
                     <a:lnT w="3175" cap="flat" cmpd="sng" algn="ctr">
                       <a:solidFill>
@@ -11742,8 +11773,8 @@
                       </a:solidFill>
                       <a:prstDash val="solid"/>
                       <a:round/>
-                      <a:headEnd type="none" w="med" len="med"/>
-                      <a:tailEnd type="none" w="med" len="med"/>
+                      <a:headEnd w="med" len="med"/>
+                      <a:tailEnd w="med" len="med"/>
                     </a:lnT>
                     <a:lnB w="3175" cap="flat" cmpd="sng" algn="ctr">
                       <a:solidFill>
@@ -11753,19 +11784,21 @@
                       </a:solidFill>
                       <a:prstDash val="solid"/>
                       <a:round/>
-                      <a:headEnd type="none" w="med" len="med"/>
-                      <a:tailEnd type="none" w="med" len="med"/>
+                      <a:headEnd w="med" len="med"/>
+                      <a:tailEnd w="med" len="med"/>
                     </a:lnB>
                     <a:noFill/>
                   </a:tcPr>
                 </a:tc>
                 <a:tc>
                   <a:txBody>
-                    <a:bodyPr/>
+                    <a:bodyPr vert="horz" lIns="68352" tIns="34176" rIns="68352" bIns="34176" anchor="ctr" anchorCtr="0"/>
                     <a:lstStyle/>
                     <a:p>
-                      <a:pPr algn="ctr" latinLnBrk="1"/>
-                      <a:endParaRPr lang="ko-KR" altLang="en-US" sz="700" dirty="0"/>
+                      <a:pPr lvl="0" algn="ctr" latinLnBrk="1">
+                        <a:defRPr/>
+                      </a:pPr>
+                      <a:endParaRPr lang="ko-KR" altLang="en-US" sz="700"/>
                     </a:p>
                   </a:txBody>
                   <a:tcPr marL="68352" marR="68352" marT="34176" marB="34176" anchor="ctr">
@@ -11777,8 +11810,8 @@
                       </a:solidFill>
                       <a:prstDash val="solid"/>
                       <a:round/>
-                      <a:headEnd type="none" w="med" len="med"/>
-                      <a:tailEnd type="none" w="med" len="med"/>
+                      <a:headEnd w="med" len="med"/>
+                      <a:tailEnd w="med" len="med"/>
                     </a:lnL>
                     <a:lnR w="3175" cap="flat" cmpd="sng" algn="ctr">
                       <a:solidFill>
@@ -11788,8 +11821,8 @@
                       </a:solidFill>
                       <a:prstDash val="solid"/>
                       <a:round/>
-                      <a:headEnd type="none" w="med" len="med"/>
-                      <a:tailEnd type="none" w="med" len="med"/>
+                      <a:headEnd w="med" len="med"/>
+                      <a:tailEnd w="med" len="med"/>
                     </a:lnR>
                     <a:lnT w="3175" cap="flat" cmpd="sng" algn="ctr">
                       <a:solidFill>
@@ -11799,8 +11832,8 @@
                       </a:solidFill>
                       <a:prstDash val="solid"/>
                       <a:round/>
-                      <a:headEnd type="none" w="med" len="med"/>
-                      <a:tailEnd type="none" w="med" len="med"/>
+                      <a:headEnd w="med" len="med"/>
+                      <a:tailEnd w="med" len="med"/>
                     </a:lnT>
                     <a:lnB w="3175" cap="flat" cmpd="sng" algn="ctr">
                       <a:solidFill>
@@ -11810,19 +11843,21 @@
                       </a:solidFill>
                       <a:prstDash val="solid"/>
                       <a:round/>
-                      <a:headEnd type="none" w="med" len="med"/>
-                      <a:tailEnd type="none" w="med" len="med"/>
+                      <a:headEnd w="med" len="med"/>
+                      <a:tailEnd w="med" len="med"/>
                     </a:lnB>
                     <a:noFill/>
                   </a:tcPr>
                 </a:tc>
                 <a:tc>
                   <a:txBody>
-                    <a:bodyPr/>
+                    <a:bodyPr vert="horz" lIns="68352" tIns="34176" rIns="68352" bIns="34176" anchor="ctr" anchorCtr="0"/>
                     <a:lstStyle/>
                     <a:p>
-                      <a:pPr algn="ctr" latinLnBrk="1"/>
-                      <a:endParaRPr lang="ko-KR" altLang="en-US" sz="700" dirty="0"/>
+                      <a:pPr lvl="0" algn="ctr" latinLnBrk="1">
+                        <a:defRPr/>
+                      </a:pPr>
+                      <a:endParaRPr lang="ko-KR" altLang="en-US" sz="700"/>
                     </a:p>
                   </a:txBody>
                   <a:tcPr marL="68352" marR="68352" marT="34176" marB="34176" anchor="ctr">
@@ -11834,8 +11869,8 @@
                       </a:solidFill>
                       <a:prstDash val="solid"/>
                       <a:round/>
-                      <a:headEnd type="none" w="med" len="med"/>
-                      <a:tailEnd type="none" w="med" len="med"/>
+                      <a:headEnd w="med" len="med"/>
+                      <a:tailEnd w="med" len="med"/>
                     </a:lnL>
                     <a:lnR w="3175" cap="flat" cmpd="sng" algn="ctr">
                       <a:solidFill>
@@ -11845,8 +11880,8 @@
                       </a:solidFill>
                       <a:prstDash val="solid"/>
                       <a:round/>
-                      <a:headEnd type="none" w="med" len="med"/>
-                      <a:tailEnd type="none" w="med" len="med"/>
+                      <a:headEnd w="med" len="med"/>
+                      <a:tailEnd w="med" len="med"/>
                     </a:lnR>
                     <a:lnT w="3175" cap="flat" cmpd="sng" algn="ctr">
                       <a:solidFill>
@@ -11856,8 +11891,8 @@
                       </a:solidFill>
                       <a:prstDash val="solid"/>
                       <a:round/>
-                      <a:headEnd type="none" w="med" len="med"/>
-                      <a:tailEnd type="none" w="med" len="med"/>
+                      <a:headEnd w="med" len="med"/>
+                      <a:tailEnd w="med" len="med"/>
                     </a:lnT>
                     <a:lnB w="3175" cap="flat" cmpd="sng" algn="ctr">
                       <a:solidFill>
@@ -11867,19 +11902,21 @@
                       </a:solidFill>
                       <a:prstDash val="solid"/>
                       <a:round/>
-                      <a:headEnd type="none" w="med" len="med"/>
-                      <a:tailEnd type="none" w="med" len="med"/>
+                      <a:headEnd w="med" len="med"/>
+                      <a:tailEnd w="med" len="med"/>
                     </a:lnB>
                     <a:noFill/>
                   </a:tcPr>
                 </a:tc>
                 <a:tc>
                   <a:txBody>
-                    <a:bodyPr/>
+                    <a:bodyPr vert="horz" lIns="68352" tIns="34176" rIns="68352" bIns="34176" anchor="ctr" anchorCtr="0"/>
                     <a:lstStyle/>
                     <a:p>
-                      <a:pPr algn="l" latinLnBrk="1"/>
-                      <a:endParaRPr lang="ko-KR" altLang="en-US" sz="700" dirty="0"/>
+                      <a:pPr lvl="0" algn="l" latinLnBrk="1">
+                        <a:defRPr/>
+                      </a:pPr>
+                      <a:endParaRPr lang="ko-KR" altLang="en-US" sz="700"/>
                     </a:p>
                   </a:txBody>
                   <a:tcPr marL="68352" marR="68352" marT="34176" marB="34176" anchor="ctr">
@@ -11891,8 +11928,8 @@
                       </a:solidFill>
                       <a:prstDash val="solid"/>
                       <a:round/>
-                      <a:headEnd type="none" w="med" len="med"/>
-                      <a:tailEnd type="none" w="med" len="med"/>
+                      <a:headEnd w="med" len="med"/>
+                      <a:tailEnd w="med" len="med"/>
                     </a:lnL>
                     <a:lnR w="3175" cap="flat" cmpd="sng" algn="ctr">
                       <a:solidFill>
@@ -11902,8 +11939,8 @@
                       </a:solidFill>
                       <a:prstDash val="solid"/>
                       <a:round/>
-                      <a:headEnd type="none" w="med" len="med"/>
-                      <a:tailEnd type="none" w="med" len="med"/>
+                      <a:headEnd w="med" len="med"/>
+                      <a:tailEnd w="med" len="med"/>
                     </a:lnR>
                     <a:lnT w="3175" cap="flat" cmpd="sng" algn="ctr">
                       <a:solidFill>
@@ -11913,8 +11950,8 @@
                       </a:solidFill>
                       <a:prstDash val="solid"/>
                       <a:round/>
-                      <a:headEnd type="none" w="med" len="med"/>
-                      <a:tailEnd type="none" w="med" len="med"/>
+                      <a:headEnd w="med" len="med"/>
+                      <a:tailEnd w="med" len="med"/>
                     </a:lnT>
                     <a:lnB w="3175" cap="flat" cmpd="sng" algn="ctr">
                       <a:solidFill>
@@ -11924,19 +11961,21 @@
                       </a:solidFill>
                       <a:prstDash val="solid"/>
                       <a:round/>
-                      <a:headEnd type="none" w="med" len="med"/>
-                      <a:tailEnd type="none" w="med" len="med"/>
+                      <a:headEnd w="med" len="med"/>
+                      <a:tailEnd w="med" len="med"/>
                     </a:lnB>
                     <a:noFill/>
                   </a:tcPr>
                 </a:tc>
                 <a:tc>
                   <a:txBody>
-                    <a:bodyPr/>
+                    <a:bodyPr vert="horz" lIns="68352" tIns="34176" rIns="68352" bIns="34176" anchor="ctr" anchorCtr="0"/>
                     <a:lstStyle/>
                     <a:p>
-                      <a:pPr algn="l" latinLnBrk="1"/>
-                      <a:endParaRPr lang="ko-KR" altLang="en-US" sz="700" dirty="0"/>
+                      <a:pPr lvl="0" algn="l" latinLnBrk="1">
+                        <a:defRPr/>
+                      </a:pPr>
+                      <a:endParaRPr lang="ko-KR" altLang="en-US" sz="700"/>
                     </a:p>
                   </a:txBody>
                   <a:tcPr marL="68352" marR="68352" marT="34176" marB="34176" anchor="ctr">
@@ -11948,15 +11987,15 @@
                       </a:solidFill>
                       <a:prstDash val="solid"/>
                       <a:round/>
-                      <a:headEnd type="none" w="med" len="med"/>
-                      <a:tailEnd type="none" w="med" len="med"/>
+                      <a:headEnd w="med" len="med"/>
+                      <a:tailEnd w="med" len="med"/>
                     </a:lnL>
                     <a:lnR w="12700" cap="flat" cmpd="sng" algn="ctr">
                       <a:noFill/>
                       <a:prstDash val="solid"/>
                       <a:round/>
-                      <a:headEnd type="none" w="med" len="med"/>
-                      <a:tailEnd type="none" w="med" len="med"/>
+                      <a:headEnd w="med" len="med"/>
+                      <a:tailEnd w="med" len="med"/>
                     </a:lnR>
                     <a:lnT w="3175" cap="flat" cmpd="sng" algn="ctr">
                       <a:solidFill>
@@ -11966,8 +12005,8 @@
                       </a:solidFill>
                       <a:prstDash val="solid"/>
                       <a:round/>
-                      <a:headEnd type="none" w="med" len="med"/>
-                      <a:tailEnd type="none" w="med" len="med"/>
+                      <a:headEnd w="med" len="med"/>
+                      <a:tailEnd w="med" len="med"/>
                     </a:lnT>
                     <a:lnB w="3175" cap="flat" cmpd="sng" algn="ctr">
                       <a:solidFill>
@@ -11977,26 +12016,23 @@
                       </a:solidFill>
                       <a:prstDash val="solid"/>
                       <a:round/>
-                      <a:headEnd type="none" w="med" len="med"/>
-                      <a:tailEnd type="none" w="med" len="med"/>
+                      <a:headEnd w="med" len="med"/>
+                      <a:tailEnd w="med" len="med"/>
                     </a:lnB>
                     <a:noFill/>
                   </a:tcPr>
                 </a:tc>
-                <a:extLst>
-                  <a:ext uri="{0D108BD9-81ED-4DB2-BD59-A6C34878D82A}">
-                    <a16:rowId xmlns="" xmlns:a16="http://schemas.microsoft.com/office/drawing/2014/main" val="10013"/>
-                  </a:ext>
-                </a:extLst>
               </a:tr>
               <a:tr h="241227">
                 <a:tc>
                   <a:txBody>
-                    <a:bodyPr/>
+                    <a:bodyPr vert="horz" lIns="68352" tIns="34176" rIns="68352" bIns="34176" anchor="ctr" anchorCtr="0"/>
                     <a:lstStyle/>
                     <a:p>
-                      <a:pPr algn="ctr" latinLnBrk="1"/>
-                      <a:endParaRPr lang="ko-KR" altLang="en-US" sz="700" dirty="0"/>
+                      <a:pPr lvl="0" algn="ctr" latinLnBrk="1">
+                        <a:defRPr/>
+                      </a:pPr>
+                      <a:endParaRPr lang="ko-KR" altLang="en-US" sz="700"/>
                     </a:p>
                   </a:txBody>
                   <a:tcPr marL="68352" marR="68352" marT="34176" marB="34176" anchor="ctr">
@@ -12004,8 +12040,8 @@
                       <a:noFill/>
                       <a:prstDash val="solid"/>
                       <a:round/>
-                      <a:headEnd type="none" w="med" len="med"/>
-                      <a:tailEnd type="none" w="med" len="med"/>
+                      <a:headEnd w="med" len="med"/>
+                      <a:tailEnd w="med" len="med"/>
                     </a:lnL>
                     <a:lnR w="3175" cap="flat" cmpd="sng" algn="ctr">
                       <a:solidFill>
@@ -12015,8 +12051,8 @@
                       </a:solidFill>
                       <a:prstDash val="solid"/>
                       <a:round/>
-                      <a:headEnd type="none" w="med" len="med"/>
-                      <a:tailEnd type="none" w="med" len="med"/>
+                      <a:headEnd w="med" len="med"/>
+                      <a:tailEnd w="med" len="med"/>
                     </a:lnR>
                     <a:lnT w="3175" cap="flat" cmpd="sng" algn="ctr">
                       <a:solidFill>
@@ -12026,8 +12062,8 @@
                       </a:solidFill>
                       <a:prstDash val="solid"/>
                       <a:round/>
-                      <a:headEnd type="none" w="med" len="med"/>
-                      <a:tailEnd type="none" w="med" len="med"/>
+                      <a:headEnd w="med" len="med"/>
+                      <a:tailEnd w="med" len="med"/>
                     </a:lnT>
                     <a:lnB w="3175" cap="flat" cmpd="sng" algn="ctr">
                       <a:solidFill>
@@ -12037,19 +12073,21 @@
                       </a:solidFill>
                       <a:prstDash val="solid"/>
                       <a:round/>
-                      <a:headEnd type="none" w="med" len="med"/>
-                      <a:tailEnd type="none" w="med" len="med"/>
+                      <a:headEnd w="med" len="med"/>
+                      <a:tailEnd w="med" len="med"/>
                     </a:lnB>
                     <a:noFill/>
                   </a:tcPr>
                 </a:tc>
                 <a:tc>
                   <a:txBody>
-                    <a:bodyPr/>
+                    <a:bodyPr vert="horz" lIns="68352" tIns="34176" rIns="68352" bIns="34176" anchor="ctr" anchorCtr="0"/>
                     <a:lstStyle/>
                     <a:p>
-                      <a:pPr algn="ctr" latinLnBrk="1"/>
-                      <a:endParaRPr lang="ko-KR" altLang="en-US" sz="700" dirty="0"/>
+                      <a:pPr lvl="0" algn="ctr" latinLnBrk="1">
+                        <a:defRPr/>
+                      </a:pPr>
+                      <a:endParaRPr lang="ko-KR" altLang="en-US" sz="700"/>
                     </a:p>
                   </a:txBody>
                   <a:tcPr marL="68352" marR="68352" marT="34176" marB="34176" anchor="ctr">
@@ -12061,8 +12099,8 @@
                       </a:solidFill>
                       <a:prstDash val="solid"/>
                       <a:round/>
-                      <a:headEnd type="none" w="med" len="med"/>
-                      <a:tailEnd type="none" w="med" len="med"/>
+                      <a:headEnd w="med" len="med"/>
+                      <a:tailEnd w="med" len="med"/>
                     </a:lnL>
                     <a:lnR w="3175" cap="flat" cmpd="sng" algn="ctr">
                       <a:solidFill>
@@ -12072,8 +12110,8 @@
                       </a:solidFill>
                       <a:prstDash val="solid"/>
                       <a:round/>
-                      <a:headEnd type="none" w="med" len="med"/>
-                      <a:tailEnd type="none" w="med" len="med"/>
+                      <a:headEnd w="med" len="med"/>
+                      <a:tailEnd w="med" len="med"/>
                     </a:lnR>
                     <a:lnT w="3175" cap="flat" cmpd="sng" algn="ctr">
                       <a:solidFill>
@@ -12083,8 +12121,8 @@
                       </a:solidFill>
                       <a:prstDash val="solid"/>
                       <a:round/>
-                      <a:headEnd type="none" w="med" len="med"/>
-                      <a:tailEnd type="none" w="med" len="med"/>
+                      <a:headEnd w="med" len="med"/>
+                      <a:tailEnd w="med" len="med"/>
                     </a:lnT>
                     <a:lnB w="3175" cap="flat" cmpd="sng" algn="ctr">
                       <a:solidFill>
@@ -12094,19 +12132,21 @@
                       </a:solidFill>
                       <a:prstDash val="solid"/>
                       <a:round/>
-                      <a:headEnd type="none" w="med" len="med"/>
-                      <a:tailEnd type="none" w="med" len="med"/>
+                      <a:headEnd w="med" len="med"/>
+                      <a:tailEnd w="med" len="med"/>
                     </a:lnB>
                     <a:noFill/>
                   </a:tcPr>
                 </a:tc>
                 <a:tc>
                   <a:txBody>
-                    <a:bodyPr/>
+                    <a:bodyPr vert="horz" lIns="68352" tIns="34176" rIns="68352" bIns="34176" anchor="ctr" anchorCtr="0"/>
                     <a:lstStyle/>
                     <a:p>
-                      <a:pPr algn="ctr" latinLnBrk="1"/>
-                      <a:endParaRPr lang="ko-KR" altLang="en-US" sz="700" dirty="0"/>
+                      <a:pPr lvl="0" algn="ctr" latinLnBrk="1">
+                        <a:defRPr/>
+                      </a:pPr>
+                      <a:endParaRPr lang="ko-KR" altLang="en-US" sz="700"/>
                     </a:p>
                   </a:txBody>
                   <a:tcPr marL="68352" marR="68352" marT="34176" marB="34176" anchor="ctr">
@@ -12118,8 +12158,8 @@
                       </a:solidFill>
                       <a:prstDash val="solid"/>
                       <a:round/>
-                      <a:headEnd type="none" w="med" len="med"/>
-                      <a:tailEnd type="none" w="med" len="med"/>
+                      <a:headEnd w="med" len="med"/>
+                      <a:tailEnd w="med" len="med"/>
                     </a:lnL>
                     <a:lnR w="3175" cap="flat" cmpd="sng" algn="ctr">
                       <a:solidFill>
@@ -12129,8 +12169,8 @@
                       </a:solidFill>
                       <a:prstDash val="solid"/>
                       <a:round/>
-                      <a:headEnd type="none" w="med" len="med"/>
-                      <a:tailEnd type="none" w="med" len="med"/>
+                      <a:headEnd w="med" len="med"/>
+                      <a:tailEnd w="med" len="med"/>
                     </a:lnR>
                     <a:lnT w="3175" cap="flat" cmpd="sng" algn="ctr">
                       <a:solidFill>
@@ -12140,8 +12180,8 @@
                       </a:solidFill>
                       <a:prstDash val="solid"/>
                       <a:round/>
-                      <a:headEnd type="none" w="med" len="med"/>
-                      <a:tailEnd type="none" w="med" len="med"/>
+                      <a:headEnd w="med" len="med"/>
+                      <a:tailEnd w="med" len="med"/>
                     </a:lnT>
                     <a:lnB w="3175" cap="flat" cmpd="sng" algn="ctr">
                       <a:solidFill>
@@ -12151,19 +12191,21 @@
                       </a:solidFill>
                       <a:prstDash val="solid"/>
                       <a:round/>
-                      <a:headEnd type="none" w="med" len="med"/>
-                      <a:tailEnd type="none" w="med" len="med"/>
+                      <a:headEnd w="med" len="med"/>
+                      <a:tailEnd w="med" len="med"/>
                     </a:lnB>
                     <a:noFill/>
                   </a:tcPr>
                 </a:tc>
                 <a:tc>
                   <a:txBody>
-                    <a:bodyPr/>
+                    <a:bodyPr vert="horz" lIns="68352" tIns="34176" rIns="68352" bIns="34176" anchor="ctr" anchorCtr="0"/>
                     <a:lstStyle/>
                     <a:p>
-                      <a:pPr algn="l" latinLnBrk="1"/>
-                      <a:endParaRPr lang="ko-KR" altLang="en-US" sz="700" dirty="0"/>
+                      <a:pPr lvl="0" algn="l" latinLnBrk="1">
+                        <a:defRPr/>
+                      </a:pPr>
+                      <a:endParaRPr lang="ko-KR" altLang="en-US" sz="700"/>
                     </a:p>
                   </a:txBody>
                   <a:tcPr marL="68352" marR="68352" marT="34176" marB="34176" anchor="ctr">
@@ -12175,8 +12217,8 @@
                       </a:solidFill>
                       <a:prstDash val="solid"/>
                       <a:round/>
-                      <a:headEnd type="none" w="med" len="med"/>
-                      <a:tailEnd type="none" w="med" len="med"/>
+                      <a:headEnd w="med" len="med"/>
+                      <a:tailEnd w="med" len="med"/>
                     </a:lnL>
                     <a:lnR w="3175" cap="flat" cmpd="sng" algn="ctr">
                       <a:solidFill>
@@ -12186,8 +12228,8 @@
                       </a:solidFill>
                       <a:prstDash val="solid"/>
                       <a:round/>
-                      <a:headEnd type="none" w="med" len="med"/>
-                      <a:tailEnd type="none" w="med" len="med"/>
+                      <a:headEnd w="med" len="med"/>
+                      <a:tailEnd w="med" len="med"/>
                     </a:lnR>
                     <a:lnT w="3175" cap="flat" cmpd="sng" algn="ctr">
                       <a:solidFill>
@@ -12197,8 +12239,8 @@
                       </a:solidFill>
                       <a:prstDash val="solid"/>
                       <a:round/>
-                      <a:headEnd type="none" w="med" len="med"/>
-                      <a:tailEnd type="none" w="med" len="med"/>
+                      <a:headEnd w="med" len="med"/>
+                      <a:tailEnd w="med" len="med"/>
                     </a:lnT>
                     <a:lnB w="3175" cap="flat" cmpd="sng" algn="ctr">
                       <a:solidFill>
@@ -12208,19 +12250,21 @@
                       </a:solidFill>
                       <a:prstDash val="solid"/>
                       <a:round/>
-                      <a:headEnd type="none" w="med" len="med"/>
-                      <a:tailEnd type="none" w="med" len="med"/>
+                      <a:headEnd w="med" len="med"/>
+                      <a:tailEnd w="med" len="med"/>
                     </a:lnB>
                     <a:noFill/>
                   </a:tcPr>
                 </a:tc>
                 <a:tc>
                   <a:txBody>
-                    <a:bodyPr/>
+                    <a:bodyPr vert="horz" lIns="68352" tIns="34176" rIns="68352" bIns="34176" anchor="ctr" anchorCtr="0"/>
                     <a:lstStyle/>
                     <a:p>
-                      <a:pPr algn="l" latinLnBrk="1"/>
-                      <a:endParaRPr lang="ko-KR" altLang="en-US" sz="700" dirty="0"/>
+                      <a:pPr lvl="0" algn="l" latinLnBrk="1">
+                        <a:defRPr/>
+                      </a:pPr>
+                      <a:endParaRPr lang="ko-KR" altLang="en-US" sz="700"/>
                     </a:p>
                   </a:txBody>
                   <a:tcPr marL="68352" marR="68352" marT="34176" marB="34176" anchor="ctr">
@@ -12232,15 +12276,15 @@
                       </a:solidFill>
                       <a:prstDash val="solid"/>
                       <a:round/>
-                      <a:headEnd type="none" w="med" len="med"/>
-                      <a:tailEnd type="none" w="med" len="med"/>
+                      <a:headEnd w="med" len="med"/>
+                      <a:tailEnd w="med" len="med"/>
                     </a:lnL>
                     <a:lnR w="12700" cap="flat" cmpd="sng" algn="ctr">
                       <a:noFill/>
                       <a:prstDash val="solid"/>
                       <a:round/>
-                      <a:headEnd type="none" w="med" len="med"/>
-                      <a:tailEnd type="none" w="med" len="med"/>
+                      <a:headEnd w="med" len="med"/>
+                      <a:tailEnd w="med" len="med"/>
                     </a:lnR>
                     <a:lnT w="3175" cap="flat" cmpd="sng" algn="ctr">
                       <a:solidFill>
@@ -12250,8 +12294,8 @@
                       </a:solidFill>
                       <a:prstDash val="solid"/>
                       <a:round/>
-                      <a:headEnd type="none" w="med" len="med"/>
-                      <a:tailEnd type="none" w="med" len="med"/>
+                      <a:headEnd w="med" len="med"/>
+                      <a:tailEnd w="med" len="med"/>
                     </a:lnT>
                     <a:lnB w="3175" cap="flat" cmpd="sng" algn="ctr">
                       <a:solidFill>
@@ -12261,17 +12305,12 @@
                       </a:solidFill>
                       <a:prstDash val="solid"/>
                       <a:round/>
-                      <a:headEnd type="none" w="med" len="med"/>
-                      <a:tailEnd type="none" w="med" len="med"/>
+                      <a:headEnd w="med" len="med"/>
+                      <a:tailEnd w="med" len="med"/>
                     </a:lnB>
                     <a:noFill/>
                   </a:tcPr>
                 </a:tc>
-                <a:extLst>
-                  <a:ext uri="{0D108BD9-81ED-4DB2-BD59-A6C34878D82A}">
-                    <a16:rowId xmlns="" xmlns:a16="http://schemas.microsoft.com/office/drawing/2014/main" val="10014"/>
-                  </a:ext>
-                </a:extLst>
               </a:tr>
             </a:tbl>
           </a:graphicData>
@@ -33080,38 +33119,38 @@
 </file>
 
 <file path=ppt/theme/theme1.xml><?xml version="1.0" encoding="utf-8"?>
-<a:theme xmlns:a="http://schemas.openxmlformats.org/drawingml/2006/main" name="Office 테마">
+<a:theme xmlns:r="http://schemas.openxmlformats.org/officeDocument/2006/relationships" xmlns:c="http://schemas.openxmlformats.org/drawingml/2006/chart" xmlns:dgm="http://schemas.openxmlformats.org/drawingml/2006/diagram" xmlns:dsp="http://schemas.microsoft.com/office/drawing/2008/diagram" xmlns:a="http://schemas.openxmlformats.org/drawingml/2006/main" xmlns:pic="http://schemas.openxmlformats.org/drawingml/2006/picture" xmlns:wp="http://schemas.openxmlformats.org/drawingml/2006/wordprocessingDrawing" xmlns:xdr="http://schemas.openxmlformats.org/drawingml/2006/spreadsheetDrawing" xmlns:lc="http://schemas.openxmlformats.org/drawingml/2006/lockedCanvas" xmlns:p="http://schemas.openxmlformats.org/presentationml/2006/main" name="Office 테마">
   <a:themeElements>
     <a:clrScheme name="수평선">
       <a:dk1>
         <a:srgbClr val="000000"/>
       </a:dk1>
       <a:lt1>
-        <a:srgbClr val="FFFFFF"/>
+        <a:srgbClr val="ffffff"/>
       </a:lt1>
       <a:dk2>
-        <a:srgbClr val="1F2123"/>
+        <a:srgbClr val="1f2123"/>
       </a:dk2>
       <a:lt2>
-        <a:srgbClr val="DC9E1F"/>
+        <a:srgbClr val="dc9e1f"/>
       </a:lt2>
       <a:accent1>
-        <a:srgbClr val="7E97AD"/>
+        <a:srgbClr val="7e97ad"/>
       </a:accent1>
       <a:accent2>
-        <a:srgbClr val="CC8E60"/>
+        <a:srgbClr val="cc8e60"/>
       </a:accent2>
       <a:accent3>
-        <a:srgbClr val="7A6A60"/>
+        <a:srgbClr val="7a6a60"/>
       </a:accent3>
       <a:accent4>
-        <a:srgbClr val="B4936D"/>
+        <a:srgbClr val="b4936d"/>
       </a:accent4>
       <a:accent5>
-        <a:srgbClr val="67787B"/>
+        <a:srgbClr val="67787b"/>
       </a:accent5>
       <a:accent6>
-        <a:srgbClr val="9D936F"/>
+        <a:srgbClr val="9d936f"/>
       </a:accent6>
       <a:hlink>
         <a:srgbClr val="646464"/>
@@ -33125,9 +33164,9 @@
         <a:latin typeface="맑은 고딕"/>
         <a:ea typeface=""/>
         <a:cs typeface=""/>
-        <a:font script="Jpan" typeface="ＭＳ Ｐゴシック"/>
+        <a:font script="Jpan" typeface="MS PGothic"/>
         <a:font script="Hang" typeface="맑은 고딕"/>
-        <a:font script="Hans" typeface="宋体"/>
+        <a:font script="Hans" typeface="SimSun"/>
         <a:font script="Hant" typeface="新細明體"/>
         <a:font script="Arab" typeface="Times New Roman"/>
         <a:font script="Hebr" typeface="Times New Roman"/>
@@ -33160,9 +33199,9 @@
         <a:latin typeface="맑은 고딕"/>
         <a:ea typeface=""/>
         <a:cs typeface=""/>
-        <a:font script="Jpan" typeface="ＭＳ Ｐゴシック"/>
+        <a:font script="Jpan" typeface="MS PGothic"/>
         <a:font script="Hang" typeface="맑은 고딕"/>
-        <a:font script="Hans" typeface="宋体"/>
+        <a:font script="Hans" typeface="SimSun"/>
         <a:font script="Hant" typeface="新細明體"/>
         <a:font script="Arab" typeface="Arial"/>
         <a:font script="Hebr" typeface="Arial"/>
@@ -33363,11 +33402,11 @@
     <a:spDef>
       <a:spPr>
         <a:solidFill>
-          <a:srgbClr val="0078D7"/>
+          <a:srgbClr val="0078d7"/>
         </a:solidFill>
         <a:ln w="12700">
           <a:solidFill>
-            <a:srgbClr val="0078D7"/>
+            <a:srgbClr val="0078d7"/>
           </a:solidFill>
         </a:ln>
       </a:spPr>
@@ -33378,8 +33417,8 @@
             <a:solidFill>
               <a:srgbClr val="000000"/>
             </a:solidFill>
-            <a:latin typeface="Segoe UI" panose="020B0502040204020203" pitchFamily="34" charset="0"/>
-            <a:cs typeface="Segoe UI" panose="020B0502040204020203" pitchFamily="34" charset="0"/>
+            <a:latin typeface="Segoe UI"/>
+            <a:cs typeface="Segoe UI"/>
           </a:defRPr>
         </a:defPPr>
       </a:lstStyle>
@@ -33400,47 +33439,70 @@
         </a:fontRef>
       </a:style>
     </a:spDef>
+    <a:lnDef>
+      <a:spPr/>
+      <a:bodyPr/>
+      <a:lstStyle/>
+      <a:style>
+        <a:lnRef idx="1">
+          <a:schemeClr val="accent1"/>
+        </a:lnRef>
+        <a:fillRef idx="0">
+          <a:schemeClr val="accent1"/>
+        </a:fillRef>
+        <a:effectRef idx="0">
+          <a:schemeClr val="accent1"/>
+        </a:effectRef>
+        <a:fontRef idx="minor">
+          <a:schemeClr val="tx1"/>
+        </a:fontRef>
+      </a:style>
+    </a:lnDef>
+    <a:txDef>
+      <a:spPr/>
+      <a:bodyPr/>
+      <a:lstStyle/>
+    </a:txDef>
   </a:objectDefaults>
-  <a:extraClrSchemeLst/>
 </a:theme>
 </file>
 
 <file path=ppt/theme/theme2.xml><?xml version="1.0" encoding="utf-8"?>
-<a:theme xmlns:a="http://schemas.openxmlformats.org/drawingml/2006/main" name="디자인 사용자 지정">
+<a:theme xmlns:r="http://schemas.openxmlformats.org/officeDocument/2006/relationships" xmlns:c="http://schemas.openxmlformats.org/drawingml/2006/chart" xmlns:dgm="http://schemas.openxmlformats.org/drawingml/2006/diagram" xmlns:dsp="http://schemas.microsoft.com/office/drawing/2008/diagram" xmlns:a="http://schemas.openxmlformats.org/drawingml/2006/main" xmlns:pic="http://schemas.openxmlformats.org/drawingml/2006/picture" xmlns:wp="http://schemas.openxmlformats.org/drawingml/2006/wordprocessingDrawing" xmlns:xdr="http://schemas.openxmlformats.org/drawingml/2006/spreadsheetDrawing" xmlns:lc="http://schemas.openxmlformats.org/drawingml/2006/lockedCanvas" xmlns:p="http://schemas.openxmlformats.org/presentationml/2006/main" name="디자인 사용자 지정">
   <a:themeElements>
     <a:clrScheme name="Office">
       <a:dk1>
         <a:sysClr val="windowText" lastClr="000000"/>
       </a:dk1>
       <a:lt1>
-        <a:sysClr val="window" lastClr="FFFFFF"/>
+        <a:sysClr val="window" lastClr="ffffff"/>
       </a:lt1>
       <a:dk2>
-        <a:srgbClr val="1F497D"/>
+        <a:srgbClr val="1f497d"/>
       </a:dk2>
       <a:lt2>
-        <a:srgbClr val="EEECE1"/>
+        <a:srgbClr val="eeece1"/>
       </a:lt2>
       <a:accent1>
-        <a:srgbClr val="4F81BD"/>
+        <a:srgbClr val="4f81bd"/>
       </a:accent1>
       <a:accent2>
-        <a:srgbClr val="C0504D"/>
+        <a:srgbClr val="c0504d"/>
       </a:accent2>
       <a:accent3>
-        <a:srgbClr val="9BBB59"/>
+        <a:srgbClr val="9bbb59"/>
       </a:accent3>
       <a:accent4>
-        <a:srgbClr val="8064A2"/>
+        <a:srgbClr val="8064a2"/>
       </a:accent4>
       <a:accent5>
-        <a:srgbClr val="4BACC6"/>
+        <a:srgbClr val="4bacc6"/>
       </a:accent5>
       <a:accent6>
-        <a:srgbClr val="F79646"/>
+        <a:srgbClr val="f79646"/>
       </a:accent6>
       <a:hlink>
-        <a:srgbClr val="0000FF"/>
+        <a:srgbClr val="0000ff"/>
       </a:hlink>
       <a:folHlink>
         <a:srgbClr val="800080"/>
@@ -33451,9 +33513,9 @@
         <a:latin typeface="맑은 고딕"/>
         <a:ea typeface=""/>
         <a:cs typeface=""/>
-        <a:font script="Jpan" typeface="ＭＳ Ｐゴシック"/>
+        <a:font script="Jpan" typeface="MS PGothic"/>
         <a:font script="Hang" typeface="맑은 고딕"/>
-        <a:font script="Hans" typeface="宋体"/>
+        <a:font script="Hans" typeface="SimSun"/>
         <a:font script="Hant" typeface="新細明體"/>
         <a:font script="Arab" typeface="Times New Roman"/>
         <a:font script="Hebr" typeface="Times New Roman"/>
@@ -33486,9 +33548,9 @@
         <a:latin typeface="맑은 고딕"/>
         <a:ea typeface=""/>
         <a:cs typeface=""/>
-        <a:font script="Jpan" typeface="ＭＳ Ｐゴシック"/>
+        <a:font script="Jpan" typeface="MS PGothic"/>
         <a:font script="Hang" typeface="맑은 고딕"/>
-        <a:font script="Hans" typeface="宋体"/>
+        <a:font script="Hans" typeface="SimSun"/>
         <a:font script="Hant" typeface="新細明體"/>
         <a:font script="Arab" typeface="Arial"/>
         <a:font script="Hebr" typeface="Arial"/>
@@ -33685,47 +33747,45 @@
       </a:bgFillStyleLst>
     </a:fmtScheme>
   </a:themeElements>
-  <a:objectDefaults/>
-  <a:extraClrSchemeLst/>
 </a:theme>
 </file>
 
 <file path=ppt/theme/theme3.xml><?xml version="1.0" encoding="utf-8"?>
-<a:theme xmlns:a="http://schemas.openxmlformats.org/drawingml/2006/main" name="Office 테마">
+<a:theme xmlns:r="http://schemas.openxmlformats.org/officeDocument/2006/relationships" xmlns:c="http://schemas.openxmlformats.org/drawingml/2006/chart" xmlns:dgm="http://schemas.openxmlformats.org/drawingml/2006/diagram" xmlns:dsp="http://schemas.microsoft.com/office/drawing/2008/diagram" xmlns:a="http://schemas.openxmlformats.org/drawingml/2006/main" xmlns:pic="http://schemas.openxmlformats.org/drawingml/2006/picture" xmlns:wp="http://schemas.openxmlformats.org/drawingml/2006/wordprocessingDrawing" xmlns:xdr="http://schemas.openxmlformats.org/drawingml/2006/spreadsheetDrawing" xmlns:lc="http://schemas.openxmlformats.org/drawingml/2006/lockedCanvas" xmlns:p="http://schemas.openxmlformats.org/presentationml/2006/main" name="Office 테마">
   <a:themeElements>
     <a:clrScheme name="Office">
       <a:dk1>
         <a:sysClr val="windowText" lastClr="000000"/>
       </a:dk1>
       <a:lt1>
-        <a:sysClr val="window" lastClr="FFFFFF"/>
+        <a:sysClr val="window" lastClr="ffffff"/>
       </a:lt1>
       <a:dk2>
-        <a:srgbClr val="1F497D"/>
+        <a:srgbClr val="1f497d"/>
       </a:dk2>
       <a:lt2>
-        <a:srgbClr val="EEECE1"/>
+        <a:srgbClr val="eeece1"/>
       </a:lt2>
       <a:accent1>
-        <a:srgbClr val="4F81BD"/>
+        <a:srgbClr val="4f81bd"/>
       </a:accent1>
       <a:accent2>
-        <a:srgbClr val="C0504D"/>
+        <a:srgbClr val="c0504d"/>
       </a:accent2>
       <a:accent3>
-        <a:srgbClr val="9BBB59"/>
+        <a:srgbClr val="9bbb59"/>
       </a:accent3>
       <a:accent4>
-        <a:srgbClr val="8064A2"/>
+        <a:srgbClr val="8064a2"/>
       </a:accent4>
       <a:accent5>
-        <a:srgbClr val="4BACC6"/>
+        <a:srgbClr val="4bacc6"/>
       </a:accent5>
       <a:accent6>
-        <a:srgbClr val="F79646"/>
+        <a:srgbClr val="f79646"/>
       </a:accent6>
       <a:hlink>
-        <a:srgbClr val="0000FF"/>
+        <a:srgbClr val="0000ff"/>
       </a:hlink>
       <a:folHlink>
         <a:srgbClr val="800080"/>
@@ -33736,9 +33796,9 @@
         <a:latin typeface="맑은 고딕"/>
         <a:ea typeface=""/>
         <a:cs typeface=""/>
-        <a:font script="Jpan" typeface="ＭＳ Ｐゴシック"/>
+        <a:font script="Jpan" typeface="MS PGothic"/>
         <a:font script="Hang" typeface="맑은 고딕"/>
-        <a:font script="Hans" typeface="宋体"/>
+        <a:font script="Hans" typeface="SimSun"/>
         <a:font script="Hant" typeface="新細明體"/>
         <a:font script="Arab" typeface="Times New Roman"/>
         <a:font script="Hebr" typeface="Times New Roman"/>
@@ -33771,9 +33831,9 @@
         <a:latin typeface="맑은 고딕"/>
         <a:ea typeface=""/>
         <a:cs typeface=""/>
-        <a:font script="Jpan" typeface="ＭＳ Ｐゴシック"/>
+        <a:font script="Jpan" typeface="MS PGothic"/>
         <a:font script="Hang" typeface="맑은 고딕"/>
-        <a:font script="Hans" typeface="宋体"/>
+        <a:font script="Hans" typeface="SimSun"/>
         <a:font script="Hant" typeface="新細明體"/>
         <a:font script="Arab" typeface="Arial"/>
         <a:font script="Hebr" typeface="Arial"/>
@@ -33970,47 +34030,45 @@
       </a:bgFillStyleLst>
     </a:fmtScheme>
   </a:themeElements>
-  <a:objectDefaults/>
-  <a:extraClrSchemeLst/>
 </a:theme>
 </file>
 
 <file path=ppt/theme/theme4.xml><?xml version="1.0" encoding="utf-8"?>
-<a:theme xmlns:a="http://schemas.openxmlformats.org/drawingml/2006/main" name="Office 테마">
+<a:theme xmlns:r="http://schemas.openxmlformats.org/officeDocument/2006/relationships" xmlns:c="http://schemas.openxmlformats.org/drawingml/2006/chart" xmlns:dgm="http://schemas.openxmlformats.org/drawingml/2006/diagram" xmlns:dsp="http://schemas.microsoft.com/office/drawing/2008/diagram" xmlns:a="http://schemas.openxmlformats.org/drawingml/2006/main" xmlns:pic="http://schemas.openxmlformats.org/drawingml/2006/picture" xmlns:wp="http://schemas.openxmlformats.org/drawingml/2006/wordprocessingDrawing" xmlns:xdr="http://schemas.openxmlformats.org/drawingml/2006/spreadsheetDrawing" xmlns:lc="http://schemas.openxmlformats.org/drawingml/2006/lockedCanvas" xmlns:p="http://schemas.openxmlformats.org/presentationml/2006/main" name="Office 테마">
   <a:themeElements>
     <a:clrScheme name="Office">
       <a:dk1>
         <a:sysClr val="windowText" lastClr="000000"/>
       </a:dk1>
       <a:lt1>
-        <a:sysClr val="window" lastClr="FFFFFF"/>
+        <a:sysClr val="window" lastClr="ffffff"/>
       </a:lt1>
       <a:dk2>
-        <a:srgbClr val="1F497D"/>
+        <a:srgbClr val="1f497d"/>
       </a:dk2>
       <a:lt2>
-        <a:srgbClr val="EEECE1"/>
+        <a:srgbClr val="eeece1"/>
       </a:lt2>
       <a:accent1>
-        <a:srgbClr val="4F81BD"/>
+        <a:srgbClr val="4f81bd"/>
       </a:accent1>
       <a:accent2>
-        <a:srgbClr val="C0504D"/>
+        <a:srgbClr val="c0504d"/>
       </a:accent2>
       <a:accent3>
-        <a:srgbClr val="9BBB59"/>
+        <a:srgbClr val="9bbb59"/>
       </a:accent3>
       <a:accent4>
-        <a:srgbClr val="8064A2"/>
+        <a:srgbClr val="8064a2"/>
       </a:accent4>
       <a:accent5>
-        <a:srgbClr val="4BACC6"/>
+        <a:srgbClr val="4bacc6"/>
       </a:accent5>
       <a:accent6>
-        <a:srgbClr val="F79646"/>
+        <a:srgbClr val="f79646"/>
       </a:accent6>
       <a:hlink>
-        <a:srgbClr val="0000FF"/>
+        <a:srgbClr val="0000ff"/>
       </a:hlink>
       <a:folHlink>
         <a:srgbClr val="800080"/>
@@ -34021,9 +34079,9 @@
         <a:latin typeface="맑은 고딕"/>
         <a:ea typeface=""/>
         <a:cs typeface=""/>
-        <a:font script="Jpan" typeface="ＭＳ Ｐゴシック"/>
+        <a:font script="Jpan" typeface="MS PGothic"/>
         <a:font script="Hang" typeface="맑은 고딕"/>
-        <a:font script="Hans" typeface="宋体"/>
+        <a:font script="Hans" typeface="SimSun"/>
         <a:font script="Hant" typeface="新細明體"/>
         <a:font script="Arab" typeface="Times New Roman"/>
         <a:font script="Hebr" typeface="Times New Roman"/>
@@ -34056,9 +34114,9 @@
         <a:latin typeface="맑은 고딕"/>
         <a:ea typeface=""/>
         <a:cs typeface=""/>
-        <a:font script="Jpan" typeface="ＭＳ Ｐゴシック"/>
+        <a:font script="Jpan" typeface="MS PGothic"/>
         <a:font script="Hang" typeface="맑은 고딕"/>
-        <a:font script="Hans" typeface="宋体"/>
+        <a:font script="Hans" typeface="SimSun"/>
         <a:font script="Hant" typeface="新細明體"/>
         <a:font script="Arab" typeface="Arial"/>
         <a:font script="Hebr" typeface="Arial"/>
@@ -34255,7 +34313,5 @@
       </a:bgFillStyleLst>
     </a:fmtScheme>
   </a:themeElements>
-  <a:objectDefaults/>
-  <a:extraClrSchemeLst/>
 </a:theme>
 </file>